--- a/The Journey of analysis.pptx
+++ b/The Journey of analysis.pptx
@@ -2,7 +2,7 @@
 <file path=ppt/presentation.xml><?xml version="1.0" encoding="utf-8"?>
 <p:presentation xmlns:a="http://schemas.openxmlformats.org/drawingml/2006/main" xmlns:r="http://schemas.openxmlformats.org/officeDocument/2006/relationships" xmlns:p="http://schemas.openxmlformats.org/presentationml/2006/main" saveSubsetFonts="1">
   <p:sldMasterIdLst>
-    <p:sldMasterId id="2147483830" r:id="rId1"/>
+    <p:sldMasterId id="2147483848" r:id="rId1"/>
   </p:sldMasterIdLst>
   <p:sldIdLst>
     <p:sldId id="256" r:id="rId2"/>
@@ -10,9 +10,9 @@
     <p:sldId id="259" r:id="rId4"/>
     <p:sldId id="260" r:id="rId5"/>
     <p:sldId id="261" r:id="rId6"/>
-    <p:sldId id="262" r:id="rId7"/>
-    <p:sldId id="263" r:id="rId8"/>
-    <p:sldId id="264" r:id="rId9"/>
+    <p:sldId id="266" r:id="rId7"/>
+    <p:sldId id="262" r:id="rId8"/>
+    <p:sldId id="263" r:id="rId9"/>
     <p:sldId id="265" r:id="rId10"/>
   </p:sldIdLst>
   <p:sldSz cx="12192000" cy="6858000"/>
@@ -112,11 +112,16 @@
       </a:defRPr>
     </a:lvl9pPr>
   </p:defaultTextStyle>
+  <p:extLst>
+    <p:ext uri="{EFAFB233-063F-42B5-8137-9DF3F51BA10A}">
+      <p15:sldGuideLst xmlns:p15="http://schemas.microsoft.com/office/powerpoint/2012/main"/>
+    </p:ext>
+  </p:extLst>
 </p:presentation>
 </file>
 
 <file path=ppt/slideLayouts/slideLayout1.xml><?xml version="1.0" encoding="utf-8"?>
-<p:sldLayout xmlns:a="http://schemas.openxmlformats.org/drawingml/2006/main" xmlns:r="http://schemas.openxmlformats.org/officeDocument/2006/relationships" xmlns:p="http://schemas.openxmlformats.org/presentationml/2006/main" showMasterSp="0" type="title" preserve="1">
+<p:sldLayout xmlns:a="http://schemas.openxmlformats.org/drawingml/2006/main" xmlns:r="http://schemas.openxmlformats.org/officeDocument/2006/relationships" xmlns:p="http://schemas.openxmlformats.org/presentationml/2006/main" type="title" preserve="1">
   <p:cSld name="Title Slide">
     <p:spTree>
       <p:nvGrpSpPr>
@@ -134,7 +139,7 @@
       </p:grpSpPr>
       <p:grpSp>
         <p:nvGrpSpPr>
-          <p:cNvPr id="7" name="Group 6"/>
+          <p:cNvPr id="18" name="Group 17"/>
           <p:cNvGrpSpPr/>
           <p:nvPr/>
         </p:nvGrpSpPr>
@@ -148,7 +153,7 @@
         </p:grpSpPr>
         <p:sp>
           <p:nvSpPr>
-            <p:cNvPr id="9" name="Rectangle 8"/>
+            <p:cNvPr id="8" name="Rectangle 7"/>
             <p:cNvSpPr/>
             <p:nvPr/>
           </p:nvSpPr>
@@ -164,15 +169,14 @@
               <a:blip r:embed="rId2">
                 <a:duotone>
                   <a:schemeClr val="dk2">
-                    <a:shade val="69000"/>
-                    <a:hueMod val="91000"/>
-                    <a:satMod val="164000"/>
-                    <a:lumMod val="74000"/>
+                    <a:shade val="42000"/>
+                    <a:hueMod val="42000"/>
+                    <a:satMod val="124000"/>
+                    <a:lumMod val="62000"/>
                   </a:schemeClr>
                   <a:schemeClr val="dk2">
-                    <a:hueMod val="124000"/>
-                    <a:satMod val="140000"/>
-                    <a:lumMod val="142000"/>
+                    <a:tint val="96000"/>
+                    <a:satMod val="130000"/>
                   </a:schemeClr>
                 </a:duotone>
               </a:blip>
@@ -203,7 +207,367 @@
         </p:sp>
         <p:sp>
           <p:nvSpPr>
-            <p:cNvPr id="10" name="Freeform 5"/>
+            <p:cNvPr id="9" name="Oval 8"/>
+            <p:cNvSpPr/>
+            <p:nvPr/>
+          </p:nvSpPr>
+          <p:spPr>
+            <a:xfrm>
+              <a:off x="8609012" y="5867400"/>
+              <a:ext cx="990600" cy="990600"/>
+            </a:xfrm>
+            <a:prstGeom prst="ellipse">
+              <a:avLst/>
+            </a:prstGeom>
+            <a:gradFill flip="none" rotWithShape="1">
+              <a:gsLst>
+                <a:gs pos="0">
+                  <a:schemeClr val="accent5">
+                    <a:alpha val="14000"/>
+                  </a:schemeClr>
+                </a:gs>
+                <a:gs pos="66000">
+                  <a:schemeClr val="accent5">
+                    <a:alpha val="0"/>
+                  </a:schemeClr>
+                </a:gs>
+                <a:gs pos="36000">
+                  <a:schemeClr val="accent5">
+                    <a:alpha val="7000"/>
+                  </a:schemeClr>
+                </a:gs>
+              </a:gsLst>
+              <a:path path="circle">
+                <a:fillToRect l="50000" t="50000" r="50000" b="50000"/>
+              </a:path>
+              <a:tileRect/>
+            </a:gradFill>
+            <a:ln>
+              <a:noFill/>
+            </a:ln>
+            <a:effectLst/>
+          </p:spPr>
+          <p:style>
+            <a:lnRef idx="1">
+              <a:schemeClr val="accent1"/>
+            </a:lnRef>
+            <a:fillRef idx="3">
+              <a:schemeClr val="accent1"/>
+            </a:fillRef>
+            <a:effectRef idx="2">
+              <a:schemeClr val="accent1"/>
+            </a:effectRef>
+            <a:fontRef idx="minor">
+              <a:schemeClr val="lt1"/>
+            </a:fontRef>
+          </p:style>
+        </p:sp>
+        <p:sp>
+          <p:nvSpPr>
+            <p:cNvPr id="10" name="Oval 9"/>
+            <p:cNvSpPr/>
+            <p:nvPr/>
+          </p:nvSpPr>
+          <p:spPr>
+            <a:xfrm>
+              <a:off x="8609012" y="1676400"/>
+              <a:ext cx="2819400" cy="2819400"/>
+            </a:xfrm>
+            <a:prstGeom prst="ellipse">
+              <a:avLst/>
+            </a:prstGeom>
+            <a:gradFill flip="none" rotWithShape="1">
+              <a:gsLst>
+                <a:gs pos="0">
+                  <a:schemeClr val="accent5">
+                    <a:alpha val="7000"/>
+                  </a:schemeClr>
+                </a:gs>
+                <a:gs pos="69000">
+                  <a:schemeClr val="accent5">
+                    <a:alpha val="0"/>
+                  </a:schemeClr>
+                </a:gs>
+                <a:gs pos="36000">
+                  <a:schemeClr val="accent5">
+                    <a:alpha val="6000"/>
+                  </a:schemeClr>
+                </a:gs>
+              </a:gsLst>
+              <a:path path="circle">
+                <a:fillToRect l="50000" t="50000" r="50000" b="50000"/>
+              </a:path>
+              <a:tileRect/>
+            </a:gradFill>
+            <a:ln>
+              <a:noFill/>
+            </a:ln>
+            <a:effectLst/>
+          </p:spPr>
+          <p:style>
+            <a:lnRef idx="1">
+              <a:schemeClr val="accent1"/>
+            </a:lnRef>
+            <a:fillRef idx="3">
+              <a:schemeClr val="accent1"/>
+            </a:fillRef>
+            <a:effectRef idx="2">
+              <a:schemeClr val="accent1"/>
+            </a:effectRef>
+            <a:fontRef idx="minor">
+              <a:schemeClr val="lt1"/>
+            </a:fontRef>
+          </p:style>
+        </p:sp>
+        <p:sp>
+          <p:nvSpPr>
+            <p:cNvPr id="11" name="Oval 10"/>
+            <p:cNvSpPr/>
+            <p:nvPr/>
+          </p:nvSpPr>
+          <p:spPr>
+            <a:xfrm>
+              <a:off x="7999412" y="1587"/>
+              <a:ext cx="1600200" cy="1600200"/>
+            </a:xfrm>
+            <a:prstGeom prst="ellipse">
+              <a:avLst/>
+            </a:prstGeom>
+            <a:gradFill flip="none" rotWithShape="1">
+              <a:gsLst>
+                <a:gs pos="0">
+                  <a:schemeClr val="accent1">
+                    <a:lumMod val="60000"/>
+                    <a:lumOff val="40000"/>
+                    <a:alpha val="14000"/>
+                  </a:schemeClr>
+                </a:gs>
+                <a:gs pos="73000">
+                  <a:schemeClr val="accent1">
+                    <a:lumMod val="60000"/>
+                    <a:lumOff val="40000"/>
+                    <a:alpha val="0"/>
+                  </a:schemeClr>
+                </a:gs>
+                <a:gs pos="36000">
+                  <a:schemeClr val="accent1">
+                    <a:lumMod val="60000"/>
+                    <a:lumOff val="40000"/>
+                    <a:alpha val="7000"/>
+                  </a:schemeClr>
+                </a:gs>
+              </a:gsLst>
+              <a:path path="circle">
+                <a:fillToRect l="50000" t="50000" r="50000" b="50000"/>
+              </a:path>
+              <a:tileRect/>
+            </a:gradFill>
+            <a:ln>
+              <a:noFill/>
+            </a:ln>
+            <a:effectLst/>
+          </p:spPr>
+          <p:style>
+            <a:lnRef idx="1">
+              <a:schemeClr val="accent1"/>
+            </a:lnRef>
+            <a:fillRef idx="3">
+              <a:schemeClr val="accent1"/>
+            </a:fillRef>
+            <a:effectRef idx="2">
+              <a:schemeClr val="accent1"/>
+            </a:effectRef>
+            <a:fontRef idx="minor">
+              <a:schemeClr val="lt1"/>
+            </a:fontRef>
+          </p:style>
+        </p:sp>
+        <p:sp>
+          <p:nvSpPr>
+            <p:cNvPr id="12" name="Oval 11"/>
+            <p:cNvSpPr/>
+            <p:nvPr/>
+          </p:nvSpPr>
+          <p:spPr>
+            <a:xfrm>
+              <a:off x="0" y="2895600"/>
+              <a:ext cx="2362200" cy="2362200"/>
+            </a:xfrm>
+            <a:prstGeom prst="ellipse">
+              <a:avLst/>
+            </a:prstGeom>
+            <a:gradFill flip="none" rotWithShape="1">
+              <a:gsLst>
+                <a:gs pos="0">
+                  <a:schemeClr val="accent5">
+                    <a:alpha val="8000"/>
+                  </a:schemeClr>
+                </a:gs>
+                <a:gs pos="72000">
+                  <a:schemeClr val="accent5">
+                    <a:alpha val="0"/>
+                  </a:schemeClr>
+                </a:gs>
+                <a:gs pos="36000">
+                  <a:schemeClr val="accent5">
+                    <a:alpha val="8000"/>
+                  </a:schemeClr>
+                </a:gs>
+              </a:gsLst>
+              <a:path path="circle">
+                <a:fillToRect l="50000" t="50000" r="50000" b="50000"/>
+              </a:path>
+              <a:tileRect/>
+            </a:gradFill>
+            <a:ln>
+              <a:noFill/>
+            </a:ln>
+            <a:effectLst/>
+          </p:spPr>
+          <p:style>
+            <a:lnRef idx="1">
+              <a:schemeClr val="accent1"/>
+            </a:lnRef>
+            <a:fillRef idx="3">
+              <a:schemeClr val="accent1"/>
+            </a:fillRef>
+            <a:effectRef idx="2">
+              <a:schemeClr val="accent1"/>
+            </a:effectRef>
+            <a:fontRef idx="minor">
+              <a:schemeClr val="lt1"/>
+            </a:fontRef>
+          </p:style>
+        </p:sp>
+        <p:sp>
+          <p:nvSpPr>
+            <p:cNvPr id="13" name="Oval 12"/>
+            <p:cNvSpPr/>
+            <p:nvPr/>
+          </p:nvSpPr>
+          <p:spPr>
+            <a:xfrm>
+              <a:off x="0" y="2667000"/>
+              <a:ext cx="4191000" cy="4191000"/>
+            </a:xfrm>
+            <a:prstGeom prst="ellipse">
+              <a:avLst/>
+            </a:prstGeom>
+            <a:gradFill flip="none" rotWithShape="1">
+              <a:gsLst>
+                <a:gs pos="0">
+                  <a:schemeClr val="accent1">
+                    <a:lumMod val="60000"/>
+                    <a:lumOff val="40000"/>
+                    <a:alpha val="11000"/>
+                  </a:schemeClr>
+                </a:gs>
+                <a:gs pos="75000">
+                  <a:schemeClr val="accent1">
+                    <a:lumMod val="60000"/>
+                    <a:lumOff val="40000"/>
+                    <a:alpha val="0"/>
+                  </a:schemeClr>
+                </a:gs>
+                <a:gs pos="36000">
+                  <a:schemeClr val="accent1">
+                    <a:lumMod val="60000"/>
+                    <a:lumOff val="40000"/>
+                    <a:alpha val="10000"/>
+                  </a:schemeClr>
+                </a:gs>
+              </a:gsLst>
+              <a:path path="circle">
+                <a:fillToRect l="50000" t="50000" r="50000" b="50000"/>
+              </a:path>
+              <a:tileRect/>
+            </a:gradFill>
+            <a:ln>
+              <a:noFill/>
+            </a:ln>
+            <a:effectLst/>
+          </p:spPr>
+          <p:style>
+            <a:lnRef idx="1">
+              <a:schemeClr val="accent1"/>
+            </a:lnRef>
+            <a:fillRef idx="3">
+              <a:schemeClr val="accent1"/>
+            </a:fillRef>
+            <a:effectRef idx="2">
+              <a:schemeClr val="accent1"/>
+            </a:effectRef>
+            <a:fontRef idx="minor">
+              <a:schemeClr val="lt1"/>
+            </a:fontRef>
+          </p:style>
+        </p:sp>
+        <p:sp>
+          <p:nvSpPr>
+            <p:cNvPr id="14" name="Oval 13"/>
+            <p:cNvSpPr/>
+            <p:nvPr/>
+          </p:nvSpPr>
+          <p:spPr>
+            <a:xfrm>
+              <a:off x="8609012" y="5865239"/>
+              <a:ext cx="990600" cy="990600"/>
+            </a:xfrm>
+            <a:prstGeom prst="ellipse">
+              <a:avLst/>
+            </a:prstGeom>
+            <a:gradFill flip="none" rotWithShape="1">
+              <a:gsLst>
+                <a:gs pos="0">
+                  <a:schemeClr val="accent1">
+                    <a:lumMod val="60000"/>
+                    <a:lumOff val="40000"/>
+                    <a:alpha val="10000"/>
+                  </a:schemeClr>
+                </a:gs>
+                <a:gs pos="66000">
+                  <a:schemeClr val="accent1">
+                    <a:lumMod val="60000"/>
+                    <a:lumOff val="40000"/>
+                    <a:alpha val="0"/>
+                  </a:schemeClr>
+                </a:gs>
+                <a:gs pos="31000">
+                  <a:schemeClr val="accent1">
+                    <a:lumMod val="60000"/>
+                    <a:lumOff val="40000"/>
+                    <a:alpha val="5000"/>
+                  </a:schemeClr>
+                </a:gs>
+              </a:gsLst>
+              <a:path path="circle">
+                <a:fillToRect l="50000" t="50000" r="50000" b="50000"/>
+              </a:path>
+              <a:tileRect/>
+            </a:gradFill>
+            <a:ln>
+              <a:noFill/>
+            </a:ln>
+            <a:effectLst/>
+          </p:spPr>
+          <p:style>
+            <a:lnRef idx="1">
+              <a:schemeClr val="accent1"/>
+            </a:lnRef>
+            <a:fillRef idx="3">
+              <a:schemeClr val="accent1"/>
+            </a:fillRef>
+            <a:effectRef idx="2">
+              <a:schemeClr val="accent1"/>
+            </a:effectRef>
+            <a:fontRef idx="minor">
+              <a:schemeClr val="lt1"/>
+            </a:fontRef>
+          </p:style>
+        </p:sp>
+        <p:sp>
+          <p:nvSpPr>
+            <p:cNvPr id="16" name="Freeform 5"/>
             <p:cNvSpPr>
               <a:spLocks noEditPoints="1"/>
             </p:cNvSpPr>
@@ -308,7 +672,7 @@
             <p:ph type="subTitle" idx="1"/>
           </p:nvPr>
         </p:nvSpPr>
-        <p:spPr bwMode="gray">
+        <p:spPr>
           <a:xfrm>
             <a:off x="1154955" y="4777380"/>
             <a:ext cx="8825658" cy="861420"/>
@@ -321,10 +685,7 @@
               <a:buNone/>
               <a:defRPr cap="all">
                 <a:solidFill>
-                  <a:schemeClr val="accent1">
-                    <a:lumMod val="60000"/>
-                    <a:lumOff val="40000"/>
-                  </a:schemeClr>
+                  <a:schemeClr val="accent1"/>
                 </a:solidFill>
               </a:defRPr>
             </a:lvl1pPr>
@@ -430,7 +791,7 @@
         </p:nvSpPr>
         <p:spPr bwMode="gray">
           <a:xfrm rot="5400000">
-            <a:off x="10158984" y="1792224"/>
+            <a:off x="10176279" y="1792223"/>
             <a:ext cx="990599" cy="304799"/>
           </a:xfrm>
         </p:spPr>
@@ -440,9 +801,7 @@
             <a:lvl1pPr algn="l">
               <a:defRPr b="0" i="0">
                 <a:solidFill>
-                  <a:schemeClr val="bg1">
-                    <a:alpha val="60000"/>
-                  </a:schemeClr>
+                  <a:schemeClr val="bg1"/>
                 </a:solidFill>
               </a:defRPr>
             </a:lvl1pPr>
@@ -450,7 +809,7 @@
           <a:p>
             <a:fld id="{524C6359-9BB8-4148-8114-537E698DA205}" type="datetime1">
               <a:rPr lang="en-US" smtClean="0"/>
-              <a:t>9/12/2024</a:t>
+              <a:t>10/13/2024</a:t>
             </a:fld>
             <a:endParaRPr lang="en-US" dirty="0"/>
           </a:p>
@@ -468,19 +827,17 @@
         </p:nvSpPr>
         <p:spPr bwMode="gray">
           <a:xfrm rot="5400000">
-            <a:off x="8951976" y="3227832"/>
+            <a:off x="8963575" y="3226820"/>
             <a:ext cx="3859795" cy="304801"/>
           </a:xfrm>
         </p:spPr>
         <p:txBody>
-          <a:bodyPr/>
+          <a:bodyPr anchor="b"/>
           <a:lstStyle>
             <a:lvl1pPr>
               <a:defRPr b="0" i="0">
                 <a:solidFill>
-                  <a:schemeClr val="bg1">
-                    <a:alpha val="60000"/>
-                  </a:schemeClr>
+                  <a:schemeClr val="bg1"/>
                 </a:solidFill>
               </a:defRPr>
             </a:lvl1pPr>
@@ -492,13 +849,13 @@
       </p:sp>
       <p:sp>
         <p:nvSpPr>
-          <p:cNvPr id="11" name="Rectangle 10"/>
+          <p:cNvPr id="17" name="Rectangle 16"/>
           <p:cNvSpPr/>
           <p:nvPr/>
         </p:nvSpPr>
         <p:spPr>
           <a:xfrm>
-            <a:off x="10437812" y="0"/>
+            <a:off x="10443728" y="0"/>
             <a:ext cx="685800" cy="1143000"/>
           </a:xfrm>
           <a:prstGeom prst="rect">
@@ -528,7 +885,7 @@
       </p:sp>
       <p:sp>
         <p:nvSpPr>
-          <p:cNvPr id="12" name="Slide Number Placeholder 5"/>
+          <p:cNvPr id="6" name="Slide Number Placeholder 5"/>
           <p:cNvSpPr>
             <a:spLocks noGrp="1"/>
           </p:cNvSpPr>
@@ -538,13 +895,17 @@
         </p:nvSpPr>
         <p:spPr>
           <a:xfrm>
-            <a:off x="10352540" y="295729"/>
+            <a:off x="10351008" y="292608"/>
             <a:ext cx="838199" cy="767687"/>
           </a:xfrm>
         </p:spPr>
         <p:txBody>
           <a:bodyPr/>
-          <a:lstStyle/>
+          <a:lstStyle>
+            <a:lvl1pPr>
+              <a:defRPr sz="2800" b="0" i="0"/>
+            </a:lvl1pPr>
+          </a:lstStyle>
           <a:p>
             <a:fld id="{E1076ED0-0DB3-4879-AAE5-5C20D22C1DF4}" type="slidenum">
               <a:rPr lang="en-US" smtClean="0"/>
@@ -557,7 +918,7 @@
     </p:spTree>
     <p:extLst>
       <p:ext uri="{BB962C8B-B14F-4D97-AF65-F5344CB8AC3E}">
-        <p14:creationId xmlns:p14="http://schemas.microsoft.com/office/powerpoint/2010/main" val="13761083"/>
+        <p14:creationId xmlns:p14="http://schemas.microsoft.com/office/powerpoint/2010/main" val="546719252"/>
       </p:ext>
     </p:extLst>
   </p:cSld>
@@ -586,7 +947,7 @@
       </p:grpSpPr>
       <p:grpSp>
         <p:nvGrpSpPr>
-          <p:cNvPr id="9" name="Group 8"/>
+          <p:cNvPr id="10" name="Group 9"/>
           <p:cNvGrpSpPr/>
           <p:nvPr/>
         </p:nvGrpSpPr>
@@ -600,7 +961,7 @@
         </p:grpSpPr>
         <p:sp>
           <p:nvSpPr>
-            <p:cNvPr id="13" name="Rectangle 12"/>
+            <p:cNvPr id="11" name="Rectangle 10"/>
             <p:cNvSpPr/>
             <p:nvPr/>
           </p:nvSpPr>
@@ -616,15 +977,14 @@
               <a:blip r:embed="rId2">
                 <a:duotone>
                   <a:schemeClr val="dk2">
-                    <a:shade val="69000"/>
-                    <a:hueMod val="91000"/>
-                    <a:satMod val="164000"/>
-                    <a:lumMod val="74000"/>
+                    <a:shade val="42000"/>
+                    <a:hueMod val="42000"/>
+                    <a:satMod val="124000"/>
+                    <a:lumMod val="62000"/>
                   </a:schemeClr>
                   <a:schemeClr val="dk2">
-                    <a:hueMod val="124000"/>
-                    <a:satMod val="140000"/>
-                    <a:lumMod val="142000"/>
+                    <a:tint val="96000"/>
+                    <a:satMod val="130000"/>
                   </a:schemeClr>
                 </a:duotone>
               </a:blip>
@@ -646,6 +1006,240 @@
               <a:schemeClr val="accent1"/>
             </a:fillRef>
             <a:effectRef idx="0">
+              <a:schemeClr val="accent1"/>
+            </a:effectRef>
+            <a:fontRef idx="minor">
+              <a:schemeClr val="lt1"/>
+            </a:fontRef>
+          </p:style>
+        </p:sp>
+        <p:sp>
+          <p:nvSpPr>
+            <p:cNvPr id="12" name="Oval 11"/>
+            <p:cNvSpPr/>
+            <p:nvPr/>
+          </p:nvSpPr>
+          <p:spPr>
+            <a:xfrm>
+              <a:off x="8609012" y="5867400"/>
+              <a:ext cx="990600" cy="990600"/>
+            </a:xfrm>
+            <a:prstGeom prst="ellipse">
+              <a:avLst/>
+            </a:prstGeom>
+            <a:gradFill flip="none" rotWithShape="1">
+              <a:gsLst>
+                <a:gs pos="0">
+                  <a:schemeClr val="accent5">
+                    <a:alpha val="14000"/>
+                  </a:schemeClr>
+                </a:gs>
+                <a:gs pos="66000">
+                  <a:schemeClr val="accent5">
+                    <a:alpha val="0"/>
+                  </a:schemeClr>
+                </a:gs>
+                <a:gs pos="36000">
+                  <a:schemeClr val="accent5">
+                    <a:alpha val="7000"/>
+                  </a:schemeClr>
+                </a:gs>
+              </a:gsLst>
+              <a:path path="circle">
+                <a:fillToRect l="50000" t="50000" r="50000" b="50000"/>
+              </a:path>
+              <a:tileRect/>
+            </a:gradFill>
+            <a:ln>
+              <a:noFill/>
+            </a:ln>
+            <a:effectLst/>
+          </p:spPr>
+          <p:style>
+            <a:lnRef idx="1">
+              <a:schemeClr val="accent1"/>
+            </a:lnRef>
+            <a:fillRef idx="3">
+              <a:schemeClr val="accent1"/>
+            </a:fillRef>
+            <a:effectRef idx="2">
+              <a:schemeClr val="accent1"/>
+            </a:effectRef>
+            <a:fontRef idx="minor">
+              <a:schemeClr val="lt1"/>
+            </a:fontRef>
+          </p:style>
+        </p:sp>
+        <p:sp>
+          <p:nvSpPr>
+            <p:cNvPr id="14" name="Oval 13"/>
+            <p:cNvSpPr/>
+            <p:nvPr/>
+          </p:nvSpPr>
+          <p:spPr>
+            <a:xfrm>
+              <a:off x="8609012" y="1676400"/>
+              <a:ext cx="2819400" cy="2819400"/>
+            </a:xfrm>
+            <a:prstGeom prst="ellipse">
+              <a:avLst/>
+            </a:prstGeom>
+            <a:gradFill flip="none" rotWithShape="1">
+              <a:gsLst>
+                <a:gs pos="0">
+                  <a:schemeClr val="accent5">
+                    <a:alpha val="7000"/>
+                  </a:schemeClr>
+                </a:gs>
+                <a:gs pos="69000">
+                  <a:schemeClr val="accent5">
+                    <a:alpha val="0"/>
+                  </a:schemeClr>
+                </a:gs>
+                <a:gs pos="36000">
+                  <a:schemeClr val="accent5">
+                    <a:alpha val="6000"/>
+                  </a:schemeClr>
+                </a:gs>
+              </a:gsLst>
+              <a:path path="circle">
+                <a:fillToRect l="50000" t="50000" r="50000" b="50000"/>
+              </a:path>
+              <a:tileRect/>
+            </a:gradFill>
+            <a:ln>
+              <a:noFill/>
+            </a:ln>
+            <a:effectLst/>
+          </p:spPr>
+          <p:style>
+            <a:lnRef idx="1">
+              <a:schemeClr val="accent1"/>
+            </a:lnRef>
+            <a:fillRef idx="3">
+              <a:schemeClr val="accent1"/>
+            </a:fillRef>
+            <a:effectRef idx="2">
+              <a:schemeClr val="accent1"/>
+            </a:effectRef>
+            <a:fontRef idx="minor">
+              <a:schemeClr val="lt1"/>
+            </a:fontRef>
+          </p:style>
+        </p:sp>
+        <p:sp>
+          <p:nvSpPr>
+            <p:cNvPr id="15" name="Oval 14"/>
+            <p:cNvSpPr/>
+            <p:nvPr/>
+          </p:nvSpPr>
+          <p:spPr>
+            <a:xfrm>
+              <a:off x="7999412" y="1587"/>
+              <a:ext cx="1600200" cy="1600200"/>
+            </a:xfrm>
+            <a:prstGeom prst="ellipse">
+              <a:avLst/>
+            </a:prstGeom>
+            <a:gradFill flip="none" rotWithShape="1">
+              <a:gsLst>
+                <a:gs pos="0">
+                  <a:schemeClr val="accent1">
+                    <a:lumMod val="60000"/>
+                    <a:lumOff val="40000"/>
+                    <a:alpha val="14000"/>
+                  </a:schemeClr>
+                </a:gs>
+                <a:gs pos="73000">
+                  <a:schemeClr val="accent1">
+                    <a:lumMod val="60000"/>
+                    <a:lumOff val="40000"/>
+                    <a:alpha val="0"/>
+                  </a:schemeClr>
+                </a:gs>
+                <a:gs pos="36000">
+                  <a:schemeClr val="accent1">
+                    <a:lumMod val="60000"/>
+                    <a:lumOff val="40000"/>
+                    <a:alpha val="7000"/>
+                  </a:schemeClr>
+                </a:gs>
+              </a:gsLst>
+              <a:path path="circle">
+                <a:fillToRect l="50000" t="50000" r="50000" b="50000"/>
+              </a:path>
+              <a:tileRect/>
+            </a:gradFill>
+            <a:ln>
+              <a:noFill/>
+            </a:ln>
+            <a:effectLst/>
+          </p:spPr>
+          <p:style>
+            <a:lnRef idx="1">
+              <a:schemeClr val="accent1"/>
+            </a:lnRef>
+            <a:fillRef idx="3">
+              <a:schemeClr val="accent1"/>
+            </a:fillRef>
+            <a:effectRef idx="2">
+              <a:schemeClr val="accent1"/>
+            </a:effectRef>
+            <a:fontRef idx="minor">
+              <a:schemeClr val="lt1"/>
+            </a:fontRef>
+          </p:style>
+        </p:sp>
+        <p:sp>
+          <p:nvSpPr>
+            <p:cNvPr id="16" name="Oval 15"/>
+            <p:cNvSpPr/>
+            <p:nvPr/>
+          </p:nvSpPr>
+          <p:spPr>
+            <a:xfrm>
+              <a:off x="0" y="2895600"/>
+              <a:ext cx="2362200" cy="2362200"/>
+            </a:xfrm>
+            <a:prstGeom prst="ellipse">
+              <a:avLst/>
+            </a:prstGeom>
+            <a:gradFill flip="none" rotWithShape="1">
+              <a:gsLst>
+                <a:gs pos="0">
+                  <a:schemeClr val="accent5">
+                    <a:alpha val="8000"/>
+                  </a:schemeClr>
+                </a:gs>
+                <a:gs pos="72000">
+                  <a:schemeClr val="accent5">
+                    <a:alpha val="0"/>
+                  </a:schemeClr>
+                </a:gs>
+                <a:gs pos="36000">
+                  <a:schemeClr val="accent5">
+                    <a:alpha val="8000"/>
+                  </a:schemeClr>
+                </a:gs>
+              </a:gsLst>
+              <a:path path="circle">
+                <a:fillToRect l="50000" t="50000" r="50000" b="50000"/>
+              </a:path>
+              <a:tileRect/>
+            </a:gradFill>
+            <a:ln>
+              <a:noFill/>
+            </a:ln>
+            <a:effectLst/>
+          </p:spPr>
+          <p:style>
+            <a:lnRef idx="1">
+              <a:schemeClr val="accent1"/>
+            </a:lnRef>
+            <a:fillRef idx="3">
+              <a:schemeClr val="accent1"/>
+            </a:fillRef>
+            <a:effectRef idx="2">
               <a:schemeClr val="accent1"/>
             </a:effectRef>
             <a:fontRef idx="minor">
@@ -670,17 +1264,23 @@
             <a:gradFill flip="none" rotWithShape="1">
               <a:gsLst>
                 <a:gs pos="0">
-                  <a:schemeClr val="accent5">
+                  <a:schemeClr val="accent1">
+                    <a:lumMod val="60000"/>
+                    <a:lumOff val="40000"/>
                     <a:alpha val="11000"/>
                   </a:schemeClr>
                 </a:gs>
                 <a:gs pos="75000">
-                  <a:schemeClr val="accent5">
+                  <a:schemeClr val="accent1">
+                    <a:lumMod val="60000"/>
+                    <a:lumOff val="40000"/>
                     <a:alpha val="0"/>
                   </a:schemeClr>
                 </a:gs>
                 <a:gs pos="36000">
-                  <a:schemeClr val="accent5">
+                  <a:schemeClr val="accent1">
+                    <a:lumMod val="60000"/>
+                    <a:lumOff val="40000"/>
                     <a:alpha val="10000"/>
                   </a:schemeClr>
                 </a:gs>
@@ -718,8 +1318,8 @@
           </p:nvSpPr>
           <p:spPr>
             <a:xfrm>
-              <a:off x="0" y="2895600"/>
-              <a:ext cx="2362200" cy="2362200"/>
+              <a:off x="8609012" y="5865239"/>
+              <a:ext cx="990600" cy="990600"/>
             </a:xfrm>
             <a:prstGeom prst="ellipse">
               <a:avLst/>
@@ -727,18 +1327,24 @@
             <a:gradFill flip="none" rotWithShape="1">
               <a:gsLst>
                 <a:gs pos="0">
-                  <a:schemeClr val="accent5">
-                    <a:alpha val="8000"/>
-                  </a:schemeClr>
-                </a:gs>
-                <a:gs pos="72000">
-                  <a:schemeClr val="accent5">
+                  <a:schemeClr val="accent1">
+                    <a:lumMod val="60000"/>
+                    <a:lumOff val="40000"/>
+                    <a:alpha val="10000"/>
+                  </a:schemeClr>
+                </a:gs>
+                <a:gs pos="66000">
+                  <a:schemeClr val="accent1">
+                    <a:lumMod val="60000"/>
+                    <a:lumOff val="40000"/>
                     <a:alpha val="0"/>
                   </a:schemeClr>
                 </a:gs>
-                <a:gs pos="36000">
-                  <a:schemeClr val="accent5">
-                    <a:alpha val="8000"/>
+                <a:gs pos="31000">
+                  <a:schemeClr val="accent1">
+                    <a:lumMod val="60000"/>
+                    <a:lumOff val="40000"/>
+                    <a:alpha val="5000"/>
                   </a:schemeClr>
                 </a:gs>
               </a:gsLst>
@@ -769,178 +1375,191 @@
         </p:sp>
         <p:sp>
           <p:nvSpPr>
-            <p:cNvPr id="19" name="Oval 18"/>
+            <p:cNvPr id="9" name="Freeform 5"/>
             <p:cNvSpPr/>
             <p:nvPr/>
           </p:nvSpPr>
-          <p:spPr>
-            <a:xfrm>
-              <a:off x="8609012" y="5867400"/>
-              <a:ext cx="990600" cy="990600"/>
+          <p:spPr bwMode="gray">
+            <a:xfrm rot="10800000">
+              <a:off x="459506" y="321130"/>
+              <a:ext cx="11277600" cy="4533900"/>
             </a:xfrm>
-            <a:prstGeom prst="ellipse">
+            <a:custGeom>
               <a:avLst/>
-            </a:prstGeom>
-            <a:gradFill flip="none" rotWithShape="1">
-              <a:gsLst>
-                <a:gs pos="0">
-                  <a:schemeClr val="accent5">
-                    <a:alpha val="14000"/>
-                  </a:schemeClr>
-                </a:gs>
-                <a:gs pos="66000">
-                  <a:schemeClr val="accent5">
-                    <a:alpha val="0"/>
-                  </a:schemeClr>
-                </a:gs>
-                <a:gs pos="36000">
-                  <a:schemeClr val="accent5">
-                    <a:alpha val="7000"/>
-                  </a:schemeClr>
-                </a:gs>
-              </a:gsLst>
-              <a:path path="circle">
-                <a:fillToRect l="50000" t="50000" r="50000" b="50000"/>
-              </a:path>
-              <a:tileRect/>
-            </a:gradFill>
+              <a:gdLst/>
+              <a:ahLst/>
+              <a:cxnLst/>
+              <a:rect l="0" t="0" r="r" b="b"/>
+              <a:pathLst>
+                <a:path w="7104" h="2856">
+                  <a:moveTo>
+                    <a:pt x="0" y="0"/>
+                  </a:moveTo>
+                  <a:lnTo>
+                    <a:pt x="0" y="2856"/>
+                  </a:lnTo>
+                  <a:lnTo>
+                    <a:pt x="7104" y="2856"/>
+                  </a:lnTo>
+                  <a:lnTo>
+                    <a:pt x="7104" y="1"/>
+                  </a:lnTo>
+                  <a:lnTo>
+                    <a:pt x="7104" y="1"/>
+                  </a:lnTo>
+                  <a:lnTo>
+                    <a:pt x="6943" y="26"/>
+                  </a:lnTo>
+                  <a:lnTo>
+                    <a:pt x="6782" y="50"/>
+                  </a:lnTo>
+                  <a:lnTo>
+                    <a:pt x="6621" y="73"/>
+                  </a:lnTo>
+                  <a:lnTo>
+                    <a:pt x="6459" y="93"/>
+                  </a:lnTo>
+                  <a:lnTo>
+                    <a:pt x="6298" y="113"/>
+                  </a:lnTo>
+                  <a:lnTo>
+                    <a:pt x="6136" y="132"/>
+                  </a:lnTo>
+                  <a:lnTo>
+                    <a:pt x="5976" y="148"/>
+                  </a:lnTo>
+                  <a:lnTo>
+                    <a:pt x="5814" y="163"/>
+                  </a:lnTo>
+                  <a:lnTo>
+                    <a:pt x="5653" y="177"/>
+                  </a:lnTo>
+                  <a:lnTo>
+                    <a:pt x="5494" y="189"/>
+                  </a:lnTo>
+                  <a:lnTo>
+                    <a:pt x="5334" y="201"/>
+                  </a:lnTo>
+                  <a:lnTo>
+                    <a:pt x="5175" y="211"/>
+                  </a:lnTo>
+                  <a:lnTo>
+                    <a:pt x="5017" y="219"/>
+                  </a:lnTo>
+                  <a:lnTo>
+                    <a:pt x="4859" y="227"/>
+                  </a:lnTo>
+                  <a:lnTo>
+                    <a:pt x="4703" y="234"/>
+                  </a:lnTo>
+                  <a:lnTo>
+                    <a:pt x="4548" y="239"/>
+                  </a:lnTo>
+                  <a:lnTo>
+                    <a:pt x="4393" y="243"/>
+                  </a:lnTo>
+                  <a:lnTo>
+                    <a:pt x="4240" y="247"/>
+                  </a:lnTo>
+                  <a:lnTo>
+                    <a:pt x="4088" y="249"/>
+                  </a:lnTo>
+                  <a:lnTo>
+                    <a:pt x="3937" y="251"/>
+                  </a:lnTo>
+                  <a:lnTo>
+                    <a:pt x="3788" y="252"/>
+                  </a:lnTo>
+                  <a:lnTo>
+                    <a:pt x="3640" y="251"/>
+                  </a:lnTo>
+                  <a:lnTo>
+                    <a:pt x="3494" y="251"/>
+                  </a:lnTo>
+                  <a:lnTo>
+                    <a:pt x="3349" y="249"/>
+                  </a:lnTo>
+                  <a:lnTo>
+                    <a:pt x="3207" y="246"/>
+                  </a:lnTo>
+                  <a:lnTo>
+                    <a:pt x="3066" y="243"/>
+                  </a:lnTo>
+                  <a:lnTo>
+                    <a:pt x="2928" y="240"/>
+                  </a:lnTo>
+                  <a:lnTo>
+                    <a:pt x="2791" y="235"/>
+                  </a:lnTo>
+                  <a:lnTo>
+                    <a:pt x="2656" y="230"/>
+                  </a:lnTo>
+                  <a:lnTo>
+                    <a:pt x="2524" y="225"/>
+                  </a:lnTo>
+                  <a:lnTo>
+                    <a:pt x="2266" y="212"/>
+                  </a:lnTo>
+                  <a:lnTo>
+                    <a:pt x="2019" y="198"/>
+                  </a:lnTo>
+                  <a:lnTo>
+                    <a:pt x="1782" y="183"/>
+                  </a:lnTo>
+                  <a:lnTo>
+                    <a:pt x="1557" y="167"/>
+                  </a:lnTo>
+                  <a:lnTo>
+                    <a:pt x="1343" y="150"/>
+                  </a:lnTo>
+                  <a:lnTo>
+                    <a:pt x="1144" y="132"/>
+                  </a:lnTo>
+                  <a:lnTo>
+                    <a:pt x="957" y="114"/>
+                  </a:lnTo>
+                  <a:lnTo>
+                    <a:pt x="785" y="96"/>
+                  </a:lnTo>
+                  <a:lnTo>
+                    <a:pt x="627" y="79"/>
+                  </a:lnTo>
+                  <a:lnTo>
+                    <a:pt x="487" y="63"/>
+                  </a:lnTo>
+                  <a:lnTo>
+                    <a:pt x="361" y="48"/>
+                  </a:lnTo>
+                  <a:lnTo>
+                    <a:pt x="254" y="35"/>
+                  </a:lnTo>
+                  <a:lnTo>
+                    <a:pt x="165" y="23"/>
+                  </a:lnTo>
+                  <a:lnTo>
+                    <a:pt x="42" y="6"/>
+                  </a:lnTo>
+                  <a:lnTo>
+                    <a:pt x="0" y="0"/>
+                  </a:lnTo>
+                  <a:lnTo>
+                    <a:pt x="0" y="0"/>
+                  </a:lnTo>
+                  <a:close/>
+                </a:path>
+              </a:pathLst>
+            </a:custGeom>
+            <a:solidFill>
+              <a:schemeClr val="bg1"/>
+            </a:solidFill>
             <a:ln>
               <a:noFill/>
             </a:ln>
-            <a:effectLst/>
           </p:spPr>
-          <p:style>
-            <a:lnRef idx="1">
-              <a:schemeClr val="accent1"/>
-            </a:lnRef>
-            <a:fillRef idx="3">
-              <a:schemeClr val="accent1"/>
-            </a:fillRef>
-            <a:effectRef idx="2">
-              <a:schemeClr val="accent1"/>
-            </a:effectRef>
-            <a:fontRef idx="minor">
-              <a:schemeClr val="lt1"/>
-            </a:fontRef>
-          </p:style>
         </p:sp>
         <p:sp>
           <p:nvSpPr>
-            <p:cNvPr id="20" name="Oval 19"/>
-            <p:cNvSpPr/>
-            <p:nvPr/>
-          </p:nvSpPr>
-          <p:spPr>
-            <a:xfrm>
-              <a:off x="8609012" y="1676400"/>
-              <a:ext cx="2819400" cy="2819400"/>
-            </a:xfrm>
-            <a:prstGeom prst="ellipse">
-              <a:avLst/>
-            </a:prstGeom>
-            <a:gradFill flip="none" rotWithShape="1">
-              <a:gsLst>
-                <a:gs pos="0">
-                  <a:schemeClr val="accent5">
-                    <a:alpha val="7000"/>
-                  </a:schemeClr>
-                </a:gs>
-                <a:gs pos="69000">
-                  <a:schemeClr val="accent5">
-                    <a:alpha val="0"/>
-                  </a:schemeClr>
-                </a:gs>
-                <a:gs pos="36000">
-                  <a:schemeClr val="accent5">
-                    <a:alpha val="6000"/>
-                  </a:schemeClr>
-                </a:gs>
-              </a:gsLst>
-              <a:path path="circle">
-                <a:fillToRect l="50000" t="50000" r="50000" b="50000"/>
-              </a:path>
-              <a:tileRect/>
-            </a:gradFill>
-            <a:ln>
-              <a:noFill/>
-            </a:ln>
-            <a:effectLst/>
-          </p:spPr>
-          <p:style>
-            <a:lnRef idx="1">
-              <a:schemeClr val="accent1"/>
-            </a:lnRef>
-            <a:fillRef idx="3">
-              <a:schemeClr val="accent1"/>
-            </a:fillRef>
-            <a:effectRef idx="2">
-              <a:schemeClr val="accent1"/>
-            </a:effectRef>
-            <a:fontRef idx="minor">
-              <a:schemeClr val="lt1"/>
-            </a:fontRef>
-          </p:style>
-        </p:sp>
-        <p:sp>
-          <p:nvSpPr>
-            <p:cNvPr id="21" name="Oval 20"/>
-            <p:cNvSpPr/>
-            <p:nvPr/>
-          </p:nvSpPr>
-          <p:spPr>
-            <a:xfrm>
-              <a:off x="7999412" y="8464"/>
-              <a:ext cx="1600200" cy="1600200"/>
-            </a:xfrm>
-            <a:prstGeom prst="ellipse">
-              <a:avLst/>
-            </a:prstGeom>
-            <a:gradFill flip="none" rotWithShape="1">
-              <a:gsLst>
-                <a:gs pos="0">
-                  <a:schemeClr val="accent5">
-                    <a:alpha val="14000"/>
-                  </a:schemeClr>
-                </a:gs>
-                <a:gs pos="73000">
-                  <a:schemeClr val="accent5">
-                    <a:alpha val="0"/>
-                  </a:schemeClr>
-                </a:gs>
-                <a:gs pos="36000">
-                  <a:schemeClr val="accent5">
-                    <a:alpha val="7000"/>
-                  </a:schemeClr>
-                </a:gs>
-              </a:gsLst>
-              <a:path path="circle">
-                <a:fillToRect l="50000" t="50000" r="50000" b="50000"/>
-              </a:path>
-              <a:tileRect/>
-            </a:gradFill>
-            <a:ln>
-              <a:noFill/>
-            </a:ln>
-            <a:effectLst/>
-          </p:spPr>
-          <p:style>
-            <a:lnRef idx="1">
-              <a:schemeClr val="accent1"/>
-            </a:lnRef>
-            <a:fillRef idx="3">
-              <a:schemeClr val="accent1"/>
-            </a:fillRef>
-            <a:effectRef idx="2">
-              <a:schemeClr val="accent1"/>
-            </a:effectRef>
-            <a:fontRef idx="minor">
-              <a:schemeClr val="lt1"/>
-            </a:fontRef>
-          </p:style>
-        </p:sp>
-        <p:sp>
-          <p:nvSpPr>
-            <p:cNvPr id="14" name="Freeform 5"/>
+            <p:cNvPr id="8" name="Freeform 5"/>
             <p:cNvSpPr/>
             <p:nvPr/>
           </p:nvSpPr>
@@ -1087,191 +1706,7 @@
         </p:sp>
         <p:sp>
           <p:nvSpPr>
-            <p:cNvPr id="11" name="Freeform 5"/>
-            <p:cNvSpPr/>
-            <p:nvPr/>
-          </p:nvSpPr>
-          <p:spPr bwMode="gray">
-            <a:xfrm rot="10800000">
-              <a:off x="459506" y="321130"/>
-              <a:ext cx="11277600" cy="4533900"/>
-            </a:xfrm>
-            <a:custGeom>
-              <a:avLst/>
-              <a:gdLst/>
-              <a:ahLst/>
-              <a:cxnLst/>
-              <a:rect l="0" t="0" r="r" b="b"/>
-              <a:pathLst>
-                <a:path w="7104" h="2856">
-                  <a:moveTo>
-                    <a:pt x="0" y="0"/>
-                  </a:moveTo>
-                  <a:lnTo>
-                    <a:pt x="0" y="2856"/>
-                  </a:lnTo>
-                  <a:lnTo>
-                    <a:pt x="7104" y="2856"/>
-                  </a:lnTo>
-                  <a:lnTo>
-                    <a:pt x="7104" y="1"/>
-                  </a:lnTo>
-                  <a:lnTo>
-                    <a:pt x="7104" y="1"/>
-                  </a:lnTo>
-                  <a:lnTo>
-                    <a:pt x="6943" y="26"/>
-                  </a:lnTo>
-                  <a:lnTo>
-                    <a:pt x="6782" y="50"/>
-                  </a:lnTo>
-                  <a:lnTo>
-                    <a:pt x="6621" y="73"/>
-                  </a:lnTo>
-                  <a:lnTo>
-                    <a:pt x="6459" y="93"/>
-                  </a:lnTo>
-                  <a:lnTo>
-                    <a:pt x="6298" y="113"/>
-                  </a:lnTo>
-                  <a:lnTo>
-                    <a:pt x="6136" y="132"/>
-                  </a:lnTo>
-                  <a:lnTo>
-                    <a:pt x="5976" y="148"/>
-                  </a:lnTo>
-                  <a:lnTo>
-                    <a:pt x="5814" y="163"/>
-                  </a:lnTo>
-                  <a:lnTo>
-                    <a:pt x="5653" y="177"/>
-                  </a:lnTo>
-                  <a:lnTo>
-                    <a:pt x="5494" y="189"/>
-                  </a:lnTo>
-                  <a:lnTo>
-                    <a:pt x="5334" y="201"/>
-                  </a:lnTo>
-                  <a:lnTo>
-                    <a:pt x="5175" y="211"/>
-                  </a:lnTo>
-                  <a:lnTo>
-                    <a:pt x="5017" y="219"/>
-                  </a:lnTo>
-                  <a:lnTo>
-                    <a:pt x="4859" y="227"/>
-                  </a:lnTo>
-                  <a:lnTo>
-                    <a:pt x="4703" y="234"/>
-                  </a:lnTo>
-                  <a:lnTo>
-                    <a:pt x="4548" y="239"/>
-                  </a:lnTo>
-                  <a:lnTo>
-                    <a:pt x="4393" y="243"/>
-                  </a:lnTo>
-                  <a:lnTo>
-                    <a:pt x="4240" y="247"/>
-                  </a:lnTo>
-                  <a:lnTo>
-                    <a:pt x="4088" y="249"/>
-                  </a:lnTo>
-                  <a:lnTo>
-                    <a:pt x="3937" y="251"/>
-                  </a:lnTo>
-                  <a:lnTo>
-                    <a:pt x="3788" y="252"/>
-                  </a:lnTo>
-                  <a:lnTo>
-                    <a:pt x="3640" y="251"/>
-                  </a:lnTo>
-                  <a:lnTo>
-                    <a:pt x="3494" y="251"/>
-                  </a:lnTo>
-                  <a:lnTo>
-                    <a:pt x="3349" y="249"/>
-                  </a:lnTo>
-                  <a:lnTo>
-                    <a:pt x="3207" y="246"/>
-                  </a:lnTo>
-                  <a:lnTo>
-                    <a:pt x="3066" y="243"/>
-                  </a:lnTo>
-                  <a:lnTo>
-                    <a:pt x="2928" y="240"/>
-                  </a:lnTo>
-                  <a:lnTo>
-                    <a:pt x="2791" y="235"/>
-                  </a:lnTo>
-                  <a:lnTo>
-                    <a:pt x="2656" y="230"/>
-                  </a:lnTo>
-                  <a:lnTo>
-                    <a:pt x="2524" y="225"/>
-                  </a:lnTo>
-                  <a:lnTo>
-                    <a:pt x="2266" y="212"/>
-                  </a:lnTo>
-                  <a:lnTo>
-                    <a:pt x="2019" y="198"/>
-                  </a:lnTo>
-                  <a:lnTo>
-                    <a:pt x="1782" y="183"/>
-                  </a:lnTo>
-                  <a:lnTo>
-                    <a:pt x="1557" y="167"/>
-                  </a:lnTo>
-                  <a:lnTo>
-                    <a:pt x="1343" y="150"/>
-                  </a:lnTo>
-                  <a:lnTo>
-                    <a:pt x="1144" y="132"/>
-                  </a:lnTo>
-                  <a:lnTo>
-                    <a:pt x="957" y="114"/>
-                  </a:lnTo>
-                  <a:lnTo>
-                    <a:pt x="785" y="96"/>
-                  </a:lnTo>
-                  <a:lnTo>
-                    <a:pt x="627" y="79"/>
-                  </a:lnTo>
-                  <a:lnTo>
-                    <a:pt x="487" y="63"/>
-                  </a:lnTo>
-                  <a:lnTo>
-                    <a:pt x="361" y="48"/>
-                  </a:lnTo>
-                  <a:lnTo>
-                    <a:pt x="254" y="35"/>
-                  </a:lnTo>
-                  <a:lnTo>
-                    <a:pt x="165" y="23"/>
-                  </a:lnTo>
-                  <a:lnTo>
-                    <a:pt x="42" y="6"/>
-                  </a:lnTo>
-                  <a:lnTo>
-                    <a:pt x="0" y="0"/>
-                  </a:lnTo>
-                  <a:lnTo>
-                    <a:pt x="0" y="0"/>
-                  </a:lnTo>
-                  <a:close/>
-                </a:path>
-              </a:pathLst>
-            </a:custGeom>
-            <a:solidFill>
-              <a:schemeClr val="bg1"/>
-            </a:solidFill>
-            <a:ln>
-              <a:noFill/>
-            </a:ln>
-          </p:spPr>
-        </p:sp>
-        <p:sp>
-          <p:nvSpPr>
-            <p:cNvPr id="15" name="Freeform 5"/>
+            <p:cNvPr id="19" name="Freeform 5"/>
             <p:cNvSpPr>
               <a:spLocks noEditPoints="1"/>
             </p:cNvSpPr>
@@ -1346,8 +1781,8 @@
         </p:nvSpPr>
         <p:spPr>
           <a:xfrm>
-            <a:off x="1154954" y="4969927"/>
-            <a:ext cx="8825659" cy="566738"/>
+            <a:off x="1154956" y="4965945"/>
+            <a:ext cx="8825657" cy="566738"/>
           </a:xfrm>
         </p:spPr>
         <p:txBody>
@@ -1380,8 +1815,8 @@
         </p:nvSpPr>
         <p:spPr>
           <a:xfrm>
-            <a:off x="1154954" y="685800"/>
-            <a:ext cx="8825659" cy="3429000"/>
+            <a:off x="1154955" y="685800"/>
+            <a:ext cx="8825658" cy="3429000"/>
           </a:xfrm>
           <a:prstGeom prst="roundRect">
             <a:avLst>
@@ -1457,10 +1892,10 @@
             <p:ph type="body" sz="half" idx="2"/>
           </p:nvPr>
         </p:nvSpPr>
-        <p:spPr>
+        <p:spPr bwMode="gray">
           <a:xfrm>
-            <a:off x="1154954" y="5536665"/>
-            <a:ext cx="8825658" cy="493712"/>
+            <a:off x="1154956" y="5532683"/>
+            <a:ext cx="8825656" cy="493712"/>
           </a:xfrm>
         </p:spPr>
         <p:txBody>
@@ -1472,10 +1907,7 @@
               <a:buNone/>
               <a:defRPr sz="1200">
                 <a:solidFill>
-                  <a:schemeClr val="accent1">
-                    <a:lumMod val="60000"/>
-                    <a:lumOff val="40000"/>
-                  </a:schemeClr>
+                  <a:schemeClr val="accent1"/>
                 </a:solidFill>
               </a:defRPr>
             </a:lvl1pPr>
@@ -1538,7 +1970,7 @@
           <a:p>
             <a:fld id="{8769D389-4C4C-4FD7-9E6B-9F44477F0EB8}" type="datetime1">
               <a:rPr lang="en-US" smtClean="0"/>
-              <a:t>9/12/2024</a:t>
+              <a:t>10/13/2024</a:t>
             </a:fld>
             <a:endParaRPr lang="en-US" dirty="0"/>
           </a:p>
@@ -1565,13 +1997,13 @@
       </p:sp>
       <p:sp>
         <p:nvSpPr>
-          <p:cNvPr id="16" name="Rectangle 15"/>
+          <p:cNvPr id="13" name="Rectangle 12"/>
           <p:cNvSpPr/>
           <p:nvPr/>
         </p:nvSpPr>
         <p:spPr>
           <a:xfrm>
-            <a:off x="10437812" y="0"/>
+            <a:off x="10443728" y="0"/>
             <a:ext cx="685800" cy="1143000"/>
           </a:xfrm>
           <a:prstGeom prst="rect">
@@ -1625,7 +2057,7 @@
     </p:spTree>
     <p:extLst>
       <p:ext uri="{BB962C8B-B14F-4D97-AF65-F5344CB8AC3E}">
-        <p14:creationId xmlns:p14="http://schemas.microsoft.com/office/powerpoint/2010/main" val="2210690281"/>
+        <p14:creationId xmlns:p14="http://schemas.microsoft.com/office/powerpoint/2010/main" val="2030975471"/>
       </p:ext>
     </p:extLst>
   </p:cSld>
@@ -1637,7 +2069,7 @@
 </file>
 
 <file path=ppt/slideLayouts/slideLayout11.xml><?xml version="1.0" encoding="utf-8"?>
-<p:sldLayout xmlns:a="http://schemas.openxmlformats.org/drawingml/2006/main" xmlns:r="http://schemas.openxmlformats.org/officeDocument/2006/relationships" xmlns:p="http://schemas.openxmlformats.org/presentationml/2006/main" showMasterSp="0" preserve="1">
+<p:sldLayout xmlns:a="http://schemas.openxmlformats.org/drawingml/2006/main" xmlns:r="http://schemas.openxmlformats.org/officeDocument/2006/relationships" xmlns:p="http://schemas.openxmlformats.org/presentationml/2006/main" preserve="1">
   <p:cSld name="Title and Caption">
     <p:spTree>
       <p:nvGrpSpPr>
@@ -1655,7 +2087,7 @@
       </p:grpSpPr>
       <p:grpSp>
         <p:nvGrpSpPr>
-          <p:cNvPr id="7" name="Group 6"/>
+          <p:cNvPr id="3" name="Group 2"/>
           <p:cNvGrpSpPr/>
           <p:nvPr/>
         </p:nvGrpSpPr>
@@ -1669,7 +2101,7 @@
         </p:grpSpPr>
         <p:sp>
           <p:nvSpPr>
-            <p:cNvPr id="11" name="Rectangle 10"/>
+            <p:cNvPr id="10" name="Rectangle 9"/>
             <p:cNvSpPr/>
             <p:nvPr/>
           </p:nvSpPr>
@@ -1685,15 +2117,14 @@
               <a:blip r:embed="rId2">
                 <a:duotone>
                   <a:schemeClr val="dk2">
-                    <a:shade val="69000"/>
-                    <a:hueMod val="91000"/>
-                    <a:satMod val="164000"/>
-                    <a:lumMod val="74000"/>
+                    <a:shade val="42000"/>
+                    <a:hueMod val="42000"/>
+                    <a:satMod val="124000"/>
+                    <a:lumMod val="62000"/>
                   </a:schemeClr>
                   <a:schemeClr val="dk2">
-                    <a:hueMod val="124000"/>
-                    <a:satMod val="140000"/>
-                    <a:lumMod val="142000"/>
+                    <a:tint val="96000"/>
+                    <a:satMod val="130000"/>
                   </a:schemeClr>
                 </a:duotone>
               </a:blip>
@@ -1724,14 +2155,14 @@
         </p:sp>
         <p:sp>
           <p:nvSpPr>
-            <p:cNvPr id="14" name="Oval 13"/>
+            <p:cNvPr id="11" name="Oval 10"/>
             <p:cNvSpPr/>
             <p:nvPr/>
           </p:nvSpPr>
           <p:spPr>
             <a:xfrm>
-              <a:off x="0" y="2667000"/>
-              <a:ext cx="4191000" cy="4191000"/>
+              <a:off x="8609012" y="5867400"/>
+              <a:ext cx="990600" cy="990600"/>
             </a:xfrm>
             <a:prstGeom prst="ellipse">
               <a:avLst/>
@@ -1740,17 +2171,137 @@
               <a:gsLst>
                 <a:gs pos="0">
                   <a:schemeClr val="accent5">
-                    <a:alpha val="11000"/>
-                  </a:schemeClr>
-                </a:gs>
-                <a:gs pos="75000">
+                    <a:alpha val="14000"/>
+                  </a:schemeClr>
+                </a:gs>
+                <a:gs pos="66000">
                   <a:schemeClr val="accent5">
                     <a:alpha val="0"/>
                   </a:schemeClr>
                 </a:gs>
                 <a:gs pos="36000">
                   <a:schemeClr val="accent5">
-                    <a:alpha val="10000"/>
+                    <a:alpha val="7000"/>
+                  </a:schemeClr>
+                </a:gs>
+              </a:gsLst>
+              <a:path path="circle">
+                <a:fillToRect l="50000" t="50000" r="50000" b="50000"/>
+              </a:path>
+              <a:tileRect/>
+            </a:gradFill>
+            <a:ln>
+              <a:noFill/>
+            </a:ln>
+            <a:effectLst/>
+          </p:spPr>
+          <p:style>
+            <a:lnRef idx="1">
+              <a:schemeClr val="accent1"/>
+            </a:lnRef>
+            <a:fillRef idx="3">
+              <a:schemeClr val="accent1"/>
+            </a:fillRef>
+            <a:effectRef idx="2">
+              <a:schemeClr val="accent1"/>
+            </a:effectRef>
+            <a:fontRef idx="minor">
+              <a:schemeClr val="lt1"/>
+            </a:fontRef>
+          </p:style>
+        </p:sp>
+        <p:sp>
+          <p:nvSpPr>
+            <p:cNvPr id="12" name="Oval 11"/>
+            <p:cNvSpPr/>
+            <p:nvPr/>
+          </p:nvSpPr>
+          <p:spPr>
+            <a:xfrm>
+              <a:off x="8609012" y="1676400"/>
+              <a:ext cx="2819400" cy="2819400"/>
+            </a:xfrm>
+            <a:prstGeom prst="ellipse">
+              <a:avLst/>
+            </a:prstGeom>
+            <a:gradFill flip="none" rotWithShape="1">
+              <a:gsLst>
+                <a:gs pos="0">
+                  <a:schemeClr val="accent5">
+                    <a:alpha val="7000"/>
+                  </a:schemeClr>
+                </a:gs>
+                <a:gs pos="69000">
+                  <a:schemeClr val="accent5">
+                    <a:alpha val="0"/>
+                  </a:schemeClr>
+                </a:gs>
+                <a:gs pos="36000">
+                  <a:schemeClr val="accent5">
+                    <a:alpha val="6000"/>
+                  </a:schemeClr>
+                </a:gs>
+              </a:gsLst>
+              <a:path path="circle">
+                <a:fillToRect l="50000" t="50000" r="50000" b="50000"/>
+              </a:path>
+              <a:tileRect/>
+            </a:gradFill>
+            <a:ln>
+              <a:noFill/>
+            </a:ln>
+            <a:effectLst/>
+          </p:spPr>
+          <p:style>
+            <a:lnRef idx="1">
+              <a:schemeClr val="accent1"/>
+            </a:lnRef>
+            <a:fillRef idx="3">
+              <a:schemeClr val="accent1"/>
+            </a:fillRef>
+            <a:effectRef idx="2">
+              <a:schemeClr val="accent1"/>
+            </a:effectRef>
+            <a:fontRef idx="minor">
+              <a:schemeClr val="lt1"/>
+            </a:fontRef>
+          </p:style>
+        </p:sp>
+        <p:sp>
+          <p:nvSpPr>
+            <p:cNvPr id="14" name="Oval 13"/>
+            <p:cNvSpPr/>
+            <p:nvPr/>
+          </p:nvSpPr>
+          <p:spPr>
+            <a:xfrm>
+              <a:off x="7999412" y="1587"/>
+              <a:ext cx="1600200" cy="1600200"/>
+            </a:xfrm>
+            <a:prstGeom prst="ellipse">
+              <a:avLst/>
+            </a:prstGeom>
+            <a:gradFill flip="none" rotWithShape="1">
+              <a:gsLst>
+                <a:gs pos="0">
+                  <a:schemeClr val="accent1">
+                    <a:lumMod val="60000"/>
+                    <a:lumOff val="40000"/>
+                    <a:alpha val="14000"/>
+                  </a:schemeClr>
+                </a:gs>
+                <a:gs pos="73000">
+                  <a:schemeClr val="accent1">
+                    <a:lumMod val="60000"/>
+                    <a:lumOff val="40000"/>
+                    <a:alpha val="0"/>
+                  </a:schemeClr>
+                </a:gs>
+                <a:gs pos="36000">
+                  <a:schemeClr val="accent1">
+                    <a:lumMod val="60000"/>
+                    <a:lumOff val="40000"/>
+                    <a:alpha val="7000"/>
                   </a:schemeClr>
                 </a:gs>
               </a:gsLst>
@@ -1844,8 +2395,8 @@
           </p:nvSpPr>
           <p:spPr>
             <a:xfrm>
-              <a:off x="8609012" y="5867400"/>
-              <a:ext cx="990600" cy="990600"/>
+              <a:off x="0" y="2667000"/>
+              <a:ext cx="4191000" cy="4191000"/>
             </a:xfrm>
             <a:prstGeom prst="ellipse">
               <a:avLst/>
@@ -1853,18 +2404,24 @@
             <a:gradFill flip="none" rotWithShape="1">
               <a:gsLst>
                 <a:gs pos="0">
-                  <a:schemeClr val="accent5">
-                    <a:alpha val="14000"/>
-                  </a:schemeClr>
-                </a:gs>
-                <a:gs pos="66000">
-                  <a:schemeClr val="accent5">
+                  <a:schemeClr val="accent1">
+                    <a:lumMod val="60000"/>
+                    <a:lumOff val="40000"/>
+                    <a:alpha val="11000"/>
+                  </a:schemeClr>
+                </a:gs>
+                <a:gs pos="75000">
+                  <a:schemeClr val="accent1">
+                    <a:lumMod val="60000"/>
+                    <a:lumOff val="40000"/>
                     <a:alpha val="0"/>
                   </a:schemeClr>
                 </a:gs>
                 <a:gs pos="36000">
-                  <a:schemeClr val="accent5">
-                    <a:alpha val="7000"/>
+                  <a:schemeClr val="accent1">
+                    <a:lumMod val="60000"/>
+                    <a:lumOff val="40000"/>
+                    <a:alpha val="10000"/>
                   </a:schemeClr>
                 </a:gs>
               </a:gsLst>
@@ -1895,14 +2452,14 @@
         </p:sp>
         <p:sp>
           <p:nvSpPr>
-            <p:cNvPr id="18" name="Oval 17"/>
+            <p:cNvPr id="17" name="Oval 16"/>
             <p:cNvSpPr/>
             <p:nvPr/>
           </p:nvSpPr>
           <p:spPr>
             <a:xfrm>
-              <a:off x="8609012" y="1676400"/>
-              <a:ext cx="2819400" cy="2819400"/>
+              <a:off x="8609012" y="5865239"/>
+              <a:ext cx="990600" cy="990600"/>
             </a:xfrm>
             <a:prstGeom prst="ellipse">
               <a:avLst/>
@@ -1910,18 +2467,24 @@
             <a:gradFill flip="none" rotWithShape="1">
               <a:gsLst>
                 <a:gs pos="0">
-                  <a:schemeClr val="accent5">
-                    <a:alpha val="7000"/>
-                  </a:schemeClr>
-                </a:gs>
-                <a:gs pos="69000">
-                  <a:schemeClr val="accent5">
+                  <a:schemeClr val="accent1">
+                    <a:lumMod val="60000"/>
+                    <a:lumOff val="40000"/>
+                    <a:alpha val="10000"/>
+                  </a:schemeClr>
+                </a:gs>
+                <a:gs pos="66000">
+                  <a:schemeClr val="accent1">
+                    <a:lumMod val="60000"/>
+                    <a:lumOff val="40000"/>
                     <a:alpha val="0"/>
                   </a:schemeClr>
                 </a:gs>
-                <a:gs pos="36000">
-                  <a:schemeClr val="accent5">
-                    <a:alpha val="6000"/>
+                <a:gs pos="31000">
+                  <a:schemeClr val="accent1">
+                    <a:lumMod val="60000"/>
+                    <a:lumOff val="40000"/>
+                    <a:alpha val="5000"/>
                   </a:schemeClr>
                 </a:gs>
               </a:gsLst>
@@ -1952,64 +2515,191 @@
         </p:sp>
         <p:sp>
           <p:nvSpPr>
-            <p:cNvPr id="19" name="Oval 18"/>
+            <p:cNvPr id="7" name="Freeform 5"/>
             <p:cNvSpPr/>
             <p:nvPr/>
           </p:nvSpPr>
-          <p:spPr>
+          <p:spPr bwMode="gray">
             <a:xfrm>
-              <a:off x="7999412" y="8464"/>
-              <a:ext cx="1600200" cy="1600200"/>
+              <a:off x="455612" y="2801319"/>
+              <a:ext cx="11277600" cy="3602637"/>
             </a:xfrm>
-            <a:prstGeom prst="ellipse">
+            <a:custGeom>
               <a:avLst/>
-            </a:prstGeom>
-            <a:gradFill flip="none" rotWithShape="1">
-              <a:gsLst>
-                <a:gs pos="0">
-                  <a:schemeClr val="accent5">
-                    <a:alpha val="14000"/>
-                  </a:schemeClr>
-                </a:gs>
-                <a:gs pos="73000">
-                  <a:schemeClr val="accent5">
-                    <a:alpha val="0"/>
-                  </a:schemeClr>
-                </a:gs>
-                <a:gs pos="36000">
-                  <a:schemeClr val="accent5">
-                    <a:alpha val="7000"/>
-                  </a:schemeClr>
-                </a:gs>
-              </a:gsLst>
-              <a:path path="circle">
-                <a:fillToRect l="50000" t="50000" r="50000" b="50000"/>
-              </a:path>
-              <a:tileRect/>
-            </a:gradFill>
+              <a:gdLst/>
+              <a:ahLst/>
+              <a:cxnLst/>
+              <a:rect l="l" t="t" r="r" b="b"/>
+              <a:pathLst>
+                <a:path w="10000" h="7946">
+                  <a:moveTo>
+                    <a:pt x="0" y="0"/>
+                  </a:moveTo>
+                  <a:lnTo>
+                    <a:pt x="0" y="7945"/>
+                  </a:lnTo>
+                  <a:lnTo>
+                    <a:pt x="10000" y="7946"/>
+                  </a:lnTo>
+                  <a:lnTo>
+                    <a:pt x="10000" y="4"/>
+                  </a:lnTo>
+                  <a:lnTo>
+                    <a:pt x="10000" y="4"/>
+                  </a:lnTo>
+                  <a:lnTo>
+                    <a:pt x="9773" y="91"/>
+                  </a:lnTo>
+                  <a:lnTo>
+                    <a:pt x="9547" y="175"/>
+                  </a:lnTo>
+                  <a:lnTo>
+                    <a:pt x="9320" y="256"/>
+                  </a:lnTo>
+                  <a:lnTo>
+                    <a:pt x="9092" y="326"/>
+                  </a:lnTo>
+                  <a:lnTo>
+                    <a:pt x="8865" y="396"/>
+                  </a:lnTo>
+                  <a:lnTo>
+                    <a:pt x="8637" y="462"/>
+                  </a:lnTo>
+                  <a:lnTo>
+                    <a:pt x="8412" y="518"/>
+                  </a:lnTo>
+                  <a:lnTo>
+                    <a:pt x="8184" y="571"/>
+                  </a:lnTo>
+                  <a:lnTo>
+                    <a:pt x="7957" y="620"/>
+                  </a:lnTo>
+                  <a:lnTo>
+                    <a:pt x="7734" y="662"/>
+                  </a:lnTo>
+                  <a:lnTo>
+                    <a:pt x="7508" y="704"/>
+                  </a:lnTo>
+                  <a:lnTo>
+                    <a:pt x="7285" y="739"/>
+                  </a:lnTo>
+                  <a:lnTo>
+                    <a:pt x="7062" y="767"/>
+                  </a:lnTo>
+                  <a:lnTo>
+                    <a:pt x="6840" y="795"/>
+                  </a:lnTo>
+                  <a:lnTo>
+                    <a:pt x="6620" y="819"/>
+                  </a:lnTo>
+                  <a:lnTo>
+                    <a:pt x="6402" y="837"/>
+                  </a:lnTo>
+                  <a:lnTo>
+                    <a:pt x="6184" y="851"/>
+                  </a:lnTo>
+                  <a:lnTo>
+                    <a:pt x="5968" y="865"/>
+                  </a:lnTo>
+                  <a:lnTo>
+                    <a:pt x="5755" y="872"/>
+                  </a:lnTo>
+                  <a:lnTo>
+                    <a:pt x="5542" y="879"/>
+                  </a:lnTo>
+                  <a:lnTo>
+                    <a:pt x="5332" y="882"/>
+                  </a:lnTo>
+                  <a:lnTo>
+                    <a:pt x="5124" y="879"/>
+                  </a:lnTo>
+                  <a:lnTo>
+                    <a:pt x="4918" y="879"/>
+                  </a:lnTo>
+                  <a:lnTo>
+                    <a:pt x="4714" y="872"/>
+                  </a:lnTo>
+                  <a:lnTo>
+                    <a:pt x="4514" y="861"/>
+                  </a:lnTo>
+                  <a:lnTo>
+                    <a:pt x="4316" y="851"/>
+                  </a:lnTo>
+                  <a:lnTo>
+                    <a:pt x="4122" y="840"/>
+                  </a:lnTo>
+                  <a:lnTo>
+                    <a:pt x="3929" y="823"/>
+                  </a:lnTo>
+                  <a:lnTo>
+                    <a:pt x="3739" y="805"/>
+                  </a:lnTo>
+                  <a:lnTo>
+                    <a:pt x="3553" y="788"/>
+                  </a:lnTo>
+                  <a:lnTo>
+                    <a:pt x="3190" y="742"/>
+                  </a:lnTo>
+                  <a:lnTo>
+                    <a:pt x="2842" y="693"/>
+                  </a:lnTo>
+                  <a:lnTo>
+                    <a:pt x="2508" y="641"/>
+                  </a:lnTo>
+                  <a:lnTo>
+                    <a:pt x="2192" y="585"/>
+                  </a:lnTo>
+                  <a:lnTo>
+                    <a:pt x="1890" y="525"/>
+                  </a:lnTo>
+                  <a:lnTo>
+                    <a:pt x="1610" y="462"/>
+                  </a:lnTo>
+                  <a:lnTo>
+                    <a:pt x="1347" y="399"/>
+                  </a:lnTo>
+                  <a:lnTo>
+                    <a:pt x="1105" y="336"/>
+                  </a:lnTo>
+                  <a:lnTo>
+                    <a:pt x="883" y="277"/>
+                  </a:lnTo>
+                  <a:lnTo>
+                    <a:pt x="686" y="221"/>
+                  </a:lnTo>
+                  <a:lnTo>
+                    <a:pt x="508" y="168"/>
+                  </a:lnTo>
+                  <a:lnTo>
+                    <a:pt x="358" y="123"/>
+                  </a:lnTo>
+                  <a:lnTo>
+                    <a:pt x="232" y="81"/>
+                  </a:lnTo>
+                  <a:lnTo>
+                    <a:pt x="59" y="21"/>
+                  </a:lnTo>
+                  <a:lnTo>
+                    <a:pt x="0" y="0"/>
+                  </a:lnTo>
+                  <a:lnTo>
+                    <a:pt x="0" y="0"/>
+                  </a:lnTo>
+                  <a:close/>
+                </a:path>
+              </a:pathLst>
+            </a:custGeom>
+            <a:solidFill>
+              <a:schemeClr val="bg1"/>
+            </a:solidFill>
             <a:ln>
               <a:noFill/>
             </a:ln>
-            <a:effectLst/>
           </p:spPr>
-          <p:style>
-            <a:lnRef idx="1">
-              <a:schemeClr val="accent1"/>
-            </a:lnRef>
-            <a:fillRef idx="3">
-              <a:schemeClr val="accent1"/>
-            </a:fillRef>
-            <a:effectRef idx="2">
-              <a:schemeClr val="accent1"/>
-            </a:effectRef>
-            <a:fontRef idx="minor">
-              <a:schemeClr val="lt1"/>
-            </a:fontRef>
-          </p:style>
         </p:sp>
         <p:sp>
           <p:nvSpPr>
-            <p:cNvPr id="25" name="Freeform 5"/>
+            <p:cNvPr id="9" name="Freeform 5"/>
             <p:cNvSpPr/>
             <p:nvPr/>
           </p:nvSpPr>
@@ -2156,191 +2846,7 @@
         </p:sp>
         <p:sp>
           <p:nvSpPr>
-            <p:cNvPr id="17" name="Freeform 5"/>
-            <p:cNvSpPr/>
-            <p:nvPr/>
-          </p:nvSpPr>
-          <p:spPr bwMode="gray">
-            <a:xfrm>
-              <a:off x="455612" y="2801319"/>
-              <a:ext cx="11277600" cy="3602637"/>
-            </a:xfrm>
-            <a:custGeom>
-              <a:avLst/>
-              <a:gdLst/>
-              <a:ahLst/>
-              <a:cxnLst/>
-              <a:rect l="l" t="t" r="r" b="b"/>
-              <a:pathLst>
-                <a:path w="10000" h="7946">
-                  <a:moveTo>
-                    <a:pt x="0" y="0"/>
-                  </a:moveTo>
-                  <a:lnTo>
-                    <a:pt x="0" y="7945"/>
-                  </a:lnTo>
-                  <a:lnTo>
-                    <a:pt x="10000" y="7946"/>
-                  </a:lnTo>
-                  <a:lnTo>
-                    <a:pt x="10000" y="4"/>
-                  </a:lnTo>
-                  <a:lnTo>
-                    <a:pt x="10000" y="4"/>
-                  </a:lnTo>
-                  <a:lnTo>
-                    <a:pt x="9773" y="91"/>
-                  </a:lnTo>
-                  <a:lnTo>
-                    <a:pt x="9547" y="175"/>
-                  </a:lnTo>
-                  <a:lnTo>
-                    <a:pt x="9320" y="256"/>
-                  </a:lnTo>
-                  <a:lnTo>
-                    <a:pt x="9092" y="326"/>
-                  </a:lnTo>
-                  <a:lnTo>
-                    <a:pt x="8865" y="396"/>
-                  </a:lnTo>
-                  <a:lnTo>
-                    <a:pt x="8637" y="462"/>
-                  </a:lnTo>
-                  <a:lnTo>
-                    <a:pt x="8412" y="518"/>
-                  </a:lnTo>
-                  <a:lnTo>
-                    <a:pt x="8184" y="571"/>
-                  </a:lnTo>
-                  <a:lnTo>
-                    <a:pt x="7957" y="620"/>
-                  </a:lnTo>
-                  <a:lnTo>
-                    <a:pt x="7734" y="662"/>
-                  </a:lnTo>
-                  <a:lnTo>
-                    <a:pt x="7508" y="704"/>
-                  </a:lnTo>
-                  <a:lnTo>
-                    <a:pt x="7285" y="739"/>
-                  </a:lnTo>
-                  <a:lnTo>
-                    <a:pt x="7062" y="767"/>
-                  </a:lnTo>
-                  <a:lnTo>
-                    <a:pt x="6840" y="795"/>
-                  </a:lnTo>
-                  <a:lnTo>
-                    <a:pt x="6620" y="819"/>
-                  </a:lnTo>
-                  <a:lnTo>
-                    <a:pt x="6402" y="837"/>
-                  </a:lnTo>
-                  <a:lnTo>
-                    <a:pt x="6184" y="851"/>
-                  </a:lnTo>
-                  <a:lnTo>
-                    <a:pt x="5968" y="865"/>
-                  </a:lnTo>
-                  <a:lnTo>
-                    <a:pt x="5755" y="872"/>
-                  </a:lnTo>
-                  <a:lnTo>
-                    <a:pt x="5542" y="879"/>
-                  </a:lnTo>
-                  <a:lnTo>
-                    <a:pt x="5332" y="882"/>
-                  </a:lnTo>
-                  <a:lnTo>
-                    <a:pt x="5124" y="879"/>
-                  </a:lnTo>
-                  <a:lnTo>
-                    <a:pt x="4918" y="879"/>
-                  </a:lnTo>
-                  <a:lnTo>
-                    <a:pt x="4714" y="872"/>
-                  </a:lnTo>
-                  <a:lnTo>
-                    <a:pt x="4514" y="861"/>
-                  </a:lnTo>
-                  <a:lnTo>
-                    <a:pt x="4316" y="851"/>
-                  </a:lnTo>
-                  <a:lnTo>
-                    <a:pt x="4122" y="840"/>
-                  </a:lnTo>
-                  <a:lnTo>
-                    <a:pt x="3929" y="823"/>
-                  </a:lnTo>
-                  <a:lnTo>
-                    <a:pt x="3739" y="805"/>
-                  </a:lnTo>
-                  <a:lnTo>
-                    <a:pt x="3553" y="788"/>
-                  </a:lnTo>
-                  <a:lnTo>
-                    <a:pt x="3190" y="742"/>
-                  </a:lnTo>
-                  <a:lnTo>
-                    <a:pt x="2842" y="693"/>
-                  </a:lnTo>
-                  <a:lnTo>
-                    <a:pt x="2508" y="641"/>
-                  </a:lnTo>
-                  <a:lnTo>
-                    <a:pt x="2192" y="585"/>
-                  </a:lnTo>
-                  <a:lnTo>
-                    <a:pt x="1890" y="525"/>
-                  </a:lnTo>
-                  <a:lnTo>
-                    <a:pt x="1610" y="462"/>
-                  </a:lnTo>
-                  <a:lnTo>
-                    <a:pt x="1347" y="399"/>
-                  </a:lnTo>
-                  <a:lnTo>
-                    <a:pt x="1105" y="336"/>
-                  </a:lnTo>
-                  <a:lnTo>
-                    <a:pt x="883" y="277"/>
-                  </a:lnTo>
-                  <a:lnTo>
-                    <a:pt x="686" y="221"/>
-                  </a:lnTo>
-                  <a:lnTo>
-                    <a:pt x="508" y="168"/>
-                  </a:lnTo>
-                  <a:lnTo>
-                    <a:pt x="358" y="123"/>
-                  </a:lnTo>
-                  <a:lnTo>
-                    <a:pt x="232" y="81"/>
-                  </a:lnTo>
-                  <a:lnTo>
-                    <a:pt x="59" y="21"/>
-                  </a:lnTo>
-                  <a:lnTo>
-                    <a:pt x="0" y="0"/>
-                  </a:lnTo>
-                  <a:lnTo>
-                    <a:pt x="0" y="0"/>
-                  </a:lnTo>
-                  <a:close/>
-                </a:path>
-              </a:pathLst>
-            </a:custGeom>
-            <a:solidFill>
-              <a:schemeClr val="bg1"/>
-            </a:solidFill>
-            <a:ln>
-              <a:noFill/>
-            </a:ln>
-          </p:spPr>
-        </p:sp>
-        <p:sp>
-          <p:nvSpPr>
-            <p:cNvPr id="12" name="Freeform 5"/>
+            <p:cNvPr id="18" name="Freeform 5"/>
             <p:cNvSpPr>
               <a:spLocks noEditPoints="1"/>
             </p:cNvSpPr>
@@ -2415,12 +2921,12 @@
         </p:nvSpPr>
         <p:spPr>
           <a:xfrm>
-            <a:off x="1148798" y="1063417"/>
-            <a:ext cx="8831816" cy="1372986"/>
+            <a:off x="1154954" y="1063416"/>
+            <a:ext cx="8825659" cy="1379755"/>
           </a:xfrm>
         </p:spPr>
         <p:txBody>
-          <a:bodyPr/>
+          <a:bodyPr anchor="ctr"/>
           <a:lstStyle>
             <a:lvl1pPr>
               <a:defRPr sz="4000"/>
@@ -2519,7 +3025,7 @@
           <a:p>
             <a:fld id="{8769D389-4C4C-4FD7-9E6B-9F44477F0EB8}" type="datetime1">
               <a:rPr lang="en-US" smtClean="0"/>
-              <a:t>9/12/2024</a:t>
+              <a:t>10/13/2024</a:t>
             </a:fld>
             <a:endParaRPr lang="en-US" dirty="0"/>
           </a:p>
@@ -2552,7 +3058,7 @@
         </p:nvSpPr>
         <p:spPr>
           <a:xfrm>
-            <a:off x="10437812" y="0"/>
+            <a:off x="10443728" y="0"/>
             <a:ext cx="685800" cy="1143000"/>
           </a:xfrm>
           <a:prstGeom prst="rect">
@@ -2606,7 +3112,7 @@
     </p:spTree>
     <p:extLst>
       <p:ext uri="{BB962C8B-B14F-4D97-AF65-F5344CB8AC3E}">
-        <p14:creationId xmlns:p14="http://schemas.microsoft.com/office/powerpoint/2010/main" val="4012690204"/>
+        <p14:creationId xmlns:p14="http://schemas.microsoft.com/office/powerpoint/2010/main" val="1687069720"/>
       </p:ext>
     </p:extLst>
   </p:cSld>
@@ -2618,7 +3124,7 @@
 </file>
 
 <file path=ppt/slideLayouts/slideLayout12.xml><?xml version="1.0" encoding="utf-8"?>
-<p:sldLayout xmlns:a="http://schemas.openxmlformats.org/drawingml/2006/main" xmlns:r="http://schemas.openxmlformats.org/officeDocument/2006/relationships" xmlns:p="http://schemas.openxmlformats.org/presentationml/2006/main" showMasterSp="0" preserve="1">
+<p:sldLayout xmlns:a="http://schemas.openxmlformats.org/drawingml/2006/main" xmlns:r="http://schemas.openxmlformats.org/officeDocument/2006/relationships" xmlns:p="http://schemas.openxmlformats.org/presentationml/2006/main" preserve="1">
   <p:cSld name="Quote with Caption">
     <p:spTree>
       <p:nvGrpSpPr>
@@ -2650,7 +3156,7 @@
         </p:grpSpPr>
         <p:sp>
           <p:nvSpPr>
-            <p:cNvPr id="17" name="Rectangle 16"/>
+            <p:cNvPr id="16" name="Rectangle 15"/>
             <p:cNvSpPr/>
             <p:nvPr/>
           </p:nvSpPr>
@@ -2666,15 +3172,14 @@
               <a:blip r:embed="rId2">
                 <a:duotone>
                   <a:schemeClr val="dk2">
-                    <a:shade val="69000"/>
-                    <a:hueMod val="91000"/>
-                    <a:satMod val="164000"/>
-                    <a:lumMod val="74000"/>
+                    <a:shade val="42000"/>
+                    <a:hueMod val="42000"/>
+                    <a:satMod val="124000"/>
+                    <a:lumMod val="62000"/>
                   </a:schemeClr>
                   <a:schemeClr val="dk2">
-                    <a:hueMod val="124000"/>
-                    <a:satMod val="140000"/>
-                    <a:lumMod val="142000"/>
+                    <a:tint val="96000"/>
+                    <a:satMod val="130000"/>
                   </a:schemeClr>
                 </a:duotone>
               </a:blip>
@@ -2705,14 +3210,14 @@
         </p:sp>
         <p:sp>
           <p:nvSpPr>
-            <p:cNvPr id="20" name="Oval 19"/>
+            <p:cNvPr id="17" name="Oval 16"/>
             <p:cNvSpPr/>
             <p:nvPr/>
           </p:nvSpPr>
           <p:spPr>
             <a:xfrm>
-              <a:off x="0" y="2667000"/>
-              <a:ext cx="4191000" cy="4191000"/>
+              <a:off x="8609012" y="5867400"/>
+              <a:ext cx="990600" cy="990600"/>
             </a:xfrm>
             <a:prstGeom prst="ellipse">
               <a:avLst/>
@@ -2721,17 +3226,17 @@
               <a:gsLst>
                 <a:gs pos="0">
                   <a:schemeClr val="accent5">
-                    <a:alpha val="11000"/>
-                  </a:schemeClr>
-                </a:gs>
-                <a:gs pos="75000">
+                    <a:alpha val="14000"/>
+                  </a:schemeClr>
+                </a:gs>
+                <a:gs pos="66000">
                   <a:schemeClr val="accent5">
                     <a:alpha val="0"/>
                   </a:schemeClr>
                 </a:gs>
                 <a:gs pos="36000">
                   <a:schemeClr val="accent5">
-                    <a:alpha val="10000"/>
+                    <a:alpha val="7000"/>
                   </a:schemeClr>
                 </a:gs>
               </a:gsLst>
@@ -2762,7 +3267,127 @@
         </p:sp>
         <p:sp>
           <p:nvSpPr>
-            <p:cNvPr id="22" name="Oval 21"/>
+            <p:cNvPr id="18" name="Oval 17"/>
+            <p:cNvSpPr/>
+            <p:nvPr/>
+          </p:nvSpPr>
+          <p:spPr>
+            <a:xfrm>
+              <a:off x="8609012" y="1676400"/>
+              <a:ext cx="2819400" cy="2819400"/>
+            </a:xfrm>
+            <a:prstGeom prst="ellipse">
+              <a:avLst/>
+            </a:prstGeom>
+            <a:gradFill flip="none" rotWithShape="1">
+              <a:gsLst>
+                <a:gs pos="0">
+                  <a:schemeClr val="accent5">
+                    <a:alpha val="7000"/>
+                  </a:schemeClr>
+                </a:gs>
+                <a:gs pos="69000">
+                  <a:schemeClr val="accent5">
+                    <a:alpha val="0"/>
+                  </a:schemeClr>
+                </a:gs>
+                <a:gs pos="36000">
+                  <a:schemeClr val="accent5">
+                    <a:alpha val="6000"/>
+                  </a:schemeClr>
+                </a:gs>
+              </a:gsLst>
+              <a:path path="circle">
+                <a:fillToRect l="50000" t="50000" r="50000" b="50000"/>
+              </a:path>
+              <a:tileRect/>
+            </a:gradFill>
+            <a:ln>
+              <a:noFill/>
+            </a:ln>
+            <a:effectLst/>
+          </p:spPr>
+          <p:style>
+            <a:lnRef idx="1">
+              <a:schemeClr val="accent1"/>
+            </a:lnRef>
+            <a:fillRef idx="3">
+              <a:schemeClr val="accent1"/>
+            </a:fillRef>
+            <a:effectRef idx="2">
+              <a:schemeClr val="accent1"/>
+            </a:effectRef>
+            <a:fontRef idx="minor">
+              <a:schemeClr val="lt1"/>
+            </a:fontRef>
+          </p:style>
+        </p:sp>
+        <p:sp>
+          <p:nvSpPr>
+            <p:cNvPr id="19" name="Oval 18"/>
+            <p:cNvSpPr/>
+            <p:nvPr/>
+          </p:nvSpPr>
+          <p:spPr>
+            <a:xfrm>
+              <a:off x="7999412" y="1587"/>
+              <a:ext cx="1600200" cy="1600200"/>
+            </a:xfrm>
+            <a:prstGeom prst="ellipse">
+              <a:avLst/>
+            </a:prstGeom>
+            <a:gradFill flip="none" rotWithShape="1">
+              <a:gsLst>
+                <a:gs pos="0">
+                  <a:schemeClr val="accent1">
+                    <a:lumMod val="60000"/>
+                    <a:lumOff val="40000"/>
+                    <a:alpha val="14000"/>
+                  </a:schemeClr>
+                </a:gs>
+                <a:gs pos="73000">
+                  <a:schemeClr val="accent1">
+                    <a:lumMod val="60000"/>
+                    <a:lumOff val="40000"/>
+                    <a:alpha val="0"/>
+                  </a:schemeClr>
+                </a:gs>
+                <a:gs pos="36000">
+                  <a:schemeClr val="accent1">
+                    <a:lumMod val="60000"/>
+                    <a:lumOff val="40000"/>
+                    <a:alpha val="7000"/>
+                  </a:schemeClr>
+                </a:gs>
+              </a:gsLst>
+              <a:path path="circle">
+                <a:fillToRect l="50000" t="50000" r="50000" b="50000"/>
+              </a:path>
+              <a:tileRect/>
+            </a:gradFill>
+            <a:ln>
+              <a:noFill/>
+            </a:ln>
+            <a:effectLst/>
+          </p:spPr>
+          <p:style>
+            <a:lnRef idx="1">
+              <a:schemeClr val="accent1"/>
+            </a:lnRef>
+            <a:fillRef idx="3">
+              <a:schemeClr val="accent1"/>
+            </a:fillRef>
+            <a:effectRef idx="2">
+              <a:schemeClr val="accent1"/>
+            </a:effectRef>
+            <a:fontRef idx="minor">
+              <a:schemeClr val="lt1"/>
+            </a:fontRef>
+          </p:style>
+        </p:sp>
+        <p:sp>
+          <p:nvSpPr>
+            <p:cNvPr id="20" name="Oval 19"/>
             <p:cNvSpPr/>
             <p:nvPr/>
           </p:nvSpPr>
@@ -2819,14 +3444,14 @@
         </p:sp>
         <p:sp>
           <p:nvSpPr>
-            <p:cNvPr id="23" name="Oval 22"/>
+            <p:cNvPr id="21" name="Oval 20"/>
             <p:cNvSpPr/>
             <p:nvPr/>
           </p:nvSpPr>
           <p:spPr>
             <a:xfrm>
-              <a:off x="8609012" y="5867400"/>
-              <a:ext cx="990600" cy="990600"/>
+              <a:off x="0" y="2667000"/>
+              <a:ext cx="4191000" cy="4191000"/>
             </a:xfrm>
             <a:prstGeom prst="ellipse">
               <a:avLst/>
@@ -2834,18 +3459,24 @@
             <a:gradFill flip="none" rotWithShape="1">
               <a:gsLst>
                 <a:gs pos="0">
-                  <a:schemeClr val="accent5">
-                    <a:alpha val="14000"/>
-                  </a:schemeClr>
-                </a:gs>
-                <a:gs pos="66000">
-                  <a:schemeClr val="accent5">
+                  <a:schemeClr val="accent1">
+                    <a:lumMod val="60000"/>
+                    <a:lumOff val="40000"/>
+                    <a:alpha val="11000"/>
+                  </a:schemeClr>
+                </a:gs>
+                <a:gs pos="75000">
+                  <a:schemeClr val="accent1">
+                    <a:lumMod val="60000"/>
+                    <a:lumOff val="40000"/>
                     <a:alpha val="0"/>
                   </a:schemeClr>
                 </a:gs>
                 <a:gs pos="36000">
-                  <a:schemeClr val="accent5">
-                    <a:alpha val="7000"/>
+                  <a:schemeClr val="accent1">
+                    <a:lumMod val="60000"/>
+                    <a:lumOff val="40000"/>
+                    <a:alpha val="10000"/>
                   </a:schemeClr>
                 </a:gs>
               </a:gsLst>
@@ -2876,14 +3507,14 @@
         </p:sp>
         <p:sp>
           <p:nvSpPr>
-            <p:cNvPr id="24" name="Oval 23"/>
+            <p:cNvPr id="22" name="Oval 21"/>
             <p:cNvSpPr/>
             <p:nvPr/>
           </p:nvSpPr>
           <p:spPr>
             <a:xfrm>
-              <a:off x="8609012" y="1676400"/>
-              <a:ext cx="2819400" cy="2819400"/>
+              <a:off x="8609012" y="5865239"/>
+              <a:ext cx="990600" cy="990600"/>
             </a:xfrm>
             <a:prstGeom prst="ellipse">
               <a:avLst/>
@@ -2891,18 +3522,24 @@
             <a:gradFill flip="none" rotWithShape="1">
               <a:gsLst>
                 <a:gs pos="0">
-                  <a:schemeClr val="accent5">
-                    <a:alpha val="7000"/>
-                  </a:schemeClr>
-                </a:gs>
-                <a:gs pos="69000">
-                  <a:schemeClr val="accent5">
+                  <a:schemeClr val="accent1">
+                    <a:lumMod val="60000"/>
+                    <a:lumOff val="40000"/>
+                    <a:alpha val="10000"/>
+                  </a:schemeClr>
+                </a:gs>
+                <a:gs pos="66000">
+                  <a:schemeClr val="accent1">
+                    <a:lumMod val="60000"/>
+                    <a:lumOff val="40000"/>
                     <a:alpha val="0"/>
                   </a:schemeClr>
                 </a:gs>
-                <a:gs pos="36000">
-                  <a:schemeClr val="accent5">
-                    <a:alpha val="6000"/>
+                <a:gs pos="31000">
+                  <a:schemeClr val="accent1">
+                    <a:lumMod val="60000"/>
+                    <a:lumOff val="40000"/>
+                    <a:alpha val="5000"/>
                   </a:schemeClr>
                 </a:gs>
               </a:gsLst>
@@ -2933,64 +3570,7 @@
         </p:sp>
         <p:sp>
           <p:nvSpPr>
-            <p:cNvPr id="25" name="Oval 24"/>
-            <p:cNvSpPr/>
-            <p:nvPr/>
-          </p:nvSpPr>
-          <p:spPr>
-            <a:xfrm>
-              <a:off x="7999412" y="8464"/>
-              <a:ext cx="1600200" cy="1600200"/>
-            </a:xfrm>
-            <a:prstGeom prst="ellipse">
-              <a:avLst/>
-            </a:prstGeom>
-            <a:gradFill flip="none" rotWithShape="1">
-              <a:gsLst>
-                <a:gs pos="0">
-                  <a:schemeClr val="accent5">
-                    <a:alpha val="14000"/>
-                  </a:schemeClr>
-                </a:gs>
-                <a:gs pos="73000">
-                  <a:schemeClr val="accent5">
-                    <a:alpha val="0"/>
-                  </a:schemeClr>
-                </a:gs>
-                <a:gs pos="36000">
-                  <a:schemeClr val="accent5">
-                    <a:alpha val="7000"/>
-                  </a:schemeClr>
-                </a:gs>
-              </a:gsLst>
-              <a:path path="circle">
-                <a:fillToRect l="50000" t="50000" r="50000" b="50000"/>
-              </a:path>
-              <a:tileRect/>
-            </a:gradFill>
-            <a:ln>
-              <a:noFill/>
-            </a:ln>
-            <a:effectLst/>
-          </p:spPr>
-          <p:style>
-            <a:lnRef idx="1">
-              <a:schemeClr val="accent1"/>
-            </a:lnRef>
-            <a:fillRef idx="3">
-              <a:schemeClr val="accent1"/>
-            </a:fillRef>
-            <a:effectRef idx="2">
-              <a:schemeClr val="accent1"/>
-            </a:effectRef>
-            <a:fontRef idx="minor">
-              <a:schemeClr val="lt1"/>
-            </a:fontRef>
-          </p:style>
-        </p:sp>
-        <p:sp>
-          <p:nvSpPr>
-            <p:cNvPr id="21" name="Freeform 5"/>
+            <p:cNvPr id="12" name="Freeform 5"/>
             <p:cNvSpPr/>
             <p:nvPr/>
           </p:nvSpPr>
@@ -3137,7 +3717,7 @@
         </p:sp>
         <p:sp>
           <p:nvSpPr>
-            <p:cNvPr id="12" name="Freeform 5"/>
+            <p:cNvPr id="15" name="Freeform 5"/>
             <p:cNvSpPr/>
             <p:nvPr/>
           </p:nvSpPr>
@@ -3321,7 +3901,7 @@
         </p:sp>
         <p:sp>
           <p:nvSpPr>
-            <p:cNvPr id="18" name="Freeform 5"/>
+            <p:cNvPr id="23" name="Freeform 5"/>
             <p:cNvSpPr>
               <a:spLocks noEditPoints="1"/>
             </p:cNvSpPr>
@@ -3386,13 +3966,13 @@
       </p:grpSp>
       <p:sp>
         <p:nvSpPr>
-          <p:cNvPr id="16" name="TextBox 15"/>
+          <p:cNvPr id="11" name="TextBox 10"/>
           <p:cNvSpPr txBox="1"/>
           <p:nvPr/>
         </p:nvSpPr>
         <p:spPr bwMode="gray">
           <a:xfrm>
-            <a:off x="881566" y="607336"/>
+            <a:off x="898295" y="603589"/>
             <a:ext cx="801912" cy="1569660"/>
           </a:xfrm>
           <a:prstGeom prst="rect">
@@ -3404,20 +3984,24 @@
           <a:bodyPr wrap="square" rtlCol="0">
             <a:spAutoFit/>
           </a:bodyPr>
-          <a:lstStyle/>
-          <a:p>
-            <a:pPr algn="r"/>
-            <a:r>
-              <a:rPr lang="en-US" sz="9600" b="0" i="0" dirty="0">
+          <a:lstStyle>
+            <a:defPPr>
+              <a:defRPr lang="en-US"/>
+            </a:defPPr>
+            <a:lvl1pPr algn="r">
+              <a:defRPr sz="12200" b="0" i="0">
                 <a:solidFill>
-                  <a:schemeClr val="accent1">
-                    <a:lumMod val="60000"/>
-                    <a:lumOff val="40000"/>
-                  </a:schemeClr>
+                  <a:schemeClr val="accent1"/>
                 </a:solidFill>
                 <a:latin typeface="Arial"/>
                 <a:cs typeface="Arial"/>
-              </a:rPr>
+              </a:defRPr>
+            </a:lvl1pPr>
+          </a:lstStyle>
+          <a:p>
+            <a:pPr lvl="0"/>
+            <a:r>
+              <a:rPr lang="en-US" sz="9600" dirty="0"/>
               <a:t>“</a:t>
             </a:r>
           </a:p>
@@ -3431,8 +4015,8 @@
         </p:nvSpPr>
         <p:spPr bwMode="gray">
           <a:xfrm>
-            <a:off x="9884458" y="2613787"/>
-            <a:ext cx="652763" cy="1569660"/>
+            <a:off x="9705137" y="2613787"/>
+            <a:ext cx="801912" cy="1569660"/>
           </a:xfrm>
           <a:prstGeom prst="rect">
             <a:avLst/>
@@ -3443,20 +4027,24 @@
           <a:bodyPr wrap="square" rtlCol="0">
             <a:spAutoFit/>
           </a:bodyPr>
-          <a:lstStyle/>
-          <a:p>
-            <a:pPr algn="r"/>
-            <a:r>
-              <a:rPr lang="en-US" sz="9600" b="0" i="0" dirty="0">
+          <a:lstStyle>
+            <a:defPPr>
+              <a:defRPr lang="en-US"/>
+            </a:defPPr>
+            <a:lvl1pPr algn="r">
+              <a:defRPr sz="12200" b="0" i="0">
                 <a:solidFill>
-                  <a:schemeClr val="accent1">
-                    <a:lumMod val="60000"/>
-                    <a:lumOff val="40000"/>
-                  </a:schemeClr>
+                  <a:schemeClr val="accent1"/>
                 </a:solidFill>
                 <a:latin typeface="Arial"/>
                 <a:cs typeface="Arial"/>
-              </a:rPr>
+              </a:defRPr>
+            </a:lvl1pPr>
+          </a:lstStyle>
+          <a:p>
+            <a:pPr lvl="0"/>
+            <a:r>
+              <a:rPr lang="en-US" sz="9600" dirty="0"/>
               <a:t>”</a:t>
             </a:r>
           </a:p>
@@ -3474,12 +4062,12 @@
         </p:nvSpPr>
         <p:spPr>
           <a:xfrm>
-            <a:off x="1581878" y="982134"/>
-            <a:ext cx="8453906" cy="2696632"/>
+            <a:off x="1574801" y="980517"/>
+            <a:ext cx="8460983" cy="2705034"/>
           </a:xfrm>
         </p:spPr>
         <p:txBody>
-          <a:bodyPr/>
+          <a:bodyPr anchor="ctr"/>
           <a:lstStyle>
             <a:lvl1pPr>
               <a:defRPr sz="4000"/>
@@ -3506,8 +4094,8 @@
         </p:nvSpPr>
         <p:spPr bwMode="gray">
           <a:xfrm>
-            <a:off x="1945945" y="3678766"/>
-            <a:ext cx="7731219" cy="342174"/>
+            <a:off x="1945945" y="3686515"/>
+            <a:ext cx="7725772" cy="342174"/>
           </a:xfrm>
         </p:spPr>
         <p:txBody>
@@ -3519,10 +4107,7 @@
               <a:buNone/>
               <a:defRPr lang="en-US" sz="1400" b="0" i="0" kern="1200" cap="small" dirty="0">
                 <a:solidFill>
-                  <a:schemeClr val="accent1">
-                    <a:lumMod val="60000"/>
-                    <a:lumOff val="40000"/>
-                  </a:schemeClr>
+                  <a:schemeClr val="accent1"/>
                 </a:solidFill>
                 <a:latin typeface="+mn-lt"/>
                 <a:ea typeface="+mn-ea"/>
@@ -3582,8 +4167,8 @@
         </p:nvSpPr>
         <p:spPr>
           <a:xfrm>
-            <a:off x="1154954" y="5029199"/>
-            <a:ext cx="9244897" cy="997857"/>
+            <a:off x="1154954" y="5014393"/>
+            <a:ext cx="8825659" cy="1012664"/>
           </a:xfrm>
         </p:spPr>
         <p:txBody>
@@ -3654,7 +4239,7 @@
           <a:p>
             <a:fld id="{8769D389-4C4C-4FD7-9E6B-9F44477F0EB8}" type="datetime1">
               <a:rPr lang="en-US" smtClean="0"/>
-              <a:t>9/12/2024</a:t>
+              <a:t>10/13/2024</a:t>
             </a:fld>
             <a:endParaRPr lang="en-US" dirty="0"/>
           </a:p>
@@ -3681,13 +4266,13 @@
       </p:sp>
       <p:sp>
         <p:nvSpPr>
-          <p:cNvPr id="19" name="Rectangle 18"/>
+          <p:cNvPr id="24" name="Rectangle 23"/>
           <p:cNvSpPr/>
           <p:nvPr/>
         </p:nvSpPr>
         <p:spPr>
           <a:xfrm>
-            <a:off x="10437812" y="0"/>
+            <a:off x="10443728" y="0"/>
             <a:ext cx="685800" cy="1143000"/>
           </a:xfrm>
           <a:prstGeom prst="rect">
@@ -3741,7 +4326,7 @@
     </p:spTree>
     <p:extLst>
       <p:ext uri="{BB962C8B-B14F-4D97-AF65-F5344CB8AC3E}">
-        <p14:creationId xmlns:p14="http://schemas.microsoft.com/office/powerpoint/2010/main" val="1883223086"/>
+        <p14:creationId xmlns:p14="http://schemas.microsoft.com/office/powerpoint/2010/main" val="89504669"/>
       </p:ext>
     </p:extLst>
   </p:cSld>
@@ -3753,7 +4338,7 @@
 </file>
 
 <file path=ppt/slideLayouts/slideLayout13.xml><?xml version="1.0" encoding="utf-8"?>
-<p:sldLayout xmlns:a="http://schemas.openxmlformats.org/drawingml/2006/main" xmlns:r="http://schemas.openxmlformats.org/officeDocument/2006/relationships" xmlns:p="http://schemas.openxmlformats.org/presentationml/2006/main" showMasterSp="0" preserve="1">
+<p:sldLayout xmlns:a="http://schemas.openxmlformats.org/drawingml/2006/main" xmlns:r="http://schemas.openxmlformats.org/officeDocument/2006/relationships" xmlns:p="http://schemas.openxmlformats.org/presentationml/2006/main" preserve="1">
   <p:cSld name="Name Card">
     <p:spTree>
       <p:nvGrpSpPr>
@@ -3785,7 +4370,7 @@
         </p:grpSpPr>
         <p:sp>
           <p:nvSpPr>
-            <p:cNvPr id="11" name="Rectangle 10"/>
+            <p:cNvPr id="10" name="Rectangle 9"/>
             <p:cNvSpPr/>
             <p:nvPr/>
           </p:nvSpPr>
@@ -3801,15 +4386,14 @@
               <a:blip r:embed="rId2">
                 <a:duotone>
                   <a:schemeClr val="dk2">
-                    <a:shade val="69000"/>
-                    <a:hueMod val="91000"/>
-                    <a:satMod val="164000"/>
-                    <a:lumMod val="74000"/>
+                    <a:shade val="42000"/>
+                    <a:hueMod val="42000"/>
+                    <a:satMod val="124000"/>
+                    <a:lumMod val="62000"/>
                   </a:schemeClr>
                   <a:schemeClr val="dk2">
-                    <a:hueMod val="124000"/>
-                    <a:satMod val="140000"/>
-                    <a:lumMod val="142000"/>
+                    <a:tint val="96000"/>
+                    <a:satMod val="130000"/>
                   </a:schemeClr>
                 </a:duotone>
               </a:blip>
@@ -3840,14 +4424,14 @@
         </p:sp>
         <p:sp>
           <p:nvSpPr>
-            <p:cNvPr id="15" name="Oval 14"/>
+            <p:cNvPr id="11" name="Oval 10"/>
             <p:cNvSpPr/>
             <p:nvPr/>
           </p:nvSpPr>
           <p:spPr>
             <a:xfrm>
-              <a:off x="0" y="2667000"/>
-              <a:ext cx="4191000" cy="4191000"/>
+              <a:off x="8609012" y="5867400"/>
+              <a:ext cx="990600" cy="990600"/>
             </a:xfrm>
             <a:prstGeom prst="ellipse">
               <a:avLst/>
@@ -3856,17 +4440,17 @@
               <a:gsLst>
                 <a:gs pos="0">
                   <a:schemeClr val="accent5">
-                    <a:alpha val="11000"/>
-                  </a:schemeClr>
-                </a:gs>
-                <a:gs pos="75000">
+                    <a:alpha val="14000"/>
+                  </a:schemeClr>
+                </a:gs>
+                <a:gs pos="66000">
                   <a:schemeClr val="accent5">
                     <a:alpha val="0"/>
                   </a:schemeClr>
                 </a:gs>
                 <a:gs pos="36000">
                   <a:schemeClr val="accent5">
-                    <a:alpha val="10000"/>
+                    <a:alpha val="7000"/>
                   </a:schemeClr>
                 </a:gs>
               </a:gsLst>
@@ -3897,7 +4481,127 @@
         </p:sp>
         <p:sp>
           <p:nvSpPr>
-            <p:cNvPr id="16" name="Oval 15"/>
+            <p:cNvPr id="13" name="Oval 12"/>
+            <p:cNvSpPr/>
+            <p:nvPr/>
+          </p:nvSpPr>
+          <p:spPr>
+            <a:xfrm>
+              <a:off x="8609012" y="1676400"/>
+              <a:ext cx="2819400" cy="2819400"/>
+            </a:xfrm>
+            <a:prstGeom prst="ellipse">
+              <a:avLst/>
+            </a:prstGeom>
+            <a:gradFill flip="none" rotWithShape="1">
+              <a:gsLst>
+                <a:gs pos="0">
+                  <a:schemeClr val="accent5">
+                    <a:alpha val="7000"/>
+                  </a:schemeClr>
+                </a:gs>
+                <a:gs pos="69000">
+                  <a:schemeClr val="accent5">
+                    <a:alpha val="0"/>
+                  </a:schemeClr>
+                </a:gs>
+                <a:gs pos="36000">
+                  <a:schemeClr val="accent5">
+                    <a:alpha val="6000"/>
+                  </a:schemeClr>
+                </a:gs>
+              </a:gsLst>
+              <a:path path="circle">
+                <a:fillToRect l="50000" t="50000" r="50000" b="50000"/>
+              </a:path>
+              <a:tileRect/>
+            </a:gradFill>
+            <a:ln>
+              <a:noFill/>
+            </a:ln>
+            <a:effectLst/>
+          </p:spPr>
+          <p:style>
+            <a:lnRef idx="1">
+              <a:schemeClr val="accent1"/>
+            </a:lnRef>
+            <a:fillRef idx="3">
+              <a:schemeClr val="accent1"/>
+            </a:fillRef>
+            <a:effectRef idx="2">
+              <a:schemeClr val="accent1"/>
+            </a:effectRef>
+            <a:fontRef idx="minor">
+              <a:schemeClr val="lt1"/>
+            </a:fontRef>
+          </p:style>
+        </p:sp>
+        <p:sp>
+          <p:nvSpPr>
+            <p:cNvPr id="14" name="Oval 13"/>
+            <p:cNvSpPr/>
+            <p:nvPr/>
+          </p:nvSpPr>
+          <p:spPr>
+            <a:xfrm>
+              <a:off x="7999412" y="1587"/>
+              <a:ext cx="1600200" cy="1600200"/>
+            </a:xfrm>
+            <a:prstGeom prst="ellipse">
+              <a:avLst/>
+            </a:prstGeom>
+            <a:gradFill flip="none" rotWithShape="1">
+              <a:gsLst>
+                <a:gs pos="0">
+                  <a:schemeClr val="accent1">
+                    <a:lumMod val="60000"/>
+                    <a:lumOff val="40000"/>
+                    <a:alpha val="14000"/>
+                  </a:schemeClr>
+                </a:gs>
+                <a:gs pos="73000">
+                  <a:schemeClr val="accent1">
+                    <a:lumMod val="60000"/>
+                    <a:lumOff val="40000"/>
+                    <a:alpha val="0"/>
+                  </a:schemeClr>
+                </a:gs>
+                <a:gs pos="36000">
+                  <a:schemeClr val="accent1">
+                    <a:lumMod val="60000"/>
+                    <a:lumOff val="40000"/>
+                    <a:alpha val="7000"/>
+                  </a:schemeClr>
+                </a:gs>
+              </a:gsLst>
+              <a:path path="circle">
+                <a:fillToRect l="50000" t="50000" r="50000" b="50000"/>
+              </a:path>
+              <a:tileRect/>
+            </a:gradFill>
+            <a:ln>
+              <a:noFill/>
+            </a:ln>
+            <a:effectLst/>
+          </p:spPr>
+          <p:style>
+            <a:lnRef idx="1">
+              <a:schemeClr val="accent1"/>
+            </a:lnRef>
+            <a:fillRef idx="3">
+              <a:schemeClr val="accent1"/>
+            </a:fillRef>
+            <a:effectRef idx="2">
+              <a:schemeClr val="accent1"/>
+            </a:effectRef>
+            <a:fontRef idx="minor">
+              <a:schemeClr val="lt1"/>
+            </a:fontRef>
+          </p:style>
+        </p:sp>
+        <p:sp>
+          <p:nvSpPr>
+            <p:cNvPr id="15" name="Oval 14"/>
             <p:cNvSpPr/>
             <p:nvPr/>
           </p:nvSpPr>
@@ -3954,14 +4658,14 @@
         </p:sp>
         <p:sp>
           <p:nvSpPr>
-            <p:cNvPr id="17" name="Oval 16"/>
+            <p:cNvPr id="16" name="Oval 15"/>
             <p:cNvSpPr/>
             <p:nvPr/>
           </p:nvSpPr>
           <p:spPr>
             <a:xfrm>
-              <a:off x="8609012" y="5867400"/>
-              <a:ext cx="990600" cy="990600"/>
+              <a:off x="0" y="2667000"/>
+              <a:ext cx="4191000" cy="4191000"/>
             </a:xfrm>
             <a:prstGeom prst="ellipse">
               <a:avLst/>
@@ -3969,18 +4673,24 @@
             <a:gradFill flip="none" rotWithShape="1">
               <a:gsLst>
                 <a:gs pos="0">
-                  <a:schemeClr val="accent5">
-                    <a:alpha val="14000"/>
-                  </a:schemeClr>
-                </a:gs>
-                <a:gs pos="66000">
-                  <a:schemeClr val="accent5">
+                  <a:schemeClr val="accent1">
+                    <a:lumMod val="60000"/>
+                    <a:lumOff val="40000"/>
+                    <a:alpha val="11000"/>
+                  </a:schemeClr>
+                </a:gs>
+                <a:gs pos="75000">
+                  <a:schemeClr val="accent1">
+                    <a:lumMod val="60000"/>
+                    <a:lumOff val="40000"/>
                     <a:alpha val="0"/>
                   </a:schemeClr>
                 </a:gs>
                 <a:gs pos="36000">
-                  <a:schemeClr val="accent5">
-                    <a:alpha val="7000"/>
+                  <a:schemeClr val="accent1">
+                    <a:lumMod val="60000"/>
+                    <a:lumOff val="40000"/>
+                    <a:alpha val="10000"/>
                   </a:schemeClr>
                 </a:gs>
               </a:gsLst>
@@ -4011,14 +4721,14 @@
         </p:sp>
         <p:sp>
           <p:nvSpPr>
-            <p:cNvPr id="18" name="Oval 17"/>
+            <p:cNvPr id="17" name="Oval 16"/>
             <p:cNvSpPr/>
             <p:nvPr/>
           </p:nvSpPr>
           <p:spPr>
             <a:xfrm>
-              <a:off x="8609012" y="1676400"/>
-              <a:ext cx="2819400" cy="2819400"/>
+              <a:off x="8609012" y="5865239"/>
+              <a:ext cx="990600" cy="990600"/>
             </a:xfrm>
             <a:prstGeom prst="ellipse">
               <a:avLst/>
@@ -4026,18 +4736,24 @@
             <a:gradFill flip="none" rotWithShape="1">
               <a:gsLst>
                 <a:gs pos="0">
-                  <a:schemeClr val="accent5">
-                    <a:alpha val="7000"/>
-                  </a:schemeClr>
-                </a:gs>
-                <a:gs pos="69000">
-                  <a:schemeClr val="accent5">
+                  <a:schemeClr val="accent1">
+                    <a:lumMod val="60000"/>
+                    <a:lumOff val="40000"/>
+                    <a:alpha val="10000"/>
+                  </a:schemeClr>
+                </a:gs>
+                <a:gs pos="66000">
+                  <a:schemeClr val="accent1">
+                    <a:lumMod val="60000"/>
+                    <a:lumOff val="40000"/>
                     <a:alpha val="0"/>
                   </a:schemeClr>
                 </a:gs>
-                <a:gs pos="36000">
-                  <a:schemeClr val="accent5">
-                    <a:alpha val="6000"/>
+                <a:gs pos="31000">
+                  <a:schemeClr val="accent1">
+                    <a:lumMod val="60000"/>
+                    <a:lumOff val="40000"/>
+                    <a:alpha val="5000"/>
                   </a:schemeClr>
                 </a:gs>
               </a:gsLst>
@@ -4068,64 +4784,7 @@
         </p:sp>
         <p:sp>
           <p:nvSpPr>
-            <p:cNvPr id="19" name="Oval 18"/>
-            <p:cNvSpPr/>
-            <p:nvPr/>
-          </p:nvSpPr>
-          <p:spPr>
-            <a:xfrm>
-              <a:off x="7999412" y="8464"/>
-              <a:ext cx="1600200" cy="1600200"/>
-            </a:xfrm>
-            <a:prstGeom prst="ellipse">
-              <a:avLst/>
-            </a:prstGeom>
-            <a:gradFill flip="none" rotWithShape="1">
-              <a:gsLst>
-                <a:gs pos="0">
-                  <a:schemeClr val="accent5">
-                    <a:alpha val="14000"/>
-                  </a:schemeClr>
-                </a:gs>
-                <a:gs pos="73000">
-                  <a:schemeClr val="accent5">
-                    <a:alpha val="0"/>
-                  </a:schemeClr>
-                </a:gs>
-                <a:gs pos="36000">
-                  <a:schemeClr val="accent5">
-                    <a:alpha val="7000"/>
-                  </a:schemeClr>
-                </a:gs>
-              </a:gsLst>
-              <a:path path="circle">
-                <a:fillToRect l="50000" t="50000" r="50000" b="50000"/>
-              </a:path>
-              <a:tileRect/>
-            </a:gradFill>
-            <a:ln>
-              <a:noFill/>
-            </a:ln>
-            <a:effectLst/>
-          </p:spPr>
-          <p:style>
-            <a:lnRef idx="1">
-              <a:schemeClr val="accent1"/>
-            </a:lnRef>
-            <a:fillRef idx="3">
-              <a:schemeClr val="accent1"/>
-            </a:fillRef>
-            <a:effectRef idx="2">
-              <a:schemeClr val="accent1"/>
-            </a:effectRef>
-            <a:fontRef idx="minor">
-              <a:schemeClr val="lt1"/>
-            </a:fontRef>
-          </p:style>
-        </p:sp>
-        <p:sp>
-          <p:nvSpPr>
-            <p:cNvPr id="13" name="Freeform 5"/>
+            <p:cNvPr id="7" name="Freeform 5"/>
             <p:cNvSpPr/>
             <p:nvPr/>
           </p:nvSpPr>
@@ -4456,7 +5115,7 @@
         </p:sp>
         <p:sp>
           <p:nvSpPr>
-            <p:cNvPr id="12" name="Freeform 5"/>
+            <p:cNvPr id="18" name="Freeform 5"/>
             <p:cNvSpPr>
               <a:spLocks noEditPoints="1"/>
             </p:cNvSpPr>
@@ -4531,8 +5190,8 @@
         </p:nvSpPr>
         <p:spPr>
           <a:xfrm>
-            <a:off x="1154954" y="2370667"/>
-            <a:ext cx="8825660" cy="1822514"/>
+            <a:off x="1154955" y="2404477"/>
+            <a:ext cx="8825659" cy="1788704"/>
           </a:xfrm>
         </p:spPr>
         <p:txBody>
@@ -4563,8 +5222,8 @@
         </p:nvSpPr>
         <p:spPr>
           <a:xfrm>
-            <a:off x="1154954" y="5024967"/>
-            <a:ext cx="8825659" cy="860400"/>
+            <a:off x="1138587" y="5024967"/>
+            <a:ext cx="8825658" cy="860400"/>
           </a:xfrm>
         </p:spPr>
         <p:txBody>
@@ -4574,10 +5233,7 @@
               <a:buNone/>
               <a:defRPr sz="2000" cap="none">
                 <a:solidFill>
-                  <a:schemeClr val="accent1">
-                    <a:lumMod val="60000"/>
-                    <a:lumOff val="40000"/>
-                  </a:schemeClr>
+                  <a:schemeClr val="accent1"/>
                 </a:solidFill>
               </a:defRPr>
             </a:lvl1pPr>
@@ -4688,7 +5344,7 @@
           <a:p>
             <a:fld id="{8769D389-4C4C-4FD7-9E6B-9F44477F0EB8}" type="datetime1">
               <a:rPr lang="en-US" smtClean="0"/>
-              <a:t>9/12/2024</a:t>
+              <a:t>10/13/2024</a:t>
             </a:fld>
             <a:endParaRPr lang="en-US" dirty="0"/>
           </a:p>
@@ -4715,13 +5371,13 @@
       </p:sp>
       <p:sp>
         <p:nvSpPr>
-          <p:cNvPr id="14" name="Rectangle 13"/>
+          <p:cNvPr id="12" name="Rectangle 11"/>
           <p:cNvSpPr/>
           <p:nvPr/>
         </p:nvSpPr>
         <p:spPr>
           <a:xfrm>
-            <a:off x="10437812" y="0"/>
+            <a:off x="10443728" y="0"/>
             <a:ext cx="685800" cy="1143000"/>
           </a:xfrm>
           <a:prstGeom prst="rect">
@@ -4775,7 +5431,7 @@
     </p:spTree>
     <p:extLst>
       <p:ext uri="{BB962C8B-B14F-4D97-AF65-F5344CB8AC3E}">
-        <p14:creationId xmlns:p14="http://schemas.microsoft.com/office/powerpoint/2010/main" val="483962122"/>
+        <p14:creationId xmlns:p14="http://schemas.microsoft.com/office/powerpoint/2010/main" val="2392497149"/>
       </p:ext>
     </p:extLst>
   </p:cSld>
@@ -4805,7 +5461,7 @@
       </p:grpSpPr>
       <p:sp>
         <p:nvSpPr>
-          <p:cNvPr id="2" name="Title 1"/>
+          <p:cNvPr id="17" name="Title Placeholder 1"/>
           <p:cNvSpPr>
             <a:spLocks noGrp="1"/>
           </p:cNvSpPr>
@@ -4815,17 +5471,18 @@
         </p:nvSpPr>
         <p:spPr>
           <a:xfrm>
-            <a:off x="1154954" y="973668"/>
-            <a:ext cx="8825659" cy="706964"/>
+            <a:off x="1154954" y="947920"/>
+            <a:ext cx="8761413" cy="728480"/>
           </a:xfrm>
+          <a:prstGeom prst="rect">
+            <a:avLst/>
+          </a:prstGeom>
         </p:spPr>
         <p:txBody>
-          <a:bodyPr/>
-          <a:lstStyle>
-            <a:lvl1pPr>
-              <a:defRPr sz="3600"/>
-            </a:lvl1pPr>
-          </a:lstStyle>
+          <a:bodyPr vert="horz" lIns="91440" tIns="45720" rIns="91440" bIns="45720" rtlCol="0" anchor="ctr">
+            <a:noAutofit/>
+          </a:bodyPr>
+          <a:lstStyle/>
           <a:p>
             <a:r>
               <a:rPr lang="en-US"/>
@@ -4847,8 +5504,8 @@
         </p:nvSpPr>
         <p:spPr>
           <a:xfrm>
-            <a:off x="1154954" y="2603502"/>
-            <a:ext cx="3141878" cy="576262"/>
+            <a:off x="1154954" y="2610999"/>
+            <a:ext cx="3129168" cy="576262"/>
           </a:xfrm>
         </p:spPr>
         <p:txBody>
@@ -4860,10 +5517,7 @@
               <a:buNone/>
               <a:defRPr sz="2400" b="0">
                 <a:solidFill>
-                  <a:schemeClr val="accent1">
-                    <a:lumMod val="60000"/>
-                    <a:lumOff val="40000"/>
-                  </a:schemeClr>
+                  <a:schemeClr val="accent1"/>
                 </a:solidFill>
               </a:defRPr>
             </a:lvl1pPr>
@@ -4921,8 +5575,8 @@
         </p:nvSpPr>
         <p:spPr>
           <a:xfrm>
-            <a:off x="1154953" y="3179764"/>
-            <a:ext cx="3141879" cy="2847293"/>
+            <a:off x="1154954" y="3187261"/>
+            <a:ext cx="3129168" cy="2839796"/>
           </a:xfrm>
         </p:spPr>
         <p:txBody>
@@ -4988,8 +5642,8 @@
         </p:nvSpPr>
         <p:spPr>
           <a:xfrm>
-            <a:off x="4512721" y="2603500"/>
-            <a:ext cx="3147009" cy="576262"/>
+            <a:off x="4512721" y="2610999"/>
+            <a:ext cx="3145380" cy="576262"/>
           </a:xfrm>
         </p:spPr>
         <p:txBody>
@@ -5001,10 +5655,7 @@
               <a:buNone/>
               <a:defRPr sz="2400" b="0">
                 <a:solidFill>
-                  <a:schemeClr val="accent1">
-                    <a:lumMod val="60000"/>
-                    <a:lumOff val="40000"/>
-                  </a:schemeClr>
+                  <a:schemeClr val="accent1"/>
                 </a:solidFill>
               </a:defRPr>
             </a:lvl1pPr>
@@ -5062,8 +5713,8 @@
         </p:nvSpPr>
         <p:spPr>
           <a:xfrm>
-            <a:off x="4512721" y="3179763"/>
-            <a:ext cx="3147009" cy="2847293"/>
+            <a:off x="4512721" y="3187261"/>
+            <a:ext cx="3145380" cy="2839795"/>
           </a:xfrm>
         </p:spPr>
         <p:txBody>
@@ -5129,8 +5780,8 @@
         </p:nvSpPr>
         <p:spPr>
           <a:xfrm>
-            <a:off x="7888135" y="2603501"/>
-            <a:ext cx="3145730" cy="576262"/>
+            <a:off x="7886701" y="2603500"/>
+            <a:ext cx="3157448" cy="576261"/>
           </a:xfrm>
         </p:spPr>
         <p:txBody>
@@ -5142,10 +5793,7 @@
               <a:buNone/>
               <a:defRPr sz="2400" b="0">
                 <a:solidFill>
-                  <a:schemeClr val="accent1">
-                    <a:lumMod val="60000"/>
-                    <a:lumOff val="40000"/>
-                  </a:schemeClr>
+                  <a:schemeClr val="accent1"/>
                 </a:solidFill>
               </a:defRPr>
             </a:lvl1pPr>
@@ -5203,8 +5851,8 @@
         </p:nvSpPr>
         <p:spPr>
           <a:xfrm>
-            <a:off x="7888329" y="3179762"/>
-            <a:ext cx="3145536" cy="2847293"/>
+            <a:off x="7886700" y="3187261"/>
+            <a:ext cx="3161029" cy="2839794"/>
           </a:xfrm>
         </p:spPr>
         <p:txBody>
@@ -5260,7 +5908,7 @@
       </p:sp>
       <p:cxnSp>
         <p:nvCxnSpPr>
-          <p:cNvPr id="17" name="Straight Connector 16"/>
+          <p:cNvPr id="22" name="Straight Connector 21"/>
           <p:cNvCxnSpPr/>
           <p:nvPr/>
         </p:nvCxnSpPr>
@@ -5297,7 +5945,7 @@
       </p:cxnSp>
       <p:cxnSp>
         <p:nvCxnSpPr>
-          <p:cNvPr id="18" name="Straight Connector 17"/>
+          <p:cNvPr id="23" name="Straight Connector 22"/>
           <p:cNvCxnSpPr/>
           <p:nvPr/>
         </p:nvCxnSpPr>
@@ -5349,7 +5997,7 @@
           <a:p>
             <a:fld id="{8769D389-4C4C-4FD7-9E6B-9F44477F0EB8}" type="datetime1">
               <a:rPr lang="en-US" smtClean="0"/>
-              <a:t>9/12/2024</a:t>
+              <a:t>10/13/2024</a:t>
             </a:fld>
             <a:endParaRPr lang="en-US" dirty="0"/>
           </a:p>
@@ -5400,7 +6048,7 @@
     </p:spTree>
     <p:extLst>
       <p:ext uri="{BB962C8B-B14F-4D97-AF65-F5344CB8AC3E}">
-        <p14:creationId xmlns:p14="http://schemas.microsoft.com/office/powerpoint/2010/main" val="2617408488"/>
+        <p14:creationId xmlns:p14="http://schemas.microsoft.com/office/powerpoint/2010/main" val="339390842"/>
       </p:ext>
     </p:extLst>
   </p:cSld>
@@ -5438,14 +6086,9 @@
             <p:ph type="title"/>
           </p:nvPr>
         </p:nvSpPr>
-        <p:spPr>
-          <a:xfrm>
-            <a:off x="1154954" y="973668"/>
-            <a:ext cx="8825659" cy="706964"/>
-          </a:xfrm>
-        </p:spPr>
+        <p:spPr/>
         <p:txBody>
-          <a:bodyPr/>
+          <a:bodyPr anchor="ctr"/>
           <a:lstStyle>
             <a:lvl1pPr>
               <a:defRPr sz="3600"/>
@@ -5473,7 +6116,7 @@
         <p:spPr>
           <a:xfrm>
             <a:off x="1154954" y="4532844"/>
-            <a:ext cx="3050438" cy="576262"/>
+            <a:ext cx="3020744" cy="576263"/>
           </a:xfrm>
         </p:spPr>
         <p:txBody>
@@ -5485,10 +6128,7 @@
               <a:buNone/>
               <a:defRPr sz="2400" b="0">
                 <a:solidFill>
-                  <a:schemeClr val="accent1">
-                    <a:lumMod val="60000"/>
-                    <a:lumOff val="40000"/>
-                  </a:schemeClr>
+                  <a:schemeClr val="accent1"/>
                 </a:solidFill>
               </a:defRPr>
             </a:lvl1pPr>
@@ -5536,7 +6176,7 @@
       </p:sp>
       <p:sp>
         <p:nvSpPr>
-          <p:cNvPr id="19" name="Picture Placeholder 2"/>
+          <p:cNvPr id="29" name="Picture Placeholder 2"/>
           <p:cNvSpPr>
             <a:spLocks noGrp="1" noChangeAspect="1"/>
           </p:cNvSpPr>
@@ -5546,8 +6186,8 @@
         </p:nvSpPr>
         <p:spPr>
           <a:xfrm>
-            <a:off x="1334553" y="2603500"/>
-            <a:ext cx="2691242" cy="1591510"/>
+            <a:off x="1334552" y="2611246"/>
+            <a:ext cx="2691242" cy="1583764"/>
           </a:xfrm>
           <a:prstGeom prst="roundRect">
             <a:avLst>
@@ -5625,8 +6265,8 @@
         </p:nvSpPr>
         <p:spPr>
           <a:xfrm>
-            <a:off x="1154954" y="5109106"/>
-            <a:ext cx="3050438" cy="917952"/>
+            <a:off x="1154953" y="5109107"/>
+            <a:ext cx="3020745" cy="917949"/>
           </a:xfrm>
         </p:spPr>
         <p:txBody>
@@ -5692,8 +6332,8 @@
         </p:nvSpPr>
         <p:spPr>
           <a:xfrm>
-            <a:off x="4568865" y="4532844"/>
-            <a:ext cx="3050438" cy="576263"/>
+            <a:off x="4568865" y="4532845"/>
+            <a:ext cx="3050438" cy="576262"/>
           </a:xfrm>
         </p:spPr>
         <p:txBody>
@@ -5705,10 +6345,7 @@
               <a:buNone/>
               <a:defRPr sz="2400" b="0">
                 <a:solidFill>
-                  <a:schemeClr val="accent1">
-                    <a:lumMod val="60000"/>
-                    <a:lumOff val="40000"/>
-                  </a:schemeClr>
+                  <a:schemeClr val="accent1"/>
                 </a:solidFill>
               </a:defRPr>
             </a:lvl1pPr>
@@ -5756,7 +6393,7 @@
       </p:sp>
       <p:sp>
         <p:nvSpPr>
-          <p:cNvPr id="41" name="Picture Placeholder 2"/>
+          <p:cNvPr id="30" name="Picture Placeholder 2"/>
           <p:cNvSpPr>
             <a:spLocks noGrp="1" noChangeAspect="1"/>
           </p:cNvSpPr>
@@ -5766,8 +6403,8 @@
         </p:nvSpPr>
         <p:spPr>
           <a:xfrm>
-            <a:off x="4748462" y="2603500"/>
-            <a:ext cx="2691243" cy="1591510"/>
+            <a:off x="4748463" y="2642840"/>
+            <a:ext cx="2691242" cy="1552170"/>
           </a:xfrm>
           <a:prstGeom prst="roundRect">
             <a:avLst>
@@ -5845,8 +6482,8 @@
         </p:nvSpPr>
         <p:spPr>
           <a:xfrm>
-            <a:off x="4570172" y="5109105"/>
-            <a:ext cx="3050438" cy="917952"/>
+            <a:off x="4568865" y="5109107"/>
+            <a:ext cx="3050438" cy="921409"/>
           </a:xfrm>
         </p:spPr>
         <p:txBody>
@@ -5912,8 +6549,8 @@
         </p:nvSpPr>
         <p:spPr>
           <a:xfrm>
-            <a:off x="7982775" y="4532845"/>
-            <a:ext cx="3051095" cy="576262"/>
+            <a:off x="7983434" y="4532845"/>
+            <a:ext cx="3050438" cy="576262"/>
           </a:xfrm>
         </p:spPr>
         <p:txBody>
@@ -5925,10 +6562,7 @@
               <a:buNone/>
               <a:defRPr sz="2400" b="0">
                 <a:solidFill>
-                  <a:schemeClr val="accent1">
-                    <a:lumMod val="60000"/>
-                    <a:lumOff val="40000"/>
-                  </a:schemeClr>
+                  <a:schemeClr val="accent1"/>
                 </a:solidFill>
               </a:defRPr>
             </a:lvl1pPr>
@@ -5976,7 +6610,7 @@
       </p:sp>
       <p:sp>
         <p:nvSpPr>
-          <p:cNvPr id="42" name="Picture Placeholder 2"/>
+          <p:cNvPr id="31" name="Picture Placeholder 2"/>
           <p:cNvSpPr>
             <a:spLocks noGrp="1" noChangeAspect="1"/>
           </p:cNvSpPr>
@@ -5986,8 +6620,8 @@
         </p:nvSpPr>
         <p:spPr>
           <a:xfrm>
-            <a:off x="8163031" y="2603500"/>
-            <a:ext cx="2691242" cy="1591510"/>
+            <a:off x="8163031" y="2618992"/>
+            <a:ext cx="2691242" cy="1576018"/>
           </a:xfrm>
           <a:prstGeom prst="roundRect">
             <a:avLst>
@@ -6065,8 +6699,8 @@
         </p:nvSpPr>
         <p:spPr>
           <a:xfrm>
-            <a:off x="7982775" y="5109104"/>
-            <a:ext cx="3051096" cy="917952"/>
+            <a:off x="7983434" y="5109107"/>
+            <a:ext cx="3054127" cy="896341"/>
           </a:xfrm>
         </p:spPr>
         <p:txBody>
@@ -6122,7 +6756,7 @@
       </p:sp>
       <p:cxnSp>
         <p:nvCxnSpPr>
-          <p:cNvPr id="43" name="Straight Connector 42"/>
+          <p:cNvPr id="21" name="Straight Connector 20"/>
           <p:cNvCxnSpPr/>
           <p:nvPr/>
         </p:nvCxnSpPr>
@@ -6159,7 +6793,7 @@
       </p:cxnSp>
       <p:cxnSp>
         <p:nvCxnSpPr>
-          <p:cNvPr id="44" name="Straight Connector 43"/>
+          <p:cNvPr id="25" name="Straight Connector 24"/>
           <p:cNvCxnSpPr/>
           <p:nvPr/>
         </p:nvCxnSpPr>
@@ -6211,7 +6845,7 @@
           <a:p>
             <a:fld id="{8769D389-4C4C-4FD7-9E6B-9F44477F0EB8}" type="datetime1">
               <a:rPr lang="en-US" smtClean="0"/>
-              <a:t>9/12/2024</a:t>
+              <a:t>10/13/2024</a:t>
             </a:fld>
             <a:endParaRPr lang="en-US" dirty="0"/>
           </a:p>
@@ -6227,12 +6861,7 @@
             <p:ph type="ftr" sz="quarter" idx="11"/>
           </p:nvPr>
         </p:nvSpPr>
-        <p:spPr>
-          <a:xfrm>
-            <a:off x="561111" y="6391838"/>
-            <a:ext cx="3644282" cy="304801"/>
-          </a:xfrm>
-        </p:spPr>
+        <p:spPr/>
         <p:txBody>
           <a:bodyPr/>
           <a:lstStyle/>
@@ -6267,7 +6896,7 @@
     </p:spTree>
     <p:extLst>
       <p:ext uri="{BB962C8B-B14F-4D97-AF65-F5344CB8AC3E}">
-        <p14:creationId xmlns:p14="http://schemas.microsoft.com/office/powerpoint/2010/main" val="2328608421"/>
+        <p14:creationId xmlns:p14="http://schemas.microsoft.com/office/powerpoint/2010/main" val="827413847"/>
       </p:ext>
     </p:extLst>
   </p:cSld>
@@ -6297,7 +6926,7 @@
       </p:grpSpPr>
       <p:sp>
         <p:nvSpPr>
-          <p:cNvPr id="2" name="Title 1"/>
+          <p:cNvPr id="10" name="Title Placeholder 1"/>
           <p:cNvSpPr>
             <a:spLocks noGrp="1"/>
           </p:cNvSpPr>
@@ -6307,12 +6936,17 @@
         </p:nvSpPr>
         <p:spPr>
           <a:xfrm>
-            <a:off x="1154954" y="973668"/>
-            <a:ext cx="8825659" cy="706964"/>
+            <a:off x="1154954" y="947920"/>
+            <a:ext cx="8761413" cy="728480"/>
           </a:xfrm>
+          <a:prstGeom prst="rect">
+            <a:avLst/>
+          </a:prstGeom>
         </p:spPr>
         <p:txBody>
-          <a:bodyPr/>
+          <a:bodyPr vert="horz" lIns="91440" tIns="45720" rIns="91440" bIns="45720" rtlCol="0" anchor="ctr">
+            <a:noAutofit/>
+          </a:bodyPr>
           <a:lstStyle/>
           <a:p>
             <a:r>
@@ -6390,19 +7024,14 @@
             <p:ph type="dt" sz="half" idx="10"/>
           </p:nvPr>
         </p:nvSpPr>
-        <p:spPr>
-          <a:xfrm>
-            <a:off x="10695439" y="6391838"/>
-            <a:ext cx="990599" cy="304799"/>
-          </a:xfrm>
-        </p:spPr>
+        <p:spPr/>
         <p:txBody>
           <a:bodyPr/>
           <a:lstStyle/>
           <a:p>
             <a:fld id="{A4649BD0-10DB-43E7-8F22-40B3D51B8FC3}" type="datetime1">
               <a:rPr lang="en-US" smtClean="0"/>
-              <a:t>9/12/2024</a:t>
+              <a:t>10/13/2024</a:t>
             </a:fld>
             <a:endParaRPr lang="en-US"/>
           </a:p>
@@ -6453,7 +7082,7 @@
     </p:spTree>
     <p:extLst>
       <p:ext uri="{BB962C8B-B14F-4D97-AF65-F5344CB8AC3E}">
-        <p14:creationId xmlns:p14="http://schemas.microsoft.com/office/powerpoint/2010/main" val="2909202395"/>
+        <p14:creationId xmlns:p14="http://schemas.microsoft.com/office/powerpoint/2010/main" val="1397241430"/>
       </p:ext>
     </p:extLst>
   </p:cSld>
@@ -6464,7 +7093,7 @@
 </file>
 
 <file path=ppt/slideLayouts/slideLayout17.xml><?xml version="1.0" encoding="utf-8"?>
-<p:sldLayout xmlns:a="http://schemas.openxmlformats.org/drawingml/2006/main" xmlns:r="http://schemas.openxmlformats.org/officeDocument/2006/relationships" xmlns:p="http://schemas.openxmlformats.org/presentationml/2006/main" showMasterSp="0" type="vertTitleAndTx" preserve="1">
+<p:sldLayout xmlns:a="http://schemas.openxmlformats.org/drawingml/2006/main" xmlns:r="http://schemas.openxmlformats.org/officeDocument/2006/relationships" xmlns:p="http://schemas.openxmlformats.org/presentationml/2006/main" type="vertTitleAndTx" preserve="1">
   <p:cSld name="Vertical Title and Text">
     <p:spTree>
       <p:nvGrpSpPr>
@@ -6482,7 +7111,7 @@
       </p:grpSpPr>
       <p:grpSp>
         <p:nvGrpSpPr>
-          <p:cNvPr id="9" name="Group 8"/>
+          <p:cNvPr id="7" name="Group 6"/>
           <p:cNvGrpSpPr/>
           <p:nvPr/>
         </p:nvGrpSpPr>
@@ -6496,7 +7125,7 @@
         </p:grpSpPr>
         <p:sp>
           <p:nvSpPr>
-            <p:cNvPr id="12" name="Rectangle 11"/>
+            <p:cNvPr id="11" name="Rectangle 10"/>
             <p:cNvSpPr/>
             <p:nvPr/>
           </p:nvSpPr>
@@ -6512,15 +7141,14 @@
               <a:blip r:embed="rId2">
                 <a:duotone>
                   <a:schemeClr val="dk2">
-                    <a:shade val="69000"/>
-                    <a:hueMod val="91000"/>
-                    <a:satMod val="164000"/>
-                    <a:lumMod val="74000"/>
+                    <a:shade val="42000"/>
+                    <a:hueMod val="42000"/>
+                    <a:satMod val="124000"/>
+                    <a:lumMod val="62000"/>
                   </a:schemeClr>
                   <a:schemeClr val="dk2">
-                    <a:hueMod val="124000"/>
-                    <a:satMod val="140000"/>
-                    <a:lumMod val="142000"/>
+                    <a:tint val="96000"/>
+                    <a:satMod val="130000"/>
                   </a:schemeClr>
                 </a:duotone>
               </a:blip>
@@ -6557,8 +7185,8 @@
           </p:nvSpPr>
           <p:spPr>
             <a:xfrm>
-              <a:off x="0" y="2667000"/>
-              <a:ext cx="4191000" cy="4191000"/>
+              <a:off x="8609012" y="5867400"/>
+              <a:ext cx="990600" cy="990600"/>
             </a:xfrm>
             <a:prstGeom prst="ellipse">
               <a:avLst/>
@@ -6567,17 +7195,17 @@
               <a:gsLst>
                 <a:gs pos="0">
                   <a:schemeClr val="accent5">
-                    <a:alpha val="11000"/>
-                  </a:schemeClr>
-                </a:gs>
-                <a:gs pos="75000">
+                    <a:alpha val="14000"/>
+                  </a:schemeClr>
+                </a:gs>
+                <a:gs pos="66000">
                   <a:schemeClr val="accent5">
                     <a:alpha val="0"/>
                   </a:schemeClr>
                 </a:gs>
                 <a:gs pos="36000">
                   <a:schemeClr val="accent5">
-                    <a:alpha val="10000"/>
+                    <a:alpha val="7000"/>
                   </a:schemeClr>
                 </a:gs>
               </a:gsLst>
@@ -6609,6 +7237,126 @@
         <p:sp>
           <p:nvSpPr>
             <p:cNvPr id="16" name="Oval 15"/>
+            <p:cNvSpPr/>
+            <p:nvPr/>
+          </p:nvSpPr>
+          <p:spPr>
+            <a:xfrm>
+              <a:off x="8609012" y="1676400"/>
+              <a:ext cx="2819400" cy="2819400"/>
+            </a:xfrm>
+            <a:prstGeom prst="ellipse">
+              <a:avLst/>
+            </a:prstGeom>
+            <a:gradFill flip="none" rotWithShape="1">
+              <a:gsLst>
+                <a:gs pos="0">
+                  <a:schemeClr val="accent5">
+                    <a:alpha val="7000"/>
+                  </a:schemeClr>
+                </a:gs>
+                <a:gs pos="69000">
+                  <a:schemeClr val="accent5">
+                    <a:alpha val="0"/>
+                  </a:schemeClr>
+                </a:gs>
+                <a:gs pos="36000">
+                  <a:schemeClr val="accent5">
+                    <a:alpha val="6000"/>
+                  </a:schemeClr>
+                </a:gs>
+              </a:gsLst>
+              <a:path path="circle">
+                <a:fillToRect l="50000" t="50000" r="50000" b="50000"/>
+              </a:path>
+              <a:tileRect/>
+            </a:gradFill>
+            <a:ln>
+              <a:noFill/>
+            </a:ln>
+            <a:effectLst/>
+          </p:spPr>
+          <p:style>
+            <a:lnRef idx="1">
+              <a:schemeClr val="accent1"/>
+            </a:lnRef>
+            <a:fillRef idx="3">
+              <a:schemeClr val="accent1"/>
+            </a:fillRef>
+            <a:effectRef idx="2">
+              <a:schemeClr val="accent1"/>
+            </a:effectRef>
+            <a:fontRef idx="minor">
+              <a:schemeClr val="lt1"/>
+            </a:fontRef>
+          </p:style>
+        </p:sp>
+        <p:sp>
+          <p:nvSpPr>
+            <p:cNvPr id="17" name="Oval 16"/>
+            <p:cNvSpPr/>
+            <p:nvPr/>
+          </p:nvSpPr>
+          <p:spPr>
+            <a:xfrm>
+              <a:off x="7999412" y="1587"/>
+              <a:ext cx="1600200" cy="1600200"/>
+            </a:xfrm>
+            <a:prstGeom prst="ellipse">
+              <a:avLst/>
+            </a:prstGeom>
+            <a:gradFill flip="none" rotWithShape="1">
+              <a:gsLst>
+                <a:gs pos="0">
+                  <a:schemeClr val="accent1">
+                    <a:lumMod val="60000"/>
+                    <a:lumOff val="40000"/>
+                    <a:alpha val="14000"/>
+                  </a:schemeClr>
+                </a:gs>
+                <a:gs pos="73000">
+                  <a:schemeClr val="accent1">
+                    <a:lumMod val="60000"/>
+                    <a:lumOff val="40000"/>
+                    <a:alpha val="0"/>
+                  </a:schemeClr>
+                </a:gs>
+                <a:gs pos="36000">
+                  <a:schemeClr val="accent1">
+                    <a:lumMod val="60000"/>
+                    <a:lumOff val="40000"/>
+                    <a:alpha val="7000"/>
+                  </a:schemeClr>
+                </a:gs>
+              </a:gsLst>
+              <a:path path="circle">
+                <a:fillToRect l="50000" t="50000" r="50000" b="50000"/>
+              </a:path>
+              <a:tileRect/>
+            </a:gradFill>
+            <a:ln>
+              <a:noFill/>
+            </a:ln>
+            <a:effectLst/>
+          </p:spPr>
+          <p:style>
+            <a:lnRef idx="1">
+              <a:schemeClr val="accent1"/>
+            </a:lnRef>
+            <a:fillRef idx="3">
+              <a:schemeClr val="accent1"/>
+            </a:fillRef>
+            <a:effectRef idx="2">
+              <a:schemeClr val="accent1"/>
+            </a:effectRef>
+            <a:fontRef idx="minor">
+              <a:schemeClr val="lt1"/>
+            </a:fontRef>
+          </p:style>
+        </p:sp>
+        <p:sp>
+          <p:nvSpPr>
+            <p:cNvPr id="19" name="Oval 18"/>
             <p:cNvSpPr/>
             <p:nvPr/>
           </p:nvSpPr>
@@ -6665,14 +7413,14 @@
         </p:sp>
         <p:sp>
           <p:nvSpPr>
-            <p:cNvPr id="18" name="Oval 17"/>
+            <p:cNvPr id="20" name="Oval 19"/>
             <p:cNvSpPr/>
             <p:nvPr/>
           </p:nvSpPr>
           <p:spPr>
             <a:xfrm>
-              <a:off x="8609012" y="5867400"/>
-              <a:ext cx="990600" cy="990600"/>
+              <a:off x="0" y="2667000"/>
+              <a:ext cx="4191000" cy="4191000"/>
             </a:xfrm>
             <a:prstGeom prst="ellipse">
               <a:avLst/>
@@ -6680,18 +7428,24 @@
             <a:gradFill flip="none" rotWithShape="1">
               <a:gsLst>
                 <a:gs pos="0">
-                  <a:schemeClr val="accent5">
-                    <a:alpha val="14000"/>
-                  </a:schemeClr>
-                </a:gs>
-                <a:gs pos="66000">
-                  <a:schemeClr val="accent5">
+                  <a:schemeClr val="accent1">
+                    <a:lumMod val="60000"/>
+                    <a:lumOff val="40000"/>
+                    <a:alpha val="11000"/>
+                  </a:schemeClr>
+                </a:gs>
+                <a:gs pos="75000">
+                  <a:schemeClr val="accent1">
+                    <a:lumMod val="60000"/>
+                    <a:lumOff val="40000"/>
                     <a:alpha val="0"/>
                   </a:schemeClr>
                 </a:gs>
                 <a:gs pos="36000">
-                  <a:schemeClr val="accent5">
-                    <a:alpha val="7000"/>
+                  <a:schemeClr val="accent1">
+                    <a:lumMod val="60000"/>
+                    <a:lumOff val="40000"/>
+                    <a:alpha val="10000"/>
                   </a:schemeClr>
                 </a:gs>
               </a:gsLst>
@@ -6722,14 +7476,14 @@
         </p:sp>
         <p:sp>
           <p:nvSpPr>
-            <p:cNvPr id="19" name="Oval 18"/>
+            <p:cNvPr id="21" name="Oval 20"/>
             <p:cNvSpPr/>
             <p:nvPr/>
           </p:nvSpPr>
           <p:spPr>
             <a:xfrm>
-              <a:off x="8609012" y="1676400"/>
-              <a:ext cx="2819400" cy="2819400"/>
+              <a:off x="8609012" y="5865239"/>
+              <a:ext cx="990600" cy="990600"/>
             </a:xfrm>
             <a:prstGeom prst="ellipse">
               <a:avLst/>
@@ -6737,18 +7491,24 @@
             <a:gradFill flip="none" rotWithShape="1">
               <a:gsLst>
                 <a:gs pos="0">
-                  <a:schemeClr val="accent5">
-                    <a:alpha val="7000"/>
-                  </a:schemeClr>
-                </a:gs>
-                <a:gs pos="69000">
-                  <a:schemeClr val="accent5">
+                  <a:schemeClr val="accent1">
+                    <a:lumMod val="60000"/>
+                    <a:lumOff val="40000"/>
+                    <a:alpha val="10000"/>
+                  </a:schemeClr>
+                </a:gs>
+                <a:gs pos="66000">
+                  <a:schemeClr val="accent1">
+                    <a:lumMod val="60000"/>
+                    <a:lumOff val="40000"/>
                     <a:alpha val="0"/>
                   </a:schemeClr>
                 </a:gs>
-                <a:gs pos="36000">
-                  <a:schemeClr val="accent5">
-                    <a:alpha val="6000"/>
+                <a:gs pos="31000">
+                  <a:schemeClr val="accent1">
+                    <a:lumMod val="60000"/>
+                    <a:lumOff val="40000"/>
+                    <a:alpha val="5000"/>
                   </a:schemeClr>
                 </a:gs>
               </a:gsLst>
@@ -6779,101 +7539,7 @@
         </p:sp>
         <p:sp>
           <p:nvSpPr>
-            <p:cNvPr id="20" name="Oval 19"/>
-            <p:cNvSpPr/>
-            <p:nvPr/>
-          </p:nvSpPr>
-          <p:spPr>
-            <a:xfrm>
-              <a:off x="7999412" y="8464"/>
-              <a:ext cx="1600200" cy="1600200"/>
-            </a:xfrm>
-            <a:prstGeom prst="ellipse">
-              <a:avLst/>
-            </a:prstGeom>
-            <a:gradFill flip="none" rotWithShape="1">
-              <a:gsLst>
-                <a:gs pos="0">
-                  <a:schemeClr val="accent5">
-                    <a:alpha val="14000"/>
-                  </a:schemeClr>
-                </a:gs>
-                <a:gs pos="73000">
-                  <a:schemeClr val="accent5">
-                    <a:alpha val="0"/>
-                  </a:schemeClr>
-                </a:gs>
-                <a:gs pos="36000">
-                  <a:schemeClr val="accent5">
-                    <a:alpha val="7000"/>
-                  </a:schemeClr>
-                </a:gs>
-              </a:gsLst>
-              <a:path path="circle">
-                <a:fillToRect l="50000" t="50000" r="50000" b="50000"/>
-              </a:path>
-              <a:tileRect/>
-            </a:gradFill>
-            <a:ln>
-              <a:noFill/>
-            </a:ln>
-            <a:effectLst/>
-          </p:spPr>
-          <p:style>
-            <a:lnRef idx="1">
-              <a:schemeClr val="accent1"/>
-            </a:lnRef>
-            <a:fillRef idx="3">
-              <a:schemeClr val="accent1"/>
-            </a:fillRef>
-            <a:effectRef idx="2">
-              <a:schemeClr val="accent1"/>
-            </a:effectRef>
-            <a:fontRef idx="minor">
-              <a:schemeClr val="lt1"/>
-            </a:fontRef>
-          </p:style>
-        </p:sp>
-        <p:sp>
-          <p:nvSpPr>
-            <p:cNvPr id="7" name="Rectangle 6"/>
-            <p:cNvSpPr/>
-            <p:nvPr/>
-          </p:nvSpPr>
-          <p:spPr bwMode="gray">
-            <a:xfrm>
-              <a:off x="414867" y="402165"/>
-              <a:ext cx="6510866" cy="6053670"/>
-            </a:xfrm>
-            <a:prstGeom prst="rect">
-              <a:avLst/>
-            </a:prstGeom>
-            <a:solidFill>
-              <a:schemeClr val="bg1"/>
-            </a:solidFill>
-            <a:ln>
-              <a:noFill/>
-            </a:ln>
-            <a:effectLst/>
-          </p:spPr>
-          <p:style>
-            <a:lnRef idx="1">
-              <a:schemeClr val="accent1"/>
-            </a:lnRef>
-            <a:fillRef idx="3">
-              <a:schemeClr val="accent1"/>
-            </a:fillRef>
-            <a:effectRef idx="2">
-              <a:schemeClr val="accent1"/>
-            </a:effectRef>
-            <a:fontRef idx="minor">
-              <a:schemeClr val="lt1"/>
-            </a:fontRef>
-          </p:style>
-        </p:sp>
-        <p:sp>
-          <p:nvSpPr>
-            <p:cNvPr id="17" name="Freeform 5"/>
+            <p:cNvPr id="12" name="Freeform 5"/>
             <p:cNvSpPr/>
             <p:nvPr/>
           </p:nvSpPr>
@@ -7020,7 +7686,44 @@
         </p:sp>
         <p:sp>
           <p:nvSpPr>
-            <p:cNvPr id="10" name="Freeform 5"/>
+            <p:cNvPr id="13" name="Rectangle 12"/>
+            <p:cNvSpPr/>
+            <p:nvPr/>
+          </p:nvSpPr>
+          <p:spPr>
+            <a:xfrm>
+              <a:off x="414867" y="402165"/>
+              <a:ext cx="6510866" cy="6053670"/>
+            </a:xfrm>
+            <a:prstGeom prst="rect">
+              <a:avLst/>
+            </a:prstGeom>
+            <a:solidFill>
+              <a:schemeClr val="bg1"/>
+            </a:solidFill>
+            <a:ln>
+              <a:noFill/>
+            </a:ln>
+            <a:effectLst/>
+          </p:spPr>
+          <p:style>
+            <a:lnRef idx="1">
+              <a:schemeClr val="accent1"/>
+            </a:lnRef>
+            <a:fillRef idx="3">
+              <a:schemeClr val="accent1"/>
+            </a:fillRef>
+            <a:effectRef idx="2">
+              <a:schemeClr val="accent1"/>
+            </a:effectRef>
+            <a:fontRef idx="minor">
+              <a:schemeClr val="lt1"/>
+            </a:fontRef>
+          </p:style>
+        </p:sp>
+        <p:sp>
+          <p:nvSpPr>
+            <p:cNvPr id="14" name="Freeform 5"/>
             <p:cNvSpPr/>
             <p:nvPr/>
           </p:nvSpPr>
@@ -7204,7 +7907,7 @@
         </p:sp>
         <p:sp>
           <p:nvSpPr>
-            <p:cNvPr id="13" name="Freeform 5"/>
+            <p:cNvPr id="22" name="Freeform 5"/>
             <p:cNvSpPr>
               <a:spLocks noEditPoints="1"/>
             </p:cNvSpPr>
@@ -7279,8 +7982,8 @@
         </p:nvSpPr>
         <p:spPr>
           <a:xfrm>
-            <a:off x="8585235" y="1278467"/>
-            <a:ext cx="1409965" cy="4748590"/>
+            <a:off x="8585235" y="1297430"/>
+            <a:ext cx="1409965" cy="4729626"/>
           </a:xfrm>
         </p:spPr>
         <p:txBody>
@@ -7307,8 +8010,8 @@
         </p:nvSpPr>
         <p:spPr>
           <a:xfrm>
-            <a:off x="1154954" y="1278467"/>
-            <a:ext cx="6256025" cy="4748590"/>
+            <a:off x="1154954" y="1297429"/>
+            <a:ext cx="6247546" cy="4729627"/>
           </a:xfrm>
         </p:spPr>
         <p:txBody>
@@ -7362,19 +8065,14 @@
             <p:ph type="dt" sz="half" idx="10"/>
           </p:nvPr>
         </p:nvSpPr>
-        <p:spPr>
-          <a:xfrm>
-            <a:off x="10653104" y="6391838"/>
-            <a:ext cx="992135" cy="304799"/>
-          </a:xfrm>
-        </p:spPr>
+        <p:spPr/>
         <p:txBody>
           <a:bodyPr/>
           <a:lstStyle/>
           <a:p>
             <a:fld id="{0A16C79C-F566-427A-93F6-434A4E613134}" type="datetime1">
               <a:rPr lang="en-US" smtClean="0"/>
-              <a:t>9/12/2024</a:t>
+              <a:t>10/13/2024</a:t>
             </a:fld>
             <a:endParaRPr lang="en-US"/>
           </a:p>
@@ -7401,13 +8099,13 @@
       </p:sp>
       <p:sp>
         <p:nvSpPr>
-          <p:cNvPr id="14" name="Rectangle 13"/>
+          <p:cNvPr id="18" name="Rectangle 17"/>
           <p:cNvSpPr/>
           <p:nvPr/>
         </p:nvSpPr>
         <p:spPr>
           <a:xfrm>
-            <a:off x="10437812" y="0"/>
+            <a:off x="10443728" y="0"/>
             <a:ext cx="685800" cy="1143000"/>
           </a:xfrm>
           <a:prstGeom prst="rect">
@@ -7461,7 +8159,7 @@
     </p:spTree>
     <p:extLst>
       <p:ext uri="{BB962C8B-B14F-4D97-AF65-F5344CB8AC3E}">
-        <p14:creationId xmlns:p14="http://schemas.microsoft.com/office/powerpoint/2010/main" val="999575529"/>
+        <p14:creationId xmlns:p14="http://schemas.microsoft.com/office/powerpoint/2010/main" val="1757955841"/>
       </p:ext>
     </p:extLst>
   </p:cSld>
@@ -7490,7 +8188,7 @@
       </p:grpSpPr>
       <p:sp>
         <p:nvSpPr>
-          <p:cNvPr id="2" name="Title 1"/>
+          <p:cNvPr id="10" name="Title Placeholder 1"/>
           <p:cNvSpPr>
             <a:spLocks noGrp="1"/>
           </p:cNvSpPr>
@@ -7498,9 +8196,19 @@
             <p:ph type="title"/>
           </p:nvPr>
         </p:nvSpPr>
-        <p:spPr/>
+        <p:spPr>
+          <a:xfrm>
+            <a:off x="1154954" y="947920"/>
+            <a:ext cx="8761413" cy="728480"/>
+          </a:xfrm>
+          <a:prstGeom prst="rect">
+            <a:avLst/>
+          </a:prstGeom>
+        </p:spPr>
         <p:txBody>
-          <a:bodyPr/>
+          <a:bodyPr vert="horz" lIns="91440" tIns="45720" rIns="91440" bIns="45720" rtlCol="0" anchor="ctr">
+            <a:noAutofit/>
+          </a:bodyPr>
           <a:lstStyle/>
           <a:p>
             <a:r>
@@ -7521,12 +8229,7 @@
             <p:ph idx="1"/>
           </p:nvPr>
         </p:nvSpPr>
-        <p:spPr>
-          <a:xfrm>
-            <a:off x="1154954" y="2603500"/>
-            <a:ext cx="8825659" cy="3416300"/>
-          </a:xfrm>
-        </p:spPr>
+        <p:spPr/>
         <p:txBody>
           <a:bodyPr/>
           <a:lstStyle/>
@@ -7585,7 +8288,7 @@
           <a:p>
             <a:fld id="{9376191F-481E-48E9-BB9A-369A67A7362D}" type="datetime1">
               <a:rPr lang="en-US" smtClean="0"/>
-              <a:t>9/12/2024</a:t>
+              <a:t>10/13/2024</a:t>
             </a:fld>
             <a:endParaRPr lang="en-US" dirty="0"/>
           </a:p>
@@ -7636,7 +8339,7 @@
     </p:spTree>
     <p:extLst>
       <p:ext uri="{BB962C8B-B14F-4D97-AF65-F5344CB8AC3E}">
-        <p14:creationId xmlns:p14="http://schemas.microsoft.com/office/powerpoint/2010/main" val="4247792013"/>
+        <p14:creationId xmlns:p14="http://schemas.microsoft.com/office/powerpoint/2010/main" val="2041220458"/>
       </p:ext>
     </p:extLst>
   </p:cSld>
@@ -7647,7 +8350,7 @@
 </file>
 
 <file path=ppt/slideLayouts/slideLayout3.xml><?xml version="1.0" encoding="utf-8"?>
-<p:sldLayout xmlns:a="http://schemas.openxmlformats.org/drawingml/2006/main" xmlns:r="http://schemas.openxmlformats.org/officeDocument/2006/relationships" xmlns:p="http://schemas.openxmlformats.org/presentationml/2006/main" showMasterSp="0" type="secHead" preserve="1">
+<p:sldLayout xmlns:a="http://schemas.openxmlformats.org/drawingml/2006/main" xmlns:r="http://schemas.openxmlformats.org/officeDocument/2006/relationships" xmlns:p="http://schemas.openxmlformats.org/presentationml/2006/main" type="secHead" preserve="1">
   <p:cSld name="Section Header">
     <p:spTree>
       <p:nvGrpSpPr>
@@ -7665,7 +8368,7 @@
       </p:grpSpPr>
       <p:grpSp>
         <p:nvGrpSpPr>
-          <p:cNvPr id="8" name="Group 7"/>
+          <p:cNvPr id="10" name="Group 9"/>
           <p:cNvGrpSpPr/>
           <p:nvPr/>
         </p:nvGrpSpPr>
@@ -7679,7 +8382,7 @@
         </p:grpSpPr>
         <p:sp>
           <p:nvSpPr>
-            <p:cNvPr id="14" name="Rectangle 13"/>
+            <p:cNvPr id="11" name="Rectangle 10"/>
             <p:cNvSpPr/>
             <p:nvPr/>
           </p:nvSpPr>
@@ -7695,15 +8398,14 @@
               <a:blip r:embed="rId2">
                 <a:duotone>
                   <a:schemeClr val="dk2">
-                    <a:shade val="69000"/>
-                    <a:hueMod val="91000"/>
-                    <a:satMod val="164000"/>
-                    <a:lumMod val="74000"/>
+                    <a:shade val="42000"/>
+                    <a:hueMod val="42000"/>
+                    <a:satMod val="124000"/>
+                    <a:lumMod val="62000"/>
                   </a:schemeClr>
                   <a:schemeClr val="dk2">
-                    <a:hueMod val="124000"/>
-                    <a:satMod val="140000"/>
-                    <a:lumMod val="142000"/>
+                    <a:tint val="96000"/>
+                    <a:satMod val="130000"/>
                   </a:schemeClr>
                 </a:duotone>
               </a:blip>
@@ -7725,6 +8427,240 @@
               <a:schemeClr val="accent1"/>
             </a:fillRef>
             <a:effectRef idx="0">
+              <a:schemeClr val="accent1"/>
+            </a:effectRef>
+            <a:fontRef idx="minor">
+              <a:schemeClr val="lt1"/>
+            </a:fontRef>
+          </p:style>
+        </p:sp>
+        <p:sp>
+          <p:nvSpPr>
+            <p:cNvPr id="12" name="Oval 11"/>
+            <p:cNvSpPr/>
+            <p:nvPr/>
+          </p:nvSpPr>
+          <p:spPr>
+            <a:xfrm>
+              <a:off x="8609012" y="5867400"/>
+              <a:ext cx="990600" cy="990600"/>
+            </a:xfrm>
+            <a:prstGeom prst="ellipse">
+              <a:avLst/>
+            </a:prstGeom>
+            <a:gradFill flip="none" rotWithShape="1">
+              <a:gsLst>
+                <a:gs pos="0">
+                  <a:schemeClr val="accent5">
+                    <a:alpha val="14000"/>
+                  </a:schemeClr>
+                </a:gs>
+                <a:gs pos="66000">
+                  <a:schemeClr val="accent5">
+                    <a:alpha val="0"/>
+                  </a:schemeClr>
+                </a:gs>
+                <a:gs pos="36000">
+                  <a:schemeClr val="accent5">
+                    <a:alpha val="7000"/>
+                  </a:schemeClr>
+                </a:gs>
+              </a:gsLst>
+              <a:path path="circle">
+                <a:fillToRect l="50000" t="50000" r="50000" b="50000"/>
+              </a:path>
+              <a:tileRect/>
+            </a:gradFill>
+            <a:ln>
+              <a:noFill/>
+            </a:ln>
+            <a:effectLst/>
+          </p:spPr>
+          <p:style>
+            <a:lnRef idx="1">
+              <a:schemeClr val="accent1"/>
+            </a:lnRef>
+            <a:fillRef idx="3">
+              <a:schemeClr val="accent1"/>
+            </a:fillRef>
+            <a:effectRef idx="2">
+              <a:schemeClr val="accent1"/>
+            </a:effectRef>
+            <a:fontRef idx="minor">
+              <a:schemeClr val="lt1"/>
+            </a:fontRef>
+          </p:style>
+        </p:sp>
+        <p:sp>
+          <p:nvSpPr>
+            <p:cNvPr id="13" name="Oval 12"/>
+            <p:cNvSpPr/>
+            <p:nvPr/>
+          </p:nvSpPr>
+          <p:spPr>
+            <a:xfrm>
+              <a:off x="8609012" y="1676400"/>
+              <a:ext cx="2819400" cy="2819400"/>
+            </a:xfrm>
+            <a:prstGeom prst="ellipse">
+              <a:avLst/>
+            </a:prstGeom>
+            <a:gradFill flip="none" rotWithShape="1">
+              <a:gsLst>
+                <a:gs pos="0">
+                  <a:schemeClr val="accent5">
+                    <a:alpha val="7000"/>
+                  </a:schemeClr>
+                </a:gs>
+                <a:gs pos="69000">
+                  <a:schemeClr val="accent5">
+                    <a:alpha val="0"/>
+                  </a:schemeClr>
+                </a:gs>
+                <a:gs pos="36000">
+                  <a:schemeClr val="accent5">
+                    <a:alpha val="6000"/>
+                  </a:schemeClr>
+                </a:gs>
+              </a:gsLst>
+              <a:path path="circle">
+                <a:fillToRect l="50000" t="50000" r="50000" b="50000"/>
+              </a:path>
+              <a:tileRect/>
+            </a:gradFill>
+            <a:ln>
+              <a:noFill/>
+            </a:ln>
+            <a:effectLst/>
+          </p:spPr>
+          <p:style>
+            <a:lnRef idx="1">
+              <a:schemeClr val="accent1"/>
+            </a:lnRef>
+            <a:fillRef idx="3">
+              <a:schemeClr val="accent1"/>
+            </a:fillRef>
+            <a:effectRef idx="2">
+              <a:schemeClr val="accent1"/>
+            </a:effectRef>
+            <a:fontRef idx="minor">
+              <a:schemeClr val="lt1"/>
+            </a:fontRef>
+          </p:style>
+        </p:sp>
+        <p:sp>
+          <p:nvSpPr>
+            <p:cNvPr id="14" name="Oval 13"/>
+            <p:cNvSpPr/>
+            <p:nvPr/>
+          </p:nvSpPr>
+          <p:spPr>
+            <a:xfrm>
+              <a:off x="7999412" y="1587"/>
+              <a:ext cx="1600200" cy="1600200"/>
+            </a:xfrm>
+            <a:prstGeom prst="ellipse">
+              <a:avLst/>
+            </a:prstGeom>
+            <a:gradFill flip="none" rotWithShape="1">
+              <a:gsLst>
+                <a:gs pos="0">
+                  <a:schemeClr val="accent1">
+                    <a:lumMod val="60000"/>
+                    <a:lumOff val="40000"/>
+                    <a:alpha val="14000"/>
+                  </a:schemeClr>
+                </a:gs>
+                <a:gs pos="73000">
+                  <a:schemeClr val="accent1">
+                    <a:lumMod val="60000"/>
+                    <a:lumOff val="40000"/>
+                    <a:alpha val="0"/>
+                  </a:schemeClr>
+                </a:gs>
+                <a:gs pos="36000">
+                  <a:schemeClr val="accent1">
+                    <a:lumMod val="60000"/>
+                    <a:lumOff val="40000"/>
+                    <a:alpha val="7000"/>
+                  </a:schemeClr>
+                </a:gs>
+              </a:gsLst>
+              <a:path path="circle">
+                <a:fillToRect l="50000" t="50000" r="50000" b="50000"/>
+              </a:path>
+              <a:tileRect/>
+            </a:gradFill>
+            <a:ln>
+              <a:noFill/>
+            </a:ln>
+            <a:effectLst/>
+          </p:spPr>
+          <p:style>
+            <a:lnRef idx="1">
+              <a:schemeClr val="accent1"/>
+            </a:lnRef>
+            <a:fillRef idx="3">
+              <a:schemeClr val="accent1"/>
+            </a:fillRef>
+            <a:effectRef idx="2">
+              <a:schemeClr val="accent1"/>
+            </a:effectRef>
+            <a:fontRef idx="minor">
+              <a:schemeClr val="lt1"/>
+            </a:fontRef>
+          </p:style>
+        </p:sp>
+        <p:sp>
+          <p:nvSpPr>
+            <p:cNvPr id="16" name="Oval 15"/>
+            <p:cNvSpPr/>
+            <p:nvPr/>
+          </p:nvSpPr>
+          <p:spPr>
+            <a:xfrm>
+              <a:off x="0" y="2895600"/>
+              <a:ext cx="2362200" cy="2362200"/>
+            </a:xfrm>
+            <a:prstGeom prst="ellipse">
+              <a:avLst/>
+            </a:prstGeom>
+            <a:gradFill flip="none" rotWithShape="1">
+              <a:gsLst>
+                <a:gs pos="0">
+                  <a:schemeClr val="accent5">
+                    <a:alpha val="8000"/>
+                  </a:schemeClr>
+                </a:gs>
+                <a:gs pos="72000">
+                  <a:schemeClr val="accent5">
+                    <a:alpha val="0"/>
+                  </a:schemeClr>
+                </a:gs>
+                <a:gs pos="36000">
+                  <a:schemeClr val="accent5">
+                    <a:alpha val="8000"/>
+                  </a:schemeClr>
+                </a:gs>
+              </a:gsLst>
+              <a:path path="circle">
+                <a:fillToRect l="50000" t="50000" r="50000" b="50000"/>
+              </a:path>
+              <a:tileRect/>
+            </a:gradFill>
+            <a:ln>
+              <a:noFill/>
+            </a:ln>
+            <a:effectLst/>
+          </p:spPr>
+          <p:style>
+            <a:lnRef idx="1">
+              <a:schemeClr val="accent1"/>
+            </a:lnRef>
+            <a:fillRef idx="3">
+              <a:schemeClr val="accent1"/>
+            </a:fillRef>
+            <a:effectRef idx="2">
               <a:schemeClr val="accent1"/>
             </a:effectRef>
             <a:fontRef idx="minor">
@@ -7749,17 +8685,23 @@
             <a:gradFill flip="none" rotWithShape="1">
               <a:gsLst>
                 <a:gs pos="0">
-                  <a:schemeClr val="accent5">
+                  <a:schemeClr val="accent1">
+                    <a:lumMod val="60000"/>
+                    <a:lumOff val="40000"/>
                     <a:alpha val="11000"/>
                   </a:schemeClr>
                 </a:gs>
                 <a:gs pos="75000">
-                  <a:schemeClr val="accent5">
+                  <a:schemeClr val="accent1">
+                    <a:lumMod val="60000"/>
+                    <a:lumOff val="40000"/>
                     <a:alpha val="0"/>
                   </a:schemeClr>
                 </a:gs>
                 <a:gs pos="36000">
-                  <a:schemeClr val="accent5">
+                  <a:schemeClr val="accent1">
+                    <a:lumMod val="60000"/>
+                    <a:lumOff val="40000"/>
                     <a:alpha val="10000"/>
                   </a:schemeClr>
                 </a:gs>
@@ -7797,8 +8739,8 @@
           </p:nvSpPr>
           <p:spPr>
             <a:xfrm>
-              <a:off x="0" y="2895600"/>
-              <a:ext cx="2362200" cy="2362200"/>
+              <a:off x="8609012" y="5865239"/>
+              <a:ext cx="990600" cy="990600"/>
             </a:xfrm>
             <a:prstGeom prst="ellipse">
               <a:avLst/>
@@ -7806,18 +8748,24 @@
             <a:gradFill flip="none" rotWithShape="1">
               <a:gsLst>
                 <a:gs pos="0">
-                  <a:schemeClr val="accent5">
-                    <a:alpha val="8000"/>
-                  </a:schemeClr>
-                </a:gs>
-                <a:gs pos="72000">
-                  <a:schemeClr val="accent5">
+                  <a:schemeClr val="accent1">
+                    <a:lumMod val="60000"/>
+                    <a:lumOff val="40000"/>
+                    <a:alpha val="10000"/>
+                  </a:schemeClr>
+                </a:gs>
+                <a:gs pos="66000">
+                  <a:schemeClr val="accent1">
+                    <a:lumMod val="60000"/>
+                    <a:lumOff val="40000"/>
                     <a:alpha val="0"/>
                   </a:schemeClr>
                 </a:gs>
-                <a:gs pos="36000">
-                  <a:schemeClr val="accent5">
-                    <a:alpha val="8000"/>
+                <a:gs pos="31000">
+                  <a:schemeClr val="accent1">
+                    <a:lumMod val="60000"/>
+                    <a:lumOff val="40000"/>
+                    <a:alpha val="5000"/>
                   </a:schemeClr>
                 </a:gs>
               </a:gsLst>
@@ -7848,182 +8796,11 @@
         </p:sp>
         <p:sp>
           <p:nvSpPr>
-            <p:cNvPr id="19" name="Oval 18"/>
+            <p:cNvPr id="7" name="Rectangle 6"/>
             <p:cNvSpPr/>
             <p:nvPr/>
           </p:nvSpPr>
           <p:spPr>
-            <a:xfrm>
-              <a:off x="8609012" y="5867400"/>
-              <a:ext cx="990600" cy="990600"/>
-            </a:xfrm>
-            <a:prstGeom prst="ellipse">
-              <a:avLst/>
-            </a:prstGeom>
-            <a:gradFill flip="none" rotWithShape="1">
-              <a:gsLst>
-                <a:gs pos="0">
-                  <a:schemeClr val="accent5">
-                    <a:alpha val="14000"/>
-                  </a:schemeClr>
-                </a:gs>
-                <a:gs pos="66000">
-                  <a:schemeClr val="accent5">
-                    <a:alpha val="0"/>
-                  </a:schemeClr>
-                </a:gs>
-                <a:gs pos="36000">
-                  <a:schemeClr val="accent5">
-                    <a:alpha val="7000"/>
-                  </a:schemeClr>
-                </a:gs>
-              </a:gsLst>
-              <a:path path="circle">
-                <a:fillToRect l="50000" t="50000" r="50000" b="50000"/>
-              </a:path>
-              <a:tileRect/>
-            </a:gradFill>
-            <a:ln>
-              <a:noFill/>
-            </a:ln>
-            <a:effectLst/>
-          </p:spPr>
-          <p:style>
-            <a:lnRef idx="1">
-              <a:schemeClr val="accent1"/>
-            </a:lnRef>
-            <a:fillRef idx="3">
-              <a:schemeClr val="accent1"/>
-            </a:fillRef>
-            <a:effectRef idx="2">
-              <a:schemeClr val="accent1"/>
-            </a:effectRef>
-            <a:fontRef idx="minor">
-              <a:schemeClr val="lt1"/>
-            </a:fontRef>
-          </p:style>
-        </p:sp>
-        <p:sp>
-          <p:nvSpPr>
-            <p:cNvPr id="20" name="Oval 19"/>
-            <p:cNvSpPr/>
-            <p:nvPr/>
-          </p:nvSpPr>
-          <p:spPr>
-            <a:xfrm>
-              <a:off x="8609012" y="1676400"/>
-              <a:ext cx="2819400" cy="2819400"/>
-            </a:xfrm>
-            <a:prstGeom prst="ellipse">
-              <a:avLst/>
-            </a:prstGeom>
-            <a:gradFill flip="none" rotWithShape="1">
-              <a:gsLst>
-                <a:gs pos="0">
-                  <a:schemeClr val="accent5">
-                    <a:alpha val="7000"/>
-                  </a:schemeClr>
-                </a:gs>
-                <a:gs pos="69000">
-                  <a:schemeClr val="accent5">
-                    <a:alpha val="0"/>
-                  </a:schemeClr>
-                </a:gs>
-                <a:gs pos="36000">
-                  <a:schemeClr val="accent5">
-                    <a:alpha val="6000"/>
-                  </a:schemeClr>
-                </a:gs>
-              </a:gsLst>
-              <a:path path="circle">
-                <a:fillToRect l="50000" t="50000" r="50000" b="50000"/>
-              </a:path>
-              <a:tileRect/>
-            </a:gradFill>
-            <a:ln>
-              <a:noFill/>
-            </a:ln>
-            <a:effectLst/>
-          </p:spPr>
-          <p:style>
-            <a:lnRef idx="1">
-              <a:schemeClr val="accent1"/>
-            </a:lnRef>
-            <a:fillRef idx="3">
-              <a:schemeClr val="accent1"/>
-            </a:fillRef>
-            <a:effectRef idx="2">
-              <a:schemeClr val="accent1"/>
-            </a:effectRef>
-            <a:fontRef idx="minor">
-              <a:schemeClr val="lt1"/>
-            </a:fontRef>
-          </p:style>
-        </p:sp>
-        <p:sp>
-          <p:nvSpPr>
-            <p:cNvPr id="21" name="Oval 20"/>
-            <p:cNvSpPr/>
-            <p:nvPr/>
-          </p:nvSpPr>
-          <p:spPr>
-            <a:xfrm>
-              <a:off x="7999412" y="8464"/>
-              <a:ext cx="1600200" cy="1600200"/>
-            </a:xfrm>
-            <a:prstGeom prst="ellipse">
-              <a:avLst/>
-            </a:prstGeom>
-            <a:gradFill flip="none" rotWithShape="1">
-              <a:gsLst>
-                <a:gs pos="0">
-                  <a:schemeClr val="accent5">
-                    <a:alpha val="14000"/>
-                  </a:schemeClr>
-                </a:gs>
-                <a:gs pos="73000">
-                  <a:schemeClr val="accent5">
-                    <a:alpha val="0"/>
-                  </a:schemeClr>
-                </a:gs>
-                <a:gs pos="36000">
-                  <a:schemeClr val="accent5">
-                    <a:alpha val="7000"/>
-                  </a:schemeClr>
-                </a:gs>
-              </a:gsLst>
-              <a:path path="circle">
-                <a:fillToRect l="50000" t="50000" r="50000" b="50000"/>
-              </a:path>
-              <a:tileRect/>
-            </a:gradFill>
-            <a:ln>
-              <a:noFill/>
-            </a:ln>
-            <a:effectLst/>
-          </p:spPr>
-          <p:style>
-            <a:lnRef idx="1">
-              <a:schemeClr val="accent1"/>
-            </a:lnRef>
-            <a:fillRef idx="3">
-              <a:schemeClr val="accent1"/>
-            </a:fillRef>
-            <a:effectRef idx="2">
-              <a:schemeClr val="accent1"/>
-            </a:effectRef>
-            <a:fontRef idx="minor">
-              <a:schemeClr val="lt1"/>
-            </a:fontRef>
-          </p:style>
-        </p:sp>
-        <p:sp>
-          <p:nvSpPr>
-            <p:cNvPr id="10" name="Rectangle 9"/>
-            <p:cNvSpPr/>
-            <p:nvPr/>
-          </p:nvSpPr>
-          <p:spPr bwMode="gray">
             <a:xfrm>
               <a:off x="7289800" y="402165"/>
               <a:ext cx="4478865" cy="6053670"/>
@@ -8056,7 +8833,7 @@
         </p:sp>
         <p:sp>
           <p:nvSpPr>
-            <p:cNvPr id="11" name="Freeform 5"/>
+            <p:cNvPr id="8" name="Freeform 5"/>
             <p:cNvSpPr/>
             <p:nvPr/>
           </p:nvSpPr>
@@ -8240,7 +9017,7 @@
         </p:sp>
         <p:sp>
           <p:nvSpPr>
-            <p:cNvPr id="12" name="Freeform 5"/>
+            <p:cNvPr id="9" name="Freeform 5"/>
             <p:cNvSpPr/>
             <p:nvPr/>
           </p:nvSpPr>
@@ -8387,7 +9164,7 @@
         </p:sp>
         <p:sp>
           <p:nvSpPr>
-            <p:cNvPr id="15" name="Freeform 5"/>
+            <p:cNvPr id="19" name="Freeform 5"/>
             <p:cNvSpPr>
               <a:spLocks noEditPoints="1"/>
             </p:cNvSpPr>
@@ -8462,8 +9239,8 @@
         </p:nvSpPr>
         <p:spPr>
           <a:xfrm>
-            <a:off x="1154954" y="2677645"/>
-            <a:ext cx="4351025" cy="2283824"/>
+            <a:off x="1154956" y="2677644"/>
+            <a:ext cx="4351023" cy="2283823"/>
           </a:xfrm>
         </p:spPr>
         <p:txBody>
@@ -8505,10 +9282,7 @@
               <a:buNone/>
               <a:defRPr sz="2000" cap="all">
                 <a:solidFill>
-                  <a:schemeClr val="accent1">
-                    <a:lumMod val="60000"/>
-                    <a:lumOff val="40000"/>
-                  </a:schemeClr>
+                  <a:schemeClr val="accent1"/>
                 </a:solidFill>
               </a:defRPr>
             </a:lvl1pPr>
@@ -8619,7 +9393,7 @@
           <a:p>
             <a:fld id="{6C5677DE-DD04-48CC-9C18-7BE9FF2DEB6B}" type="datetime1">
               <a:rPr lang="en-US" smtClean="0"/>
-              <a:t>9/12/2024</a:t>
+              <a:t>10/13/2024</a:t>
             </a:fld>
             <a:endParaRPr lang="en-US"/>
           </a:p>
@@ -8646,13 +9420,13 @@
       </p:sp>
       <p:sp>
         <p:nvSpPr>
-          <p:cNvPr id="16" name="Rectangle 15"/>
+          <p:cNvPr id="15" name="Rectangle 14"/>
           <p:cNvSpPr/>
           <p:nvPr/>
         </p:nvSpPr>
         <p:spPr>
           <a:xfrm>
-            <a:off x="10437812" y="0"/>
+            <a:off x="10443728" y="0"/>
             <a:ext cx="685800" cy="1143000"/>
           </a:xfrm>
           <a:prstGeom prst="rect">
@@ -8706,7 +9480,7 @@
     </p:spTree>
     <p:extLst>
       <p:ext uri="{BB962C8B-B14F-4D97-AF65-F5344CB8AC3E}">
-        <p14:creationId xmlns:p14="http://schemas.microsoft.com/office/powerpoint/2010/main" val="3734859440"/>
+        <p14:creationId xmlns:p14="http://schemas.microsoft.com/office/powerpoint/2010/main" val="3462008480"/>
       </p:ext>
     </p:extLst>
   </p:cSld>
@@ -8768,8 +9542,8 @@
         </p:nvSpPr>
         <p:spPr>
           <a:xfrm>
-            <a:off x="1154954" y="2603500"/>
-            <a:ext cx="4825158" cy="3416301"/>
+            <a:off x="1151368" y="2603500"/>
+            <a:ext cx="4828744" cy="3416301"/>
           </a:xfrm>
         </p:spPr>
         <p:txBody>
@@ -8827,8 +9601,8 @@
         </p:nvSpPr>
         <p:spPr>
           <a:xfrm>
-            <a:off x="6208712" y="2603500"/>
-            <a:ext cx="4825159" cy="3416300"/>
+            <a:off x="6208711" y="2603500"/>
+            <a:ext cx="4825159" cy="3377705"/>
           </a:xfrm>
         </p:spPr>
         <p:txBody>
@@ -8891,7 +9665,7 @@
           <a:p>
             <a:fld id="{463255ED-7101-4D18-A8AE-3B5E4CB87EA5}" type="datetime1">
               <a:rPr lang="en-US" smtClean="0"/>
-              <a:t>9/12/2024</a:t>
+              <a:t>10/13/2024</a:t>
             </a:fld>
             <a:endParaRPr lang="en-US"/>
           </a:p>
@@ -8942,7 +9716,7 @@
     </p:spTree>
     <p:extLst>
       <p:ext uri="{BB962C8B-B14F-4D97-AF65-F5344CB8AC3E}">
-        <p14:creationId xmlns:p14="http://schemas.microsoft.com/office/powerpoint/2010/main" val="393255434"/>
+        <p14:creationId xmlns:p14="http://schemas.microsoft.com/office/powerpoint/2010/main" val="3834743812"/>
       </p:ext>
     </p:extLst>
   </p:cSld>
@@ -9008,8 +9782,8 @@
         </p:nvSpPr>
         <p:spPr>
           <a:xfrm>
-            <a:off x="1154954" y="2603500"/>
-            <a:ext cx="4825157" cy="576262"/>
+            <a:off x="1154954" y="2636063"/>
+            <a:ext cx="4825158" cy="576262"/>
           </a:xfrm>
         </p:spPr>
         <p:txBody>
@@ -9079,8 +9853,8 @@
         </p:nvSpPr>
         <p:spPr>
           <a:xfrm>
-            <a:off x="1154954" y="3179762"/>
-            <a:ext cx="4825158" cy="2840039"/>
+            <a:off x="1154954" y="3212326"/>
+            <a:ext cx="4825158" cy="2807476"/>
           </a:xfrm>
         </p:spPr>
         <p:txBody>
@@ -9138,8 +9912,8 @@
         </p:nvSpPr>
         <p:spPr>
           <a:xfrm>
-            <a:off x="6208712" y="2603500"/>
-            <a:ext cx="4825159" cy="576262"/>
+            <a:off x="6208711" y="2603499"/>
+            <a:ext cx="4825160" cy="608825"/>
           </a:xfrm>
         </p:spPr>
         <p:txBody>
@@ -9209,43 +9983,15 @@
         </p:nvSpPr>
         <p:spPr>
           <a:xfrm>
-            <a:off x="6208712" y="3179762"/>
-            <a:ext cx="4825159" cy="2840039"/>
+            <a:off x="6208712" y="3212327"/>
+            <a:ext cx="4825159" cy="2807474"/>
           </a:xfrm>
         </p:spPr>
         <p:txBody>
           <a:bodyPr>
             <a:normAutofit/>
           </a:bodyPr>
-          <a:lstStyle>
-            <a:lvl1pPr>
-              <a:defRPr sz="1800"/>
-            </a:lvl1pPr>
-            <a:lvl2pPr>
-              <a:defRPr sz="1600"/>
-            </a:lvl2pPr>
-            <a:lvl3pPr>
-              <a:defRPr sz="1400"/>
-            </a:lvl3pPr>
-            <a:lvl4pPr>
-              <a:defRPr sz="1200"/>
-            </a:lvl4pPr>
-            <a:lvl5pPr>
-              <a:defRPr sz="1200"/>
-            </a:lvl5pPr>
-            <a:lvl6pPr>
-              <a:defRPr sz="1200"/>
-            </a:lvl6pPr>
-            <a:lvl7pPr>
-              <a:defRPr sz="1200"/>
-            </a:lvl7pPr>
-            <a:lvl8pPr>
-              <a:defRPr sz="1200"/>
-            </a:lvl8pPr>
-            <a:lvl9pPr>
-              <a:defRPr sz="1200"/>
-            </a:lvl9pPr>
-          </a:lstStyle>
+          <a:lstStyle/>
           <a:p>
             <a:pPr lvl="0"/>
             <a:r>
@@ -9301,7 +10047,7 @@
           <a:p>
             <a:fld id="{CD52F23D-51F6-4C94-8CD5-B9ABBF67EE23}" type="datetime1">
               <a:rPr lang="en-US" smtClean="0"/>
-              <a:t>9/12/2024</a:t>
+              <a:t>10/13/2024</a:t>
             </a:fld>
             <a:endParaRPr lang="en-US"/>
           </a:p>
@@ -9352,7 +10098,7 @@
     </p:spTree>
     <p:extLst>
       <p:ext uri="{BB962C8B-B14F-4D97-AF65-F5344CB8AC3E}">
-        <p14:creationId xmlns:p14="http://schemas.microsoft.com/office/powerpoint/2010/main" val="2780628908"/>
+        <p14:creationId xmlns:p14="http://schemas.microsoft.com/office/powerpoint/2010/main" val="4204851524"/>
       </p:ext>
     </p:extLst>
   </p:cSld>
@@ -9381,7 +10127,7 @@
       </p:grpSpPr>
       <p:sp>
         <p:nvSpPr>
-          <p:cNvPr id="9" name="Title 1"/>
+          <p:cNvPr id="2" name="Title 1"/>
           <p:cNvSpPr>
             <a:spLocks noGrp="1"/>
           </p:cNvSpPr>
@@ -9389,19 +10135,10 @@
             <p:ph type="title"/>
           </p:nvPr>
         </p:nvSpPr>
-        <p:spPr>
-          <a:xfrm>
-            <a:off x="1154954" y="973668"/>
-            <a:ext cx="8761413" cy="706964"/>
-          </a:xfrm>
-        </p:spPr>
+        <p:spPr/>
         <p:txBody>
           <a:bodyPr/>
-          <a:lstStyle>
-            <a:lvl1pPr>
-              <a:defRPr/>
-            </a:lvl1pPr>
-          </a:lstStyle>
+          <a:lstStyle/>
           <a:p>
             <a:r>
               <a:rPr lang="en-US"/>
@@ -9428,7 +10165,7 @@
           <a:p>
             <a:fld id="{D51A702F-6367-4FD1-89A8-3744BE6BA9A2}" type="datetime1">
               <a:rPr lang="en-US" smtClean="0"/>
-              <a:t>9/12/2024</a:t>
+              <a:t>10/13/2024</a:t>
             </a:fld>
             <a:endParaRPr lang="en-US"/>
           </a:p>
@@ -9479,7 +10216,7 @@
     </p:spTree>
     <p:extLst>
       <p:ext uri="{BB962C8B-B14F-4D97-AF65-F5344CB8AC3E}">
-        <p14:creationId xmlns:p14="http://schemas.microsoft.com/office/powerpoint/2010/main" val="3873724667"/>
+        <p14:creationId xmlns:p14="http://schemas.microsoft.com/office/powerpoint/2010/main" val="3296953502"/>
       </p:ext>
     </p:extLst>
   </p:cSld>
@@ -9490,7 +10227,7 @@
 </file>
 
 <file path=ppt/slideLayouts/slideLayout7.xml><?xml version="1.0" encoding="utf-8"?>
-<p:sldLayout xmlns:a="http://schemas.openxmlformats.org/drawingml/2006/main" xmlns:r="http://schemas.openxmlformats.org/officeDocument/2006/relationships" xmlns:p="http://schemas.openxmlformats.org/presentationml/2006/main" showMasterSp="0" type="blank" preserve="1">
+<p:sldLayout xmlns:a="http://schemas.openxmlformats.org/drawingml/2006/main" xmlns:r="http://schemas.openxmlformats.org/officeDocument/2006/relationships" xmlns:p="http://schemas.openxmlformats.org/presentationml/2006/main" type="blank" preserve="1">
   <p:cSld name="Blank">
     <p:spTree>
       <p:nvGrpSpPr>
@@ -9523,7 +10260,7 @@
           <a:p>
             <a:fld id="{4A6E99BD-4B4F-4460-B452-0E8146ACCF8F}" type="datetime1">
               <a:rPr lang="en-US" smtClean="0"/>
-              <a:t>9/12/2024</a:t>
+              <a:t>10/13/2024</a:t>
             </a:fld>
             <a:endParaRPr lang="en-US"/>
           </a:p>
@@ -9550,13 +10287,13 @@
       </p:sp>
       <p:sp>
         <p:nvSpPr>
-          <p:cNvPr id="7" name="Rectangle 6"/>
+          <p:cNvPr id="6" name="Rectangle 5"/>
           <p:cNvSpPr/>
           <p:nvPr/>
         </p:nvSpPr>
         <p:spPr>
           <a:xfrm>
-            <a:off x="10437812" y="0"/>
+            <a:off x="10443728" y="0"/>
             <a:ext cx="685800" cy="1143000"/>
           </a:xfrm>
           <a:prstGeom prst="rect">
@@ -9610,7 +10347,7 @@
     </p:spTree>
     <p:extLst>
       <p:ext uri="{BB962C8B-B14F-4D97-AF65-F5344CB8AC3E}">
-        <p14:creationId xmlns:p14="http://schemas.microsoft.com/office/powerpoint/2010/main" val="570481004"/>
+        <p14:creationId xmlns:p14="http://schemas.microsoft.com/office/powerpoint/2010/main" val="3590422170"/>
       </p:ext>
     </p:extLst>
   </p:cSld>
@@ -9621,7 +10358,7 @@
 </file>
 
 <file path=ppt/slideLayouts/slideLayout8.xml><?xml version="1.0" encoding="utf-8"?>
-<p:sldLayout xmlns:a="http://schemas.openxmlformats.org/drawingml/2006/main" xmlns:r="http://schemas.openxmlformats.org/officeDocument/2006/relationships" xmlns:p="http://schemas.openxmlformats.org/presentationml/2006/main" showMasterSp="0" type="objTx" preserve="1">
+<p:sldLayout xmlns:a="http://schemas.openxmlformats.org/drawingml/2006/main" xmlns:r="http://schemas.openxmlformats.org/officeDocument/2006/relationships" xmlns:p="http://schemas.openxmlformats.org/presentationml/2006/main" type="objTx" preserve="1">
   <p:cSld name="Content with Caption">
     <p:spTree>
       <p:nvGrpSpPr>
@@ -9639,7 +10376,7 @@
       </p:grpSpPr>
       <p:grpSp>
         <p:nvGrpSpPr>
-          <p:cNvPr id="9" name="Group 8"/>
+          <p:cNvPr id="11" name="Group 10"/>
           <p:cNvGrpSpPr/>
           <p:nvPr/>
         </p:nvGrpSpPr>
@@ -9653,7 +10390,7 @@
         </p:grpSpPr>
         <p:sp>
           <p:nvSpPr>
-            <p:cNvPr id="14" name="Rectangle 13"/>
+            <p:cNvPr id="12" name="Rectangle 11"/>
             <p:cNvSpPr/>
             <p:nvPr/>
           </p:nvSpPr>
@@ -9669,15 +10406,14 @@
               <a:blip r:embed="rId2">
                 <a:duotone>
                   <a:schemeClr val="dk2">
-                    <a:shade val="69000"/>
-                    <a:hueMod val="91000"/>
-                    <a:satMod val="164000"/>
-                    <a:lumMod val="74000"/>
+                    <a:shade val="42000"/>
+                    <a:hueMod val="42000"/>
+                    <a:satMod val="124000"/>
+                    <a:lumMod val="62000"/>
                   </a:schemeClr>
                   <a:schemeClr val="dk2">
-                    <a:hueMod val="124000"/>
-                    <a:satMod val="140000"/>
-                    <a:lumMod val="142000"/>
+                    <a:tint val="96000"/>
+                    <a:satMod val="130000"/>
                   </a:schemeClr>
                 </a:duotone>
               </a:blip>
@@ -9708,14 +10444,14 @@
         </p:sp>
         <p:sp>
           <p:nvSpPr>
-            <p:cNvPr id="17" name="Oval 16"/>
+            <p:cNvPr id="13" name="Oval 12"/>
             <p:cNvSpPr/>
             <p:nvPr/>
           </p:nvSpPr>
           <p:spPr>
             <a:xfrm>
-              <a:off x="0" y="2667000"/>
-              <a:ext cx="4191000" cy="4191000"/>
+              <a:off x="8609012" y="5867400"/>
+              <a:ext cx="990600" cy="990600"/>
             </a:xfrm>
             <a:prstGeom prst="ellipse">
               <a:avLst/>
@@ -9724,17 +10460,17 @@
               <a:gsLst>
                 <a:gs pos="0">
                   <a:schemeClr val="accent5">
-                    <a:alpha val="11000"/>
-                  </a:schemeClr>
-                </a:gs>
-                <a:gs pos="75000">
+                    <a:alpha val="14000"/>
+                  </a:schemeClr>
+                </a:gs>
+                <a:gs pos="66000">
                   <a:schemeClr val="accent5">
                     <a:alpha val="0"/>
                   </a:schemeClr>
                 </a:gs>
                 <a:gs pos="36000">
                   <a:schemeClr val="accent5">
-                    <a:alpha val="10000"/>
+                    <a:alpha val="7000"/>
                   </a:schemeClr>
                 </a:gs>
               </a:gsLst>
@@ -9765,7 +10501,127 @@
         </p:sp>
         <p:sp>
           <p:nvSpPr>
-            <p:cNvPr id="19" name="Oval 18"/>
+            <p:cNvPr id="14" name="Oval 13"/>
+            <p:cNvSpPr/>
+            <p:nvPr/>
+          </p:nvSpPr>
+          <p:spPr>
+            <a:xfrm>
+              <a:off x="8609012" y="1676400"/>
+              <a:ext cx="2819400" cy="2819400"/>
+            </a:xfrm>
+            <a:prstGeom prst="ellipse">
+              <a:avLst/>
+            </a:prstGeom>
+            <a:gradFill flip="none" rotWithShape="1">
+              <a:gsLst>
+                <a:gs pos="0">
+                  <a:schemeClr val="accent5">
+                    <a:alpha val="7000"/>
+                  </a:schemeClr>
+                </a:gs>
+                <a:gs pos="69000">
+                  <a:schemeClr val="accent5">
+                    <a:alpha val="0"/>
+                  </a:schemeClr>
+                </a:gs>
+                <a:gs pos="36000">
+                  <a:schemeClr val="accent5">
+                    <a:alpha val="6000"/>
+                  </a:schemeClr>
+                </a:gs>
+              </a:gsLst>
+              <a:path path="circle">
+                <a:fillToRect l="50000" t="50000" r="50000" b="50000"/>
+              </a:path>
+              <a:tileRect/>
+            </a:gradFill>
+            <a:ln>
+              <a:noFill/>
+            </a:ln>
+            <a:effectLst/>
+          </p:spPr>
+          <p:style>
+            <a:lnRef idx="1">
+              <a:schemeClr val="accent1"/>
+            </a:lnRef>
+            <a:fillRef idx="3">
+              <a:schemeClr val="accent1"/>
+            </a:fillRef>
+            <a:effectRef idx="2">
+              <a:schemeClr val="accent1"/>
+            </a:effectRef>
+            <a:fontRef idx="minor">
+              <a:schemeClr val="lt1"/>
+            </a:fontRef>
+          </p:style>
+        </p:sp>
+        <p:sp>
+          <p:nvSpPr>
+            <p:cNvPr id="16" name="Oval 15"/>
+            <p:cNvSpPr/>
+            <p:nvPr/>
+          </p:nvSpPr>
+          <p:spPr>
+            <a:xfrm>
+              <a:off x="7999412" y="1587"/>
+              <a:ext cx="1600200" cy="1600200"/>
+            </a:xfrm>
+            <a:prstGeom prst="ellipse">
+              <a:avLst/>
+            </a:prstGeom>
+            <a:gradFill flip="none" rotWithShape="1">
+              <a:gsLst>
+                <a:gs pos="0">
+                  <a:schemeClr val="accent1">
+                    <a:lumMod val="60000"/>
+                    <a:lumOff val="40000"/>
+                    <a:alpha val="14000"/>
+                  </a:schemeClr>
+                </a:gs>
+                <a:gs pos="73000">
+                  <a:schemeClr val="accent1">
+                    <a:lumMod val="60000"/>
+                    <a:lumOff val="40000"/>
+                    <a:alpha val="0"/>
+                  </a:schemeClr>
+                </a:gs>
+                <a:gs pos="36000">
+                  <a:schemeClr val="accent1">
+                    <a:lumMod val="60000"/>
+                    <a:lumOff val="40000"/>
+                    <a:alpha val="7000"/>
+                  </a:schemeClr>
+                </a:gs>
+              </a:gsLst>
+              <a:path path="circle">
+                <a:fillToRect l="50000" t="50000" r="50000" b="50000"/>
+              </a:path>
+              <a:tileRect/>
+            </a:gradFill>
+            <a:ln>
+              <a:noFill/>
+            </a:ln>
+            <a:effectLst/>
+          </p:spPr>
+          <p:style>
+            <a:lnRef idx="1">
+              <a:schemeClr val="accent1"/>
+            </a:lnRef>
+            <a:fillRef idx="3">
+              <a:schemeClr val="accent1"/>
+            </a:fillRef>
+            <a:effectRef idx="2">
+              <a:schemeClr val="accent1"/>
+            </a:effectRef>
+            <a:fontRef idx="minor">
+              <a:schemeClr val="lt1"/>
+            </a:fontRef>
+          </p:style>
+        </p:sp>
+        <p:sp>
+          <p:nvSpPr>
+            <p:cNvPr id="17" name="Oval 16"/>
             <p:cNvSpPr/>
             <p:nvPr/>
           </p:nvSpPr>
@@ -9822,14 +10678,14 @@
         </p:sp>
         <p:sp>
           <p:nvSpPr>
-            <p:cNvPr id="20" name="Oval 19"/>
+            <p:cNvPr id="18" name="Oval 17"/>
             <p:cNvSpPr/>
             <p:nvPr/>
           </p:nvSpPr>
           <p:spPr>
             <a:xfrm>
-              <a:off x="8609012" y="5867400"/>
-              <a:ext cx="990600" cy="990600"/>
+              <a:off x="0" y="2667000"/>
+              <a:ext cx="4191000" cy="4191000"/>
             </a:xfrm>
             <a:prstGeom prst="ellipse">
               <a:avLst/>
@@ -9837,18 +10693,24 @@
             <a:gradFill flip="none" rotWithShape="1">
               <a:gsLst>
                 <a:gs pos="0">
-                  <a:schemeClr val="accent5">
-                    <a:alpha val="14000"/>
-                  </a:schemeClr>
-                </a:gs>
-                <a:gs pos="66000">
-                  <a:schemeClr val="accent5">
+                  <a:schemeClr val="accent1">
+                    <a:lumMod val="60000"/>
+                    <a:lumOff val="40000"/>
+                    <a:alpha val="11000"/>
+                  </a:schemeClr>
+                </a:gs>
+                <a:gs pos="75000">
+                  <a:schemeClr val="accent1">
+                    <a:lumMod val="60000"/>
+                    <a:lumOff val="40000"/>
                     <a:alpha val="0"/>
                   </a:schemeClr>
                 </a:gs>
                 <a:gs pos="36000">
-                  <a:schemeClr val="accent5">
-                    <a:alpha val="7000"/>
+                  <a:schemeClr val="accent1">
+                    <a:lumMod val="60000"/>
+                    <a:lumOff val="40000"/>
+                    <a:alpha val="10000"/>
                   </a:schemeClr>
                 </a:gs>
               </a:gsLst>
@@ -9879,14 +10741,14 @@
         </p:sp>
         <p:sp>
           <p:nvSpPr>
-            <p:cNvPr id="21" name="Oval 20"/>
+            <p:cNvPr id="19" name="Oval 18"/>
             <p:cNvSpPr/>
             <p:nvPr/>
           </p:nvSpPr>
           <p:spPr>
             <a:xfrm>
-              <a:off x="8609012" y="1676400"/>
-              <a:ext cx="2819400" cy="2819400"/>
+              <a:off x="8609012" y="5865239"/>
+              <a:ext cx="990600" cy="990600"/>
             </a:xfrm>
             <a:prstGeom prst="ellipse">
               <a:avLst/>
@@ -9894,18 +10756,24 @@
             <a:gradFill flip="none" rotWithShape="1">
               <a:gsLst>
                 <a:gs pos="0">
-                  <a:schemeClr val="accent5">
-                    <a:alpha val="7000"/>
-                  </a:schemeClr>
-                </a:gs>
-                <a:gs pos="69000">
-                  <a:schemeClr val="accent5">
+                  <a:schemeClr val="accent1">
+                    <a:lumMod val="60000"/>
+                    <a:lumOff val="40000"/>
+                    <a:alpha val="10000"/>
+                  </a:schemeClr>
+                </a:gs>
+                <a:gs pos="66000">
+                  <a:schemeClr val="accent1">
+                    <a:lumMod val="60000"/>
+                    <a:lumOff val="40000"/>
                     <a:alpha val="0"/>
                   </a:schemeClr>
                 </a:gs>
-                <a:gs pos="36000">
-                  <a:schemeClr val="accent5">
-                    <a:alpha val="6000"/>
+                <a:gs pos="31000">
+                  <a:schemeClr val="accent1">
+                    <a:lumMod val="60000"/>
+                    <a:lumOff val="40000"/>
+                    <a:alpha val="5000"/>
                   </a:schemeClr>
                 </a:gs>
               </a:gsLst>
@@ -9936,101 +10804,191 @@
         </p:sp>
         <p:sp>
           <p:nvSpPr>
-            <p:cNvPr id="22" name="Oval 21"/>
-            <p:cNvSpPr/>
-            <p:nvPr/>
-          </p:nvSpPr>
-          <p:spPr>
-            <a:xfrm>
-              <a:off x="7999412" y="8464"/>
-              <a:ext cx="1600200" cy="1600200"/>
-            </a:xfrm>
-            <a:prstGeom prst="ellipse">
-              <a:avLst/>
-            </a:prstGeom>
-            <a:gradFill flip="none" rotWithShape="1">
-              <a:gsLst>
-                <a:gs pos="0">
-                  <a:schemeClr val="accent5">
-                    <a:alpha val="14000"/>
-                  </a:schemeClr>
-                </a:gs>
-                <a:gs pos="73000">
-                  <a:schemeClr val="accent5">
-                    <a:alpha val="0"/>
-                  </a:schemeClr>
-                </a:gs>
-                <a:gs pos="36000">
-                  <a:schemeClr val="accent5">
-                    <a:alpha val="7000"/>
-                  </a:schemeClr>
-                </a:gs>
-              </a:gsLst>
-              <a:path path="circle">
-                <a:fillToRect l="50000" t="50000" r="50000" b="50000"/>
-              </a:path>
-              <a:tileRect/>
-            </a:gradFill>
-            <a:ln>
-              <a:noFill/>
-            </a:ln>
-            <a:effectLst/>
-          </p:spPr>
-          <p:style>
-            <a:lnRef idx="1">
-              <a:schemeClr val="accent1"/>
-            </a:lnRef>
-            <a:fillRef idx="3">
-              <a:schemeClr val="accent1"/>
-            </a:fillRef>
-            <a:effectRef idx="2">
-              <a:schemeClr val="accent1"/>
-            </a:effectRef>
-            <a:fontRef idx="minor">
-              <a:schemeClr val="lt1"/>
-            </a:fontRef>
-          </p:style>
-        </p:sp>
-        <p:sp>
-          <p:nvSpPr>
-            <p:cNvPr id="11" name="Rectangle 10"/>
+            <p:cNvPr id="9" name="Freeform 5"/>
             <p:cNvSpPr/>
             <p:nvPr/>
           </p:nvSpPr>
           <p:spPr bwMode="gray">
-            <a:xfrm>
-              <a:off x="5713412" y="402165"/>
-              <a:ext cx="6055253" cy="6053670"/>
+            <a:xfrm rot="16200000">
+              <a:off x="2229377" y="2801721"/>
+              <a:ext cx="6053670" cy="1254558"/>
             </a:xfrm>
-            <a:prstGeom prst="rect">
+            <a:custGeom>
               <a:avLst/>
-            </a:prstGeom>
+              <a:gdLst/>
+              <a:ahLst/>
+              <a:cxnLst/>
+              <a:rect l="l" t="t" r="r" b="b"/>
+              <a:pathLst>
+                <a:path w="10000" h="8000">
+                  <a:moveTo>
+                    <a:pt x="0" y="0"/>
+                  </a:moveTo>
+                  <a:lnTo>
+                    <a:pt x="0" y="7970"/>
+                  </a:lnTo>
+                  <a:lnTo>
+                    <a:pt x="10000" y="8000"/>
+                  </a:lnTo>
+                  <a:lnTo>
+                    <a:pt x="10000" y="7"/>
+                  </a:lnTo>
+                  <a:lnTo>
+                    <a:pt x="10000" y="7"/>
+                  </a:lnTo>
+                  <a:lnTo>
+                    <a:pt x="9773" y="156"/>
+                  </a:lnTo>
+                  <a:lnTo>
+                    <a:pt x="9547" y="298"/>
+                  </a:lnTo>
+                  <a:lnTo>
+                    <a:pt x="9320" y="437"/>
+                  </a:lnTo>
+                  <a:lnTo>
+                    <a:pt x="9092" y="556"/>
+                  </a:lnTo>
+                  <a:lnTo>
+                    <a:pt x="8865" y="676"/>
+                  </a:lnTo>
+                  <a:lnTo>
+                    <a:pt x="8637" y="788"/>
+                  </a:lnTo>
+                  <a:lnTo>
+                    <a:pt x="8412" y="884"/>
+                  </a:lnTo>
+                  <a:lnTo>
+                    <a:pt x="8184" y="975"/>
+                  </a:lnTo>
+                  <a:lnTo>
+                    <a:pt x="7957" y="1058"/>
+                  </a:lnTo>
+                  <a:lnTo>
+                    <a:pt x="7734" y="1130"/>
+                  </a:lnTo>
+                  <a:lnTo>
+                    <a:pt x="7508" y="1202"/>
+                  </a:lnTo>
+                  <a:lnTo>
+                    <a:pt x="7285" y="1262"/>
+                  </a:lnTo>
+                  <a:lnTo>
+                    <a:pt x="7062" y="1309"/>
+                  </a:lnTo>
+                  <a:lnTo>
+                    <a:pt x="6840" y="1358"/>
+                  </a:lnTo>
+                  <a:lnTo>
+                    <a:pt x="6620" y="1399"/>
+                  </a:lnTo>
+                  <a:lnTo>
+                    <a:pt x="6402" y="1428"/>
+                  </a:lnTo>
+                  <a:lnTo>
+                    <a:pt x="6184" y="1453"/>
+                  </a:lnTo>
+                  <a:lnTo>
+                    <a:pt x="5968" y="1477"/>
+                  </a:lnTo>
+                  <a:lnTo>
+                    <a:pt x="5755" y="1488"/>
+                  </a:lnTo>
+                  <a:lnTo>
+                    <a:pt x="5542" y="1500"/>
+                  </a:lnTo>
+                  <a:lnTo>
+                    <a:pt x="5332" y="1506"/>
+                  </a:lnTo>
+                  <a:lnTo>
+                    <a:pt x="5124" y="1500"/>
+                  </a:lnTo>
+                  <a:lnTo>
+                    <a:pt x="4918" y="1500"/>
+                  </a:lnTo>
+                  <a:lnTo>
+                    <a:pt x="4714" y="1488"/>
+                  </a:lnTo>
+                  <a:lnTo>
+                    <a:pt x="4514" y="1470"/>
+                  </a:lnTo>
+                  <a:lnTo>
+                    <a:pt x="4316" y="1453"/>
+                  </a:lnTo>
+                  <a:lnTo>
+                    <a:pt x="4122" y="1434"/>
+                  </a:lnTo>
+                  <a:lnTo>
+                    <a:pt x="3929" y="1405"/>
+                  </a:lnTo>
+                  <a:lnTo>
+                    <a:pt x="3739" y="1374"/>
+                  </a:lnTo>
+                  <a:lnTo>
+                    <a:pt x="3553" y="1346"/>
+                  </a:lnTo>
+                  <a:lnTo>
+                    <a:pt x="3190" y="1267"/>
+                  </a:lnTo>
+                  <a:lnTo>
+                    <a:pt x="2842" y="1183"/>
+                  </a:lnTo>
+                  <a:lnTo>
+                    <a:pt x="2508" y="1095"/>
+                  </a:lnTo>
+                  <a:lnTo>
+                    <a:pt x="2192" y="998"/>
+                  </a:lnTo>
+                  <a:lnTo>
+                    <a:pt x="1890" y="897"/>
+                  </a:lnTo>
+                  <a:lnTo>
+                    <a:pt x="1610" y="788"/>
+                  </a:lnTo>
+                  <a:lnTo>
+                    <a:pt x="1347" y="681"/>
+                  </a:lnTo>
+                  <a:lnTo>
+                    <a:pt x="1105" y="574"/>
+                  </a:lnTo>
+                  <a:lnTo>
+                    <a:pt x="883" y="473"/>
+                  </a:lnTo>
+                  <a:lnTo>
+                    <a:pt x="686" y="377"/>
+                  </a:lnTo>
+                  <a:lnTo>
+                    <a:pt x="508" y="286"/>
+                  </a:lnTo>
+                  <a:lnTo>
+                    <a:pt x="358" y="210"/>
+                  </a:lnTo>
+                  <a:lnTo>
+                    <a:pt x="232" y="138"/>
+                  </a:lnTo>
+                  <a:lnTo>
+                    <a:pt x="59" y="35"/>
+                  </a:lnTo>
+                  <a:lnTo>
+                    <a:pt x="0" y="0"/>
+                  </a:lnTo>
+                  <a:lnTo>
+                    <a:pt x="0" y="0"/>
+                  </a:lnTo>
+                  <a:close/>
+                </a:path>
+              </a:pathLst>
+            </a:custGeom>
             <a:solidFill>
               <a:schemeClr val="bg1"/>
             </a:solidFill>
             <a:ln>
               <a:noFill/>
             </a:ln>
-            <a:effectLst/>
           </p:spPr>
-          <p:style>
-            <a:lnRef idx="1">
-              <a:schemeClr val="accent1"/>
-            </a:lnRef>
-            <a:fillRef idx="3">
-              <a:schemeClr val="accent1"/>
-            </a:fillRef>
-            <a:effectRef idx="2">
-              <a:schemeClr val="accent1"/>
-            </a:effectRef>
-            <a:fontRef idx="minor">
-              <a:schemeClr val="lt1"/>
-            </a:fontRef>
-          </p:style>
         </p:sp>
         <p:sp>
           <p:nvSpPr>
-            <p:cNvPr id="18" name="Freeform 5"/>
+            <p:cNvPr id="10" name="Freeform 5"/>
             <p:cNvSpPr/>
             <p:nvPr/>
           </p:nvSpPr>
@@ -10177,191 +11135,44 @@
         </p:sp>
         <p:sp>
           <p:nvSpPr>
-            <p:cNvPr id="12" name="Freeform 5"/>
+            <p:cNvPr id="8" name="Rectangle 7"/>
             <p:cNvSpPr/>
             <p:nvPr/>
           </p:nvSpPr>
           <p:spPr bwMode="gray">
-            <a:xfrm rot="16200000">
-              <a:off x="2229377" y="2801721"/>
-              <a:ext cx="6053670" cy="1254558"/>
+            <a:xfrm>
+              <a:off x="5713412" y="402165"/>
+              <a:ext cx="6055253" cy="6053670"/>
             </a:xfrm>
-            <a:custGeom>
+            <a:prstGeom prst="rect">
               <a:avLst/>
-              <a:gdLst/>
-              <a:ahLst/>
-              <a:cxnLst/>
-              <a:rect l="l" t="t" r="r" b="b"/>
-              <a:pathLst>
-                <a:path w="10000" h="8000">
-                  <a:moveTo>
-                    <a:pt x="0" y="0"/>
-                  </a:moveTo>
-                  <a:lnTo>
-                    <a:pt x="0" y="7970"/>
-                  </a:lnTo>
-                  <a:lnTo>
-                    <a:pt x="10000" y="8000"/>
-                  </a:lnTo>
-                  <a:lnTo>
-                    <a:pt x="10000" y="7"/>
-                  </a:lnTo>
-                  <a:lnTo>
-                    <a:pt x="10000" y="7"/>
-                  </a:lnTo>
-                  <a:lnTo>
-                    <a:pt x="9773" y="156"/>
-                  </a:lnTo>
-                  <a:lnTo>
-                    <a:pt x="9547" y="298"/>
-                  </a:lnTo>
-                  <a:lnTo>
-                    <a:pt x="9320" y="437"/>
-                  </a:lnTo>
-                  <a:lnTo>
-                    <a:pt x="9092" y="556"/>
-                  </a:lnTo>
-                  <a:lnTo>
-                    <a:pt x="8865" y="676"/>
-                  </a:lnTo>
-                  <a:lnTo>
-                    <a:pt x="8637" y="788"/>
-                  </a:lnTo>
-                  <a:lnTo>
-                    <a:pt x="8412" y="884"/>
-                  </a:lnTo>
-                  <a:lnTo>
-                    <a:pt x="8184" y="975"/>
-                  </a:lnTo>
-                  <a:lnTo>
-                    <a:pt x="7957" y="1058"/>
-                  </a:lnTo>
-                  <a:lnTo>
-                    <a:pt x="7734" y="1130"/>
-                  </a:lnTo>
-                  <a:lnTo>
-                    <a:pt x="7508" y="1202"/>
-                  </a:lnTo>
-                  <a:lnTo>
-                    <a:pt x="7285" y="1262"/>
-                  </a:lnTo>
-                  <a:lnTo>
-                    <a:pt x="7062" y="1309"/>
-                  </a:lnTo>
-                  <a:lnTo>
-                    <a:pt x="6840" y="1358"/>
-                  </a:lnTo>
-                  <a:lnTo>
-                    <a:pt x="6620" y="1399"/>
-                  </a:lnTo>
-                  <a:lnTo>
-                    <a:pt x="6402" y="1428"/>
-                  </a:lnTo>
-                  <a:lnTo>
-                    <a:pt x="6184" y="1453"/>
-                  </a:lnTo>
-                  <a:lnTo>
-                    <a:pt x="5968" y="1477"/>
-                  </a:lnTo>
-                  <a:lnTo>
-                    <a:pt x="5755" y="1488"/>
-                  </a:lnTo>
-                  <a:lnTo>
-                    <a:pt x="5542" y="1500"/>
-                  </a:lnTo>
-                  <a:lnTo>
-                    <a:pt x="5332" y="1506"/>
-                  </a:lnTo>
-                  <a:lnTo>
-                    <a:pt x="5124" y="1500"/>
-                  </a:lnTo>
-                  <a:lnTo>
-                    <a:pt x="4918" y="1500"/>
-                  </a:lnTo>
-                  <a:lnTo>
-                    <a:pt x="4714" y="1488"/>
-                  </a:lnTo>
-                  <a:lnTo>
-                    <a:pt x="4514" y="1470"/>
-                  </a:lnTo>
-                  <a:lnTo>
-                    <a:pt x="4316" y="1453"/>
-                  </a:lnTo>
-                  <a:lnTo>
-                    <a:pt x="4122" y="1434"/>
-                  </a:lnTo>
-                  <a:lnTo>
-                    <a:pt x="3929" y="1405"/>
-                  </a:lnTo>
-                  <a:lnTo>
-                    <a:pt x="3739" y="1374"/>
-                  </a:lnTo>
-                  <a:lnTo>
-                    <a:pt x="3553" y="1346"/>
-                  </a:lnTo>
-                  <a:lnTo>
-                    <a:pt x="3190" y="1267"/>
-                  </a:lnTo>
-                  <a:lnTo>
-                    <a:pt x="2842" y="1183"/>
-                  </a:lnTo>
-                  <a:lnTo>
-                    <a:pt x="2508" y="1095"/>
-                  </a:lnTo>
-                  <a:lnTo>
-                    <a:pt x="2192" y="998"/>
-                  </a:lnTo>
-                  <a:lnTo>
-                    <a:pt x="1890" y="897"/>
-                  </a:lnTo>
-                  <a:lnTo>
-                    <a:pt x="1610" y="788"/>
-                  </a:lnTo>
-                  <a:lnTo>
-                    <a:pt x="1347" y="681"/>
-                  </a:lnTo>
-                  <a:lnTo>
-                    <a:pt x="1105" y="574"/>
-                  </a:lnTo>
-                  <a:lnTo>
-                    <a:pt x="883" y="473"/>
-                  </a:lnTo>
-                  <a:lnTo>
-                    <a:pt x="686" y="377"/>
-                  </a:lnTo>
-                  <a:lnTo>
-                    <a:pt x="508" y="286"/>
-                  </a:lnTo>
-                  <a:lnTo>
-                    <a:pt x="358" y="210"/>
-                  </a:lnTo>
-                  <a:lnTo>
-                    <a:pt x="232" y="138"/>
-                  </a:lnTo>
-                  <a:lnTo>
-                    <a:pt x="59" y="35"/>
-                  </a:lnTo>
-                  <a:lnTo>
-                    <a:pt x="0" y="0"/>
-                  </a:lnTo>
-                  <a:lnTo>
-                    <a:pt x="0" y="0"/>
-                  </a:lnTo>
-                  <a:close/>
-                </a:path>
-              </a:pathLst>
-            </a:custGeom>
+            </a:prstGeom>
             <a:solidFill>
               <a:schemeClr val="bg1"/>
             </a:solidFill>
             <a:ln>
               <a:noFill/>
             </a:ln>
+            <a:effectLst/>
           </p:spPr>
+          <p:style>
+            <a:lnRef idx="1">
+              <a:schemeClr val="accent1"/>
+            </a:lnRef>
+            <a:fillRef idx="3">
+              <a:schemeClr val="accent1"/>
+            </a:fillRef>
+            <a:effectRef idx="2">
+              <a:schemeClr val="accent1"/>
+            </a:effectRef>
+            <a:fontRef idx="minor">
+              <a:schemeClr val="lt1"/>
+            </a:fontRef>
+          </p:style>
         </p:sp>
         <p:sp>
           <p:nvSpPr>
-            <p:cNvPr id="15" name="Freeform 5"/>
+            <p:cNvPr id="20" name="Freeform 5"/>
             <p:cNvSpPr>
               <a:spLocks noEditPoints="1"/>
             </p:cNvSpPr>
@@ -10436,7 +11247,7 @@
         </p:nvSpPr>
         <p:spPr>
           <a:xfrm>
-            <a:off x="1154955" y="1295400"/>
+            <a:off x="1154954" y="1295400"/>
             <a:ext cx="2793158" cy="1600200"/>
           </a:xfrm>
         </p:spPr>
@@ -10469,7 +11280,7 @@
         <p:spPr>
           <a:xfrm>
             <a:off x="5781146" y="1447800"/>
-            <a:ext cx="5190066" cy="4572000"/>
+            <a:ext cx="5190065" cy="4572000"/>
           </a:xfrm>
         </p:spPr>
         <p:txBody>
@@ -10527,7 +11338,7 @@
         </p:nvSpPr>
         <p:spPr bwMode="gray">
           <a:xfrm>
-            <a:off x="1154954" y="3129280"/>
+            <a:off x="1154955" y="3129280"/>
             <a:ext cx="2793158" cy="2895599"/>
           </a:xfrm>
         </p:spPr>
@@ -10538,10 +11349,7 @@
               <a:buNone/>
               <a:defRPr sz="1400">
                 <a:solidFill>
-                  <a:schemeClr val="accent1">
-                    <a:lumMod val="60000"/>
-                    <a:lumOff val="40000"/>
-                  </a:schemeClr>
+                  <a:schemeClr val="accent1"/>
                 </a:solidFill>
               </a:defRPr>
             </a:lvl1pPr>
@@ -10604,7 +11412,7 @@
           <a:p>
             <a:fld id="{EB6FD34C-1867-42A9-AC54-D15ADD8A65E7}" type="datetime1">
               <a:rPr lang="en-US" smtClean="0"/>
-              <a:t>9/12/2024</a:t>
+              <a:t>10/13/2024</a:t>
             </a:fld>
             <a:endParaRPr lang="en-US"/>
           </a:p>
@@ -10631,13 +11439,13 @@
       </p:sp>
       <p:sp>
         <p:nvSpPr>
-          <p:cNvPr id="16" name="Rectangle 15"/>
+          <p:cNvPr id="15" name="Rectangle 14"/>
           <p:cNvSpPr/>
           <p:nvPr/>
         </p:nvSpPr>
         <p:spPr>
           <a:xfrm>
-            <a:off x="10437812" y="0"/>
+            <a:off x="10443728" y="0"/>
             <a:ext cx="685800" cy="1143000"/>
           </a:xfrm>
           <a:prstGeom prst="rect">
@@ -10691,7 +11499,7 @@
     </p:spTree>
     <p:extLst>
       <p:ext uri="{BB962C8B-B14F-4D97-AF65-F5344CB8AC3E}">
-        <p14:creationId xmlns:p14="http://schemas.microsoft.com/office/powerpoint/2010/main" val="2486074731"/>
+        <p14:creationId xmlns:p14="http://schemas.microsoft.com/office/powerpoint/2010/main" val="3355280118"/>
       </p:ext>
     </p:extLst>
   </p:cSld>
@@ -10702,7 +11510,7 @@
 </file>
 
 <file path=ppt/slideLayouts/slideLayout9.xml><?xml version="1.0" encoding="utf-8"?>
-<p:sldLayout xmlns:a="http://schemas.openxmlformats.org/drawingml/2006/main" xmlns:r="http://schemas.openxmlformats.org/officeDocument/2006/relationships" xmlns:p="http://schemas.openxmlformats.org/presentationml/2006/main" showMasterSp="0" type="picTx" preserve="1">
+<p:sldLayout xmlns:a="http://schemas.openxmlformats.org/drawingml/2006/main" xmlns:r="http://schemas.openxmlformats.org/officeDocument/2006/relationships" xmlns:p="http://schemas.openxmlformats.org/presentationml/2006/main" type="picTx" preserve="1">
   <p:cSld name="Picture with Caption">
     <p:spTree>
       <p:nvGrpSpPr>
@@ -10720,7 +11528,7 @@
       </p:grpSpPr>
       <p:grpSp>
         <p:nvGrpSpPr>
-          <p:cNvPr id="9" name="Group 8"/>
+          <p:cNvPr id="10" name="Group 9"/>
           <p:cNvGrpSpPr/>
           <p:nvPr/>
         </p:nvGrpSpPr>
@@ -10734,7 +11542,7 @@
         </p:grpSpPr>
         <p:sp>
           <p:nvSpPr>
-            <p:cNvPr id="14" name="Rectangle 13"/>
+            <p:cNvPr id="12" name="Rectangle 11"/>
             <p:cNvSpPr/>
             <p:nvPr/>
           </p:nvSpPr>
@@ -10750,15 +11558,14 @@
               <a:blip r:embed="rId2">
                 <a:duotone>
                   <a:schemeClr val="dk2">
-                    <a:shade val="69000"/>
-                    <a:hueMod val="91000"/>
-                    <a:satMod val="164000"/>
-                    <a:lumMod val="74000"/>
+                    <a:shade val="42000"/>
+                    <a:hueMod val="42000"/>
+                    <a:satMod val="124000"/>
+                    <a:lumMod val="62000"/>
                   </a:schemeClr>
                   <a:schemeClr val="dk2">
-                    <a:hueMod val="124000"/>
-                    <a:satMod val="140000"/>
-                    <a:lumMod val="142000"/>
+                    <a:tint val="96000"/>
+                    <a:satMod val="130000"/>
                   </a:schemeClr>
                 </a:duotone>
               </a:blip>
@@ -10789,14 +11596,14 @@
         </p:sp>
         <p:sp>
           <p:nvSpPr>
-            <p:cNvPr id="17" name="Oval 16"/>
+            <p:cNvPr id="13" name="Oval 12"/>
             <p:cNvSpPr/>
             <p:nvPr/>
           </p:nvSpPr>
           <p:spPr>
             <a:xfrm>
-              <a:off x="0" y="2667000"/>
-              <a:ext cx="4191000" cy="4191000"/>
+              <a:off x="8609012" y="5867400"/>
+              <a:ext cx="990600" cy="990600"/>
             </a:xfrm>
             <a:prstGeom prst="ellipse">
               <a:avLst/>
@@ -10805,17 +11612,17 @@
               <a:gsLst>
                 <a:gs pos="0">
                   <a:schemeClr val="accent5">
-                    <a:alpha val="11000"/>
-                  </a:schemeClr>
-                </a:gs>
-                <a:gs pos="75000">
+                    <a:alpha val="14000"/>
+                  </a:schemeClr>
+                </a:gs>
+                <a:gs pos="66000">
                   <a:schemeClr val="accent5">
                     <a:alpha val="0"/>
                   </a:schemeClr>
                 </a:gs>
                 <a:gs pos="36000">
                   <a:schemeClr val="accent5">
-                    <a:alpha val="10000"/>
+                    <a:alpha val="7000"/>
                   </a:schemeClr>
                 </a:gs>
               </a:gsLst>
@@ -10846,7 +11653,127 @@
         </p:sp>
         <p:sp>
           <p:nvSpPr>
-            <p:cNvPr id="18" name="Oval 17"/>
+            <p:cNvPr id="14" name="Oval 13"/>
+            <p:cNvSpPr/>
+            <p:nvPr/>
+          </p:nvSpPr>
+          <p:spPr>
+            <a:xfrm>
+              <a:off x="8609012" y="1676400"/>
+              <a:ext cx="2819400" cy="2819400"/>
+            </a:xfrm>
+            <a:prstGeom prst="ellipse">
+              <a:avLst/>
+            </a:prstGeom>
+            <a:gradFill flip="none" rotWithShape="1">
+              <a:gsLst>
+                <a:gs pos="0">
+                  <a:schemeClr val="accent5">
+                    <a:alpha val="7000"/>
+                  </a:schemeClr>
+                </a:gs>
+                <a:gs pos="69000">
+                  <a:schemeClr val="accent5">
+                    <a:alpha val="0"/>
+                  </a:schemeClr>
+                </a:gs>
+                <a:gs pos="36000">
+                  <a:schemeClr val="accent5">
+                    <a:alpha val="6000"/>
+                  </a:schemeClr>
+                </a:gs>
+              </a:gsLst>
+              <a:path path="circle">
+                <a:fillToRect l="50000" t="50000" r="50000" b="50000"/>
+              </a:path>
+              <a:tileRect/>
+            </a:gradFill>
+            <a:ln>
+              <a:noFill/>
+            </a:ln>
+            <a:effectLst/>
+          </p:spPr>
+          <p:style>
+            <a:lnRef idx="1">
+              <a:schemeClr val="accent1"/>
+            </a:lnRef>
+            <a:fillRef idx="3">
+              <a:schemeClr val="accent1"/>
+            </a:fillRef>
+            <a:effectRef idx="2">
+              <a:schemeClr val="accent1"/>
+            </a:effectRef>
+            <a:fontRef idx="minor">
+              <a:schemeClr val="lt1"/>
+            </a:fontRef>
+          </p:style>
+        </p:sp>
+        <p:sp>
+          <p:nvSpPr>
+            <p:cNvPr id="16" name="Oval 15"/>
+            <p:cNvSpPr/>
+            <p:nvPr/>
+          </p:nvSpPr>
+          <p:spPr>
+            <a:xfrm>
+              <a:off x="7999412" y="1587"/>
+              <a:ext cx="1600200" cy="1600200"/>
+            </a:xfrm>
+            <a:prstGeom prst="ellipse">
+              <a:avLst/>
+            </a:prstGeom>
+            <a:gradFill flip="none" rotWithShape="1">
+              <a:gsLst>
+                <a:gs pos="0">
+                  <a:schemeClr val="accent1">
+                    <a:lumMod val="60000"/>
+                    <a:lumOff val="40000"/>
+                    <a:alpha val="14000"/>
+                  </a:schemeClr>
+                </a:gs>
+                <a:gs pos="73000">
+                  <a:schemeClr val="accent1">
+                    <a:lumMod val="60000"/>
+                    <a:lumOff val="40000"/>
+                    <a:alpha val="0"/>
+                  </a:schemeClr>
+                </a:gs>
+                <a:gs pos="36000">
+                  <a:schemeClr val="accent1">
+                    <a:lumMod val="60000"/>
+                    <a:lumOff val="40000"/>
+                    <a:alpha val="7000"/>
+                  </a:schemeClr>
+                </a:gs>
+              </a:gsLst>
+              <a:path path="circle">
+                <a:fillToRect l="50000" t="50000" r="50000" b="50000"/>
+              </a:path>
+              <a:tileRect/>
+            </a:gradFill>
+            <a:ln>
+              <a:noFill/>
+            </a:ln>
+            <a:effectLst/>
+          </p:spPr>
+          <p:style>
+            <a:lnRef idx="1">
+              <a:schemeClr val="accent1"/>
+            </a:lnRef>
+            <a:fillRef idx="3">
+              <a:schemeClr val="accent1"/>
+            </a:fillRef>
+            <a:effectRef idx="2">
+              <a:schemeClr val="accent1"/>
+            </a:effectRef>
+            <a:fontRef idx="minor">
+              <a:schemeClr val="lt1"/>
+            </a:fontRef>
+          </p:style>
+        </p:sp>
+        <p:sp>
+          <p:nvSpPr>
+            <p:cNvPr id="17" name="Oval 16"/>
             <p:cNvSpPr/>
             <p:nvPr/>
           </p:nvSpPr>
@@ -10903,14 +11830,14 @@
         </p:sp>
         <p:sp>
           <p:nvSpPr>
-            <p:cNvPr id="19" name="Oval 18"/>
+            <p:cNvPr id="18" name="Oval 17"/>
             <p:cNvSpPr/>
             <p:nvPr/>
           </p:nvSpPr>
           <p:spPr>
             <a:xfrm>
-              <a:off x="8609012" y="5867400"/>
-              <a:ext cx="990600" cy="990600"/>
+              <a:off x="0" y="2667000"/>
+              <a:ext cx="4191000" cy="4191000"/>
             </a:xfrm>
             <a:prstGeom prst="ellipse">
               <a:avLst/>
@@ -10918,18 +11845,24 @@
             <a:gradFill flip="none" rotWithShape="1">
               <a:gsLst>
                 <a:gs pos="0">
-                  <a:schemeClr val="accent5">
-                    <a:alpha val="14000"/>
-                  </a:schemeClr>
-                </a:gs>
-                <a:gs pos="66000">
-                  <a:schemeClr val="accent5">
+                  <a:schemeClr val="accent1">
+                    <a:lumMod val="60000"/>
+                    <a:lumOff val="40000"/>
+                    <a:alpha val="11000"/>
+                  </a:schemeClr>
+                </a:gs>
+                <a:gs pos="75000">
+                  <a:schemeClr val="accent1">
+                    <a:lumMod val="60000"/>
+                    <a:lumOff val="40000"/>
                     <a:alpha val="0"/>
                   </a:schemeClr>
                 </a:gs>
                 <a:gs pos="36000">
-                  <a:schemeClr val="accent5">
-                    <a:alpha val="7000"/>
+                  <a:schemeClr val="accent1">
+                    <a:lumMod val="60000"/>
+                    <a:lumOff val="40000"/>
+                    <a:alpha val="10000"/>
                   </a:schemeClr>
                 </a:gs>
               </a:gsLst>
@@ -10960,14 +11893,14 @@
         </p:sp>
         <p:sp>
           <p:nvSpPr>
-            <p:cNvPr id="20" name="Oval 19"/>
+            <p:cNvPr id="19" name="Oval 18"/>
             <p:cNvSpPr/>
             <p:nvPr/>
           </p:nvSpPr>
           <p:spPr>
             <a:xfrm>
-              <a:off x="8609012" y="1676400"/>
-              <a:ext cx="2819400" cy="2819400"/>
+              <a:off x="8609012" y="5865239"/>
+              <a:ext cx="990600" cy="990600"/>
             </a:xfrm>
             <a:prstGeom prst="ellipse">
               <a:avLst/>
@@ -10975,18 +11908,24 @@
             <a:gradFill flip="none" rotWithShape="1">
               <a:gsLst>
                 <a:gs pos="0">
-                  <a:schemeClr val="accent5">
-                    <a:alpha val="7000"/>
-                  </a:schemeClr>
-                </a:gs>
-                <a:gs pos="69000">
-                  <a:schemeClr val="accent5">
+                  <a:schemeClr val="accent1">
+                    <a:lumMod val="60000"/>
+                    <a:lumOff val="40000"/>
+                    <a:alpha val="10000"/>
+                  </a:schemeClr>
+                </a:gs>
+                <a:gs pos="66000">
+                  <a:schemeClr val="accent1">
+                    <a:lumMod val="60000"/>
+                    <a:lumOff val="40000"/>
                     <a:alpha val="0"/>
                   </a:schemeClr>
                 </a:gs>
-                <a:gs pos="36000">
-                  <a:schemeClr val="accent5">
-                    <a:alpha val="6000"/>
+                <a:gs pos="31000">
+                  <a:schemeClr val="accent1">
+                    <a:lumMod val="60000"/>
+                    <a:lumOff val="40000"/>
+                    <a:alpha val="5000"/>
                   </a:schemeClr>
                 </a:gs>
               </a:gsLst>
@@ -11017,101 +11956,7 @@
         </p:sp>
         <p:sp>
           <p:nvSpPr>
-            <p:cNvPr id="21" name="Oval 20"/>
-            <p:cNvSpPr/>
-            <p:nvPr/>
-          </p:nvSpPr>
-          <p:spPr>
-            <a:xfrm>
-              <a:off x="7999412" y="8464"/>
-              <a:ext cx="1600200" cy="1600200"/>
-            </a:xfrm>
-            <a:prstGeom prst="ellipse">
-              <a:avLst/>
-            </a:prstGeom>
-            <a:gradFill flip="none" rotWithShape="1">
-              <a:gsLst>
-                <a:gs pos="0">
-                  <a:schemeClr val="accent5">
-                    <a:alpha val="14000"/>
-                  </a:schemeClr>
-                </a:gs>
-                <a:gs pos="73000">
-                  <a:schemeClr val="accent5">
-                    <a:alpha val="0"/>
-                  </a:schemeClr>
-                </a:gs>
-                <a:gs pos="36000">
-                  <a:schemeClr val="accent5">
-                    <a:alpha val="7000"/>
-                  </a:schemeClr>
-                </a:gs>
-              </a:gsLst>
-              <a:path path="circle">
-                <a:fillToRect l="50000" t="50000" r="50000" b="50000"/>
-              </a:path>
-              <a:tileRect/>
-            </a:gradFill>
-            <a:ln>
-              <a:noFill/>
-            </a:ln>
-            <a:effectLst/>
-          </p:spPr>
-          <p:style>
-            <a:lnRef idx="1">
-              <a:schemeClr val="accent1"/>
-            </a:lnRef>
-            <a:fillRef idx="3">
-              <a:schemeClr val="accent1"/>
-            </a:fillRef>
-            <a:effectRef idx="2">
-              <a:schemeClr val="accent1"/>
-            </a:effectRef>
-            <a:fontRef idx="minor">
-              <a:schemeClr val="lt1"/>
-            </a:fontRef>
-          </p:style>
-        </p:sp>
-        <p:sp>
-          <p:nvSpPr>
-            <p:cNvPr id="11" name="Rectangle 10"/>
-            <p:cNvSpPr/>
-            <p:nvPr/>
-          </p:nvSpPr>
-          <p:spPr bwMode="gray">
-            <a:xfrm>
-              <a:off x="6172200" y="402165"/>
-              <a:ext cx="5596465" cy="6053670"/>
-            </a:xfrm>
-            <a:prstGeom prst="rect">
-              <a:avLst/>
-            </a:prstGeom>
-            <a:solidFill>
-              <a:schemeClr val="bg1"/>
-            </a:solidFill>
-            <a:ln>
-              <a:noFill/>
-            </a:ln>
-            <a:effectLst/>
-          </p:spPr>
-          <p:style>
-            <a:lnRef idx="1">
-              <a:schemeClr val="accent1"/>
-            </a:lnRef>
-            <a:fillRef idx="3">
-              <a:schemeClr val="accent1"/>
-            </a:fillRef>
-            <a:effectRef idx="2">
-              <a:schemeClr val="accent1"/>
-            </a:effectRef>
-            <a:fontRef idx="minor">
-              <a:schemeClr val="lt1"/>
-            </a:fontRef>
-          </p:style>
-        </p:sp>
-        <p:sp>
-          <p:nvSpPr>
-            <p:cNvPr id="22" name="Freeform 5"/>
+            <p:cNvPr id="11" name="Freeform 5"/>
             <p:cNvSpPr/>
             <p:nvPr/>
           </p:nvSpPr>
@@ -11258,7 +12103,7 @@
         </p:sp>
         <p:sp>
           <p:nvSpPr>
-            <p:cNvPr id="12" name="Freeform 5"/>
+            <p:cNvPr id="9" name="Freeform 5"/>
             <p:cNvSpPr/>
             <p:nvPr/>
           </p:nvSpPr>
@@ -11442,7 +12287,44 @@
         </p:sp>
         <p:sp>
           <p:nvSpPr>
-            <p:cNvPr id="15" name="Freeform 5"/>
+            <p:cNvPr id="8" name="Rectangle 7"/>
+            <p:cNvSpPr/>
+            <p:nvPr/>
+          </p:nvSpPr>
+          <p:spPr bwMode="gray">
+            <a:xfrm>
+              <a:off x="6172200" y="402165"/>
+              <a:ext cx="5596465" cy="6053670"/>
+            </a:xfrm>
+            <a:prstGeom prst="rect">
+              <a:avLst/>
+            </a:prstGeom>
+            <a:solidFill>
+              <a:schemeClr val="bg1"/>
+            </a:solidFill>
+            <a:ln>
+              <a:noFill/>
+            </a:ln>
+            <a:effectLst/>
+          </p:spPr>
+          <p:style>
+            <a:lnRef idx="1">
+              <a:schemeClr val="accent1"/>
+            </a:lnRef>
+            <a:fillRef idx="3">
+              <a:schemeClr val="accent1"/>
+            </a:fillRef>
+            <a:effectRef idx="2">
+              <a:schemeClr val="accent1"/>
+            </a:effectRef>
+            <a:fontRef idx="minor">
+              <a:schemeClr val="lt1"/>
+            </a:fontRef>
+          </p:style>
+        </p:sp>
+        <p:sp>
+          <p:nvSpPr>
+            <p:cNvPr id="20" name="Freeform 5"/>
             <p:cNvSpPr>
               <a:spLocks noEditPoints="1"/>
             </p:cNvSpPr>
@@ -11517,8 +12399,8 @@
         </p:nvSpPr>
         <p:spPr>
           <a:xfrm>
-            <a:off x="1154955" y="1693333"/>
-            <a:ext cx="3865134" cy="1735667"/>
+            <a:off x="1153907" y="1693332"/>
+            <a:ext cx="3860259" cy="1735668"/>
           </a:xfrm>
         </p:spPr>
         <p:txBody>
@@ -11551,8 +12433,8 @@
         </p:nvSpPr>
         <p:spPr>
           <a:xfrm>
-            <a:off x="6547870" y="1143000"/>
-            <a:ext cx="3227193" cy="4572000"/>
+            <a:off x="6547872" y="1143000"/>
+            <a:ext cx="3227192" cy="4572000"/>
           </a:xfrm>
           <a:prstGeom prst="roundRect">
             <a:avLst>
@@ -11610,9 +12492,6 @@
             </a:lvl9pPr>
           </a:lstStyle>
           <a:p>
-            <a:pPr marL="0" lvl="0" indent="0" algn="ctr">
-              <a:buNone/>
-            </a:pPr>
             <a:r>
               <a:rPr lang="en-US"/>
               <a:t>Click icon to add picture</a:t>
@@ -11633,7 +12512,7 @@
         </p:nvSpPr>
         <p:spPr bwMode="gray">
           <a:xfrm>
-            <a:off x="1154954" y="3657600"/>
+            <a:off x="1154955" y="3657600"/>
             <a:ext cx="3859212" cy="1371600"/>
           </a:xfrm>
         </p:spPr>
@@ -11646,10 +12525,7 @@
               <a:buNone/>
               <a:defRPr sz="1400">
                 <a:solidFill>
-                  <a:schemeClr val="accent1">
-                    <a:lumMod val="60000"/>
-                    <a:lumOff val="40000"/>
-                  </a:schemeClr>
+                  <a:schemeClr val="accent1"/>
                 </a:solidFill>
               </a:defRPr>
             </a:lvl1pPr>
@@ -11712,7 +12588,7 @@
           <a:p>
             <a:fld id="{336133E9-A654-4C17-8C3C-DDCAC83D6EBF}" type="datetime1">
               <a:rPr lang="en-US" smtClean="0"/>
-              <a:t>9/12/2024</a:t>
+              <a:t>10/13/2024</a:t>
             </a:fld>
             <a:endParaRPr lang="en-US"/>
           </a:p>
@@ -11739,13 +12615,13 @@
       </p:sp>
       <p:sp>
         <p:nvSpPr>
-          <p:cNvPr id="16" name="Rectangle 15"/>
+          <p:cNvPr id="15" name="Rectangle 14"/>
           <p:cNvSpPr/>
           <p:nvPr/>
         </p:nvSpPr>
         <p:spPr>
           <a:xfrm>
-            <a:off x="10437812" y="0"/>
+            <a:off x="10443728" y="0"/>
             <a:ext cx="685800" cy="1143000"/>
           </a:xfrm>
           <a:prstGeom prst="rect">
@@ -11799,7 +12675,7 @@
     </p:spTree>
     <p:extLst>
       <p:ext uri="{BB962C8B-B14F-4D97-AF65-F5344CB8AC3E}">
-        <p14:creationId xmlns:p14="http://schemas.microsoft.com/office/powerpoint/2010/main" val="4221492156"/>
+        <p14:creationId xmlns:p14="http://schemas.microsoft.com/office/powerpoint/2010/main" val="2602709654"/>
       </p:ext>
     </p:extLst>
   </p:cSld>
@@ -11813,9 +12689,14 @@
 <p:sldMaster xmlns:a="http://schemas.openxmlformats.org/drawingml/2006/main" xmlns:r="http://schemas.openxmlformats.org/officeDocument/2006/relationships" xmlns:p="http://schemas.openxmlformats.org/presentationml/2006/main">
   <p:cSld>
     <p:bg>
-      <p:bgRef idx="1001">
-        <a:schemeClr val="bg1"/>
-      </p:bgRef>
+      <p:bgPr>
+        <a:solidFill>
+          <a:schemeClr val="bg1">
+            <a:alpha val="71000"/>
+          </a:schemeClr>
+        </a:solidFill>
+        <a:effectLst/>
+      </p:bgPr>
     </p:bg>
     <p:spTree>
       <p:nvGrpSpPr>
@@ -11847,7 +12728,7 @@
         </p:grpSpPr>
         <p:sp>
           <p:nvSpPr>
-            <p:cNvPr id="7" name="Rectangle 6"/>
+            <p:cNvPr id="15" name="Rectangle 14"/>
             <p:cNvSpPr/>
             <p:nvPr/>
           </p:nvSpPr>
@@ -11863,15 +12744,14 @@
               <a:blip r:embed="rId19">
                 <a:duotone>
                   <a:schemeClr val="dk2">
-                    <a:shade val="69000"/>
-                    <a:hueMod val="91000"/>
-                    <a:satMod val="164000"/>
-                    <a:lumMod val="74000"/>
+                    <a:shade val="42000"/>
+                    <a:hueMod val="42000"/>
+                    <a:satMod val="124000"/>
+                    <a:lumMod val="62000"/>
                   </a:schemeClr>
                   <a:schemeClr val="dk2">
-                    <a:hueMod val="124000"/>
-                    <a:satMod val="140000"/>
-                    <a:lumMod val="142000"/>
+                    <a:tint val="96000"/>
+                    <a:satMod val="130000"/>
                   </a:schemeClr>
                 </a:duotone>
               </a:blip>
@@ -11902,14 +12782,14 @@
         </p:sp>
         <p:sp>
           <p:nvSpPr>
-            <p:cNvPr id="13" name="Oval 12"/>
+            <p:cNvPr id="41" name="Oval 40"/>
             <p:cNvSpPr/>
             <p:nvPr/>
           </p:nvSpPr>
           <p:spPr>
             <a:xfrm>
-              <a:off x="0" y="2667000"/>
-              <a:ext cx="4191000" cy="4191000"/>
+              <a:off x="8609012" y="5867400"/>
+              <a:ext cx="990600" cy="990600"/>
             </a:xfrm>
             <a:prstGeom prst="ellipse">
               <a:avLst/>
@@ -11918,17 +12798,17 @@
               <a:gsLst>
                 <a:gs pos="0">
                   <a:schemeClr val="accent5">
-                    <a:alpha val="11000"/>
-                  </a:schemeClr>
-                </a:gs>
-                <a:gs pos="75000">
+                    <a:alpha val="14000"/>
+                  </a:schemeClr>
+                </a:gs>
+                <a:gs pos="66000">
                   <a:schemeClr val="accent5">
                     <a:alpha val="0"/>
                   </a:schemeClr>
                 </a:gs>
                 <a:gs pos="36000">
                   <a:schemeClr val="accent5">
-                    <a:alpha val="10000"/>
+                    <a:alpha val="7000"/>
                   </a:schemeClr>
                 </a:gs>
               </a:gsLst>
@@ -11959,7 +12839,127 @@
         </p:sp>
         <p:sp>
           <p:nvSpPr>
-            <p:cNvPr id="15" name="Oval 14"/>
+            <p:cNvPr id="39" name="Oval 38"/>
+            <p:cNvSpPr/>
+            <p:nvPr/>
+          </p:nvSpPr>
+          <p:spPr>
+            <a:xfrm>
+              <a:off x="8609012" y="1676400"/>
+              <a:ext cx="2819400" cy="2819400"/>
+            </a:xfrm>
+            <a:prstGeom prst="ellipse">
+              <a:avLst/>
+            </a:prstGeom>
+            <a:gradFill flip="none" rotWithShape="1">
+              <a:gsLst>
+                <a:gs pos="0">
+                  <a:schemeClr val="accent5">
+                    <a:alpha val="7000"/>
+                  </a:schemeClr>
+                </a:gs>
+                <a:gs pos="69000">
+                  <a:schemeClr val="accent5">
+                    <a:alpha val="0"/>
+                  </a:schemeClr>
+                </a:gs>
+                <a:gs pos="36000">
+                  <a:schemeClr val="accent5">
+                    <a:alpha val="6000"/>
+                  </a:schemeClr>
+                </a:gs>
+              </a:gsLst>
+              <a:path path="circle">
+                <a:fillToRect l="50000" t="50000" r="50000" b="50000"/>
+              </a:path>
+              <a:tileRect/>
+            </a:gradFill>
+            <a:ln>
+              <a:noFill/>
+            </a:ln>
+            <a:effectLst/>
+          </p:spPr>
+          <p:style>
+            <a:lnRef idx="1">
+              <a:schemeClr val="accent1"/>
+            </a:lnRef>
+            <a:fillRef idx="3">
+              <a:schemeClr val="accent1"/>
+            </a:fillRef>
+            <a:effectRef idx="2">
+              <a:schemeClr val="accent1"/>
+            </a:effectRef>
+            <a:fontRef idx="minor">
+              <a:schemeClr val="lt1"/>
+            </a:fontRef>
+          </p:style>
+        </p:sp>
+        <p:sp>
+          <p:nvSpPr>
+            <p:cNvPr id="17" name="Oval 16"/>
+            <p:cNvSpPr/>
+            <p:nvPr/>
+          </p:nvSpPr>
+          <p:spPr>
+            <a:xfrm>
+              <a:off x="7999412" y="1587"/>
+              <a:ext cx="1600200" cy="1600200"/>
+            </a:xfrm>
+            <a:prstGeom prst="ellipse">
+              <a:avLst/>
+            </a:prstGeom>
+            <a:gradFill flip="none" rotWithShape="1">
+              <a:gsLst>
+                <a:gs pos="0">
+                  <a:schemeClr val="accent1">
+                    <a:lumMod val="60000"/>
+                    <a:lumOff val="40000"/>
+                    <a:alpha val="14000"/>
+                  </a:schemeClr>
+                </a:gs>
+                <a:gs pos="73000">
+                  <a:schemeClr val="accent1">
+                    <a:lumMod val="60000"/>
+                    <a:lumOff val="40000"/>
+                    <a:alpha val="0"/>
+                  </a:schemeClr>
+                </a:gs>
+                <a:gs pos="36000">
+                  <a:schemeClr val="accent1">
+                    <a:lumMod val="60000"/>
+                    <a:lumOff val="40000"/>
+                    <a:alpha val="7000"/>
+                  </a:schemeClr>
+                </a:gs>
+              </a:gsLst>
+              <a:path path="circle">
+                <a:fillToRect l="50000" t="50000" r="50000" b="50000"/>
+              </a:path>
+              <a:tileRect/>
+            </a:gradFill>
+            <a:ln>
+              <a:noFill/>
+            </a:ln>
+            <a:effectLst/>
+          </p:spPr>
+          <p:style>
+            <a:lnRef idx="1">
+              <a:schemeClr val="accent1"/>
+            </a:lnRef>
+            <a:fillRef idx="3">
+              <a:schemeClr val="accent1"/>
+            </a:fillRef>
+            <a:effectRef idx="2">
+              <a:schemeClr val="accent1"/>
+            </a:effectRef>
+            <a:fontRef idx="minor">
+              <a:schemeClr val="lt1"/>
+            </a:fontRef>
+          </p:style>
+        </p:sp>
+        <p:sp>
+          <p:nvSpPr>
+            <p:cNvPr id="38" name="Oval 37"/>
             <p:cNvSpPr/>
             <p:nvPr/>
           </p:nvSpPr>
@@ -12016,14 +13016,14 @@
         </p:sp>
         <p:sp>
           <p:nvSpPr>
-            <p:cNvPr id="18" name="Oval 17"/>
+            <p:cNvPr id="49" name="Oval 48"/>
             <p:cNvSpPr/>
             <p:nvPr/>
           </p:nvSpPr>
           <p:spPr>
             <a:xfrm>
-              <a:off x="8609012" y="5867400"/>
-              <a:ext cx="990600" cy="990600"/>
+              <a:off x="0" y="2667000"/>
+              <a:ext cx="4191000" cy="4191000"/>
             </a:xfrm>
             <a:prstGeom prst="ellipse">
               <a:avLst/>
@@ -12031,18 +13031,24 @@
             <a:gradFill flip="none" rotWithShape="1">
               <a:gsLst>
                 <a:gs pos="0">
-                  <a:schemeClr val="accent5">
-                    <a:alpha val="14000"/>
-                  </a:schemeClr>
-                </a:gs>
-                <a:gs pos="66000">
-                  <a:schemeClr val="accent5">
+                  <a:schemeClr val="accent1">
+                    <a:lumMod val="60000"/>
+                    <a:lumOff val="40000"/>
+                    <a:alpha val="11000"/>
+                  </a:schemeClr>
+                </a:gs>
+                <a:gs pos="75000">
+                  <a:schemeClr val="accent1">
+                    <a:lumMod val="60000"/>
+                    <a:lumOff val="40000"/>
                     <a:alpha val="0"/>
                   </a:schemeClr>
                 </a:gs>
                 <a:gs pos="36000">
-                  <a:schemeClr val="accent5">
-                    <a:alpha val="7000"/>
+                  <a:schemeClr val="accent1">
+                    <a:lumMod val="60000"/>
+                    <a:lumOff val="40000"/>
+                    <a:alpha val="10000"/>
                   </a:schemeClr>
                 </a:gs>
               </a:gsLst>
@@ -12073,14 +13079,14 @@
         </p:sp>
         <p:sp>
           <p:nvSpPr>
-            <p:cNvPr id="16" name="Oval 15"/>
+            <p:cNvPr id="18" name="Oval 17"/>
             <p:cNvSpPr/>
             <p:nvPr/>
           </p:nvSpPr>
           <p:spPr>
             <a:xfrm>
-              <a:off x="8609012" y="1676400"/>
-              <a:ext cx="2819400" cy="2819400"/>
+              <a:off x="8609012" y="5865239"/>
+              <a:ext cx="990600" cy="990600"/>
             </a:xfrm>
             <a:prstGeom prst="ellipse">
               <a:avLst/>
@@ -12088,18 +13094,24 @@
             <a:gradFill flip="none" rotWithShape="1">
               <a:gsLst>
                 <a:gs pos="0">
-                  <a:schemeClr val="accent5">
-                    <a:alpha val="7000"/>
-                  </a:schemeClr>
-                </a:gs>
-                <a:gs pos="69000">
-                  <a:schemeClr val="accent5">
+                  <a:schemeClr val="accent1">
+                    <a:lumMod val="60000"/>
+                    <a:lumOff val="40000"/>
+                    <a:alpha val="10000"/>
+                  </a:schemeClr>
+                </a:gs>
+                <a:gs pos="66000">
+                  <a:schemeClr val="accent1">
+                    <a:lumMod val="60000"/>
+                    <a:lumOff val="40000"/>
                     <a:alpha val="0"/>
                   </a:schemeClr>
                 </a:gs>
-                <a:gs pos="36000">
-                  <a:schemeClr val="accent5">
-                    <a:alpha val="6000"/>
+                <a:gs pos="31000">
+                  <a:schemeClr val="accent1">
+                    <a:lumMod val="60000"/>
+                    <a:lumOff val="40000"/>
+                    <a:alpha val="5000"/>
                   </a:schemeClr>
                 </a:gs>
               </a:gsLst>
@@ -12130,64 +13142,7 @@
         </p:sp>
         <p:sp>
           <p:nvSpPr>
-            <p:cNvPr id="17" name="Oval 16"/>
-            <p:cNvSpPr/>
-            <p:nvPr/>
-          </p:nvSpPr>
-          <p:spPr>
-            <a:xfrm>
-              <a:off x="7999412" y="8464"/>
-              <a:ext cx="1600200" cy="1600200"/>
-            </a:xfrm>
-            <a:prstGeom prst="ellipse">
-              <a:avLst/>
-            </a:prstGeom>
-            <a:gradFill flip="none" rotWithShape="1">
-              <a:gsLst>
-                <a:gs pos="0">
-                  <a:schemeClr val="accent5">
-                    <a:alpha val="14000"/>
-                  </a:schemeClr>
-                </a:gs>
-                <a:gs pos="73000">
-                  <a:schemeClr val="accent5">
-                    <a:alpha val="0"/>
-                  </a:schemeClr>
-                </a:gs>
-                <a:gs pos="36000">
-                  <a:schemeClr val="accent5">
-                    <a:alpha val="7000"/>
-                  </a:schemeClr>
-                </a:gs>
-              </a:gsLst>
-              <a:path path="circle">
-                <a:fillToRect l="50000" t="50000" r="50000" b="50000"/>
-              </a:path>
-              <a:tileRect/>
-            </a:gradFill>
-            <a:ln>
-              <a:noFill/>
-            </a:ln>
-            <a:effectLst/>
-          </p:spPr>
-          <p:style>
-            <a:lnRef idx="1">
-              <a:schemeClr val="accent1"/>
-            </a:lnRef>
-            <a:fillRef idx="3">
-              <a:schemeClr val="accent1"/>
-            </a:fillRef>
-            <a:effectRef idx="2">
-              <a:schemeClr val="accent1"/>
-            </a:effectRef>
-            <a:fontRef idx="minor">
-              <a:schemeClr val="lt1"/>
-            </a:fontRef>
-          </p:style>
-        </p:sp>
-        <p:sp>
-          <p:nvSpPr>
-            <p:cNvPr id="20" name="Freeform 5"/>
+            <p:cNvPr id="21" name="Freeform 5"/>
             <p:cNvSpPr/>
             <p:nvPr/>
           </p:nvSpPr>
@@ -12334,7 +13289,7 @@
         </p:sp>
         <p:sp>
           <p:nvSpPr>
-            <p:cNvPr id="19" name="Freeform 5"/>
+            <p:cNvPr id="16" name="Freeform 5"/>
             <p:cNvSpPr/>
             <p:nvPr/>
           </p:nvSpPr>
@@ -12518,7 +13473,7 @@
         </p:sp>
         <p:sp>
           <p:nvSpPr>
-            <p:cNvPr id="14" name="Freeform 5"/>
+            <p:cNvPr id="19" name="Freeform 5"/>
             <p:cNvSpPr>
               <a:spLocks noEditPoints="1"/>
             </p:cNvSpPr>
@@ -12593,8 +13548,8 @@
         </p:nvSpPr>
         <p:spPr bwMode="gray">
           <a:xfrm>
-            <a:off x="1154954" y="973668"/>
-            <a:ext cx="8761413" cy="706964"/>
+            <a:off x="1154954" y="947920"/>
+            <a:ext cx="8761413" cy="728480"/>
           </a:xfrm>
           <a:prstGeom prst="rect">
             <a:avLst/>
@@ -12678,6 +13633,41 @@
       </p:sp>
       <p:sp>
         <p:nvSpPr>
+          <p:cNvPr id="5" name="Footer Placeholder 4"/>
+          <p:cNvSpPr>
+            <a:spLocks noGrp="1"/>
+          </p:cNvSpPr>
+          <p:nvPr>
+            <p:ph type="ftr" sz="quarter" idx="3"/>
+          </p:nvPr>
+        </p:nvSpPr>
+        <p:spPr>
+          <a:xfrm>
+            <a:off x="561110" y="6391839"/>
+            <a:ext cx="3859795" cy="304801"/>
+          </a:xfrm>
+          <a:prstGeom prst="rect">
+            <a:avLst/>
+          </a:prstGeom>
+        </p:spPr>
+        <p:txBody>
+          <a:bodyPr vert="horz" lIns="91440" tIns="45720" rIns="91440" bIns="45720" rtlCol="0" anchor="ctr"/>
+          <a:lstStyle>
+            <a:lvl1pPr algn="l">
+              <a:defRPr sz="1000" b="1" i="0">
+                <a:solidFill>
+                  <a:schemeClr val="accent1"/>
+                </a:solidFill>
+              </a:defRPr>
+            </a:lvl1pPr>
+          </a:lstStyle>
+          <a:p>
+            <a:endParaRPr lang="en-US"/>
+          </a:p>
+        </p:txBody>
+      </p:sp>
+      <p:sp>
+        <p:nvSpPr>
           <p:cNvPr id="4" name="Date Placeholder 3"/>
           <p:cNvSpPr>
             <a:spLocks noGrp="1"/>
@@ -12688,7 +13678,7 @@
         </p:nvSpPr>
         <p:spPr>
           <a:xfrm>
-            <a:off x="10653104" y="6391838"/>
+            <a:off x="10650938" y="6394407"/>
             <a:ext cx="990599" cy="304799"/>
           </a:xfrm>
           <a:prstGeom prst="rect">
@@ -12709,7 +13699,7 @@
           <a:p>
             <a:fld id="{8769D389-4C4C-4FD7-9E6B-9F44477F0EB8}" type="datetime1">
               <a:rPr lang="en-US" smtClean="0"/>
-              <a:t>9/12/2024</a:t>
+              <a:t>10/13/2024</a:t>
             </a:fld>
             <a:endParaRPr lang="en-US" dirty="0"/>
           </a:p>
@@ -12717,48 +13707,13 @@
       </p:sp>
       <p:sp>
         <p:nvSpPr>
-          <p:cNvPr id="5" name="Footer Placeholder 4"/>
-          <p:cNvSpPr>
-            <a:spLocks noGrp="1"/>
-          </p:cNvSpPr>
-          <p:nvPr>
-            <p:ph type="ftr" sz="quarter" idx="3"/>
-          </p:nvPr>
-        </p:nvSpPr>
-        <p:spPr>
-          <a:xfrm>
-            <a:off x="561110" y="6391838"/>
-            <a:ext cx="3859795" cy="304801"/>
-          </a:xfrm>
-          <a:prstGeom prst="rect">
-            <a:avLst/>
-          </a:prstGeom>
-        </p:spPr>
-        <p:txBody>
-          <a:bodyPr vert="horz" lIns="91440" tIns="45720" rIns="91440" bIns="45720" rtlCol="0" anchor="ctr"/>
-          <a:lstStyle>
-            <a:lvl1pPr algn="l">
-              <a:defRPr sz="1000" b="1" i="0">
-                <a:solidFill>
-                  <a:schemeClr val="accent1"/>
-                </a:solidFill>
-              </a:defRPr>
-            </a:lvl1pPr>
-          </a:lstStyle>
-          <a:p>
-            <a:endParaRPr lang="en-US"/>
-          </a:p>
-        </p:txBody>
-      </p:sp>
-      <p:sp>
-        <p:nvSpPr>
-          <p:cNvPr id="21" name="Rectangle 20"/>
+          <p:cNvPr id="20" name="Rectangle 19"/>
           <p:cNvSpPr/>
           <p:nvPr/>
         </p:nvSpPr>
         <p:spPr>
           <a:xfrm>
-            <a:off x="10437812" y="0"/>
+            <a:off x="10443728" y="0"/>
             <a:ext cx="685800" cy="1143000"/>
           </a:xfrm>
           <a:prstGeom prst="rect">
@@ -12828,29 +13783,29 @@
     </p:spTree>
     <p:extLst>
       <p:ext uri="{BB962C8B-B14F-4D97-AF65-F5344CB8AC3E}">
-        <p14:creationId xmlns:p14="http://schemas.microsoft.com/office/powerpoint/2010/main" val="1536415736"/>
+        <p14:creationId xmlns:p14="http://schemas.microsoft.com/office/powerpoint/2010/main" val="644460181"/>
       </p:ext>
     </p:extLst>
   </p:cSld>
   <p:clrMap bg1="lt1" tx1="dk1" bg2="lt2" tx2="dk2" accent1="accent1" accent2="accent2" accent3="accent3" accent4="accent4" accent5="accent5" accent6="accent6" hlink="hlink" folHlink="folHlink"/>
   <p:sldLayoutIdLst>
-    <p:sldLayoutId id="2147483831" r:id="rId1"/>
-    <p:sldLayoutId id="2147483832" r:id="rId2"/>
-    <p:sldLayoutId id="2147483833" r:id="rId3"/>
-    <p:sldLayoutId id="2147483834" r:id="rId4"/>
-    <p:sldLayoutId id="2147483835" r:id="rId5"/>
-    <p:sldLayoutId id="2147483836" r:id="rId6"/>
-    <p:sldLayoutId id="2147483837" r:id="rId7"/>
-    <p:sldLayoutId id="2147483838" r:id="rId8"/>
-    <p:sldLayoutId id="2147483839" r:id="rId9"/>
-    <p:sldLayoutId id="2147483840" r:id="rId10"/>
-    <p:sldLayoutId id="2147483841" r:id="rId11"/>
-    <p:sldLayoutId id="2147483842" r:id="rId12"/>
-    <p:sldLayoutId id="2147483843" r:id="rId13"/>
-    <p:sldLayoutId id="2147483844" r:id="rId14"/>
-    <p:sldLayoutId id="2147483845" r:id="rId15"/>
-    <p:sldLayoutId id="2147483846" r:id="rId16"/>
-    <p:sldLayoutId id="2147483847" r:id="rId17"/>
+    <p:sldLayoutId id="2147483849" r:id="rId1"/>
+    <p:sldLayoutId id="2147483850" r:id="rId2"/>
+    <p:sldLayoutId id="2147483851" r:id="rId3"/>
+    <p:sldLayoutId id="2147483852" r:id="rId4"/>
+    <p:sldLayoutId id="2147483853" r:id="rId5"/>
+    <p:sldLayoutId id="2147483854" r:id="rId6"/>
+    <p:sldLayoutId id="2147483855" r:id="rId7"/>
+    <p:sldLayoutId id="2147483856" r:id="rId8"/>
+    <p:sldLayoutId id="2147483857" r:id="rId9"/>
+    <p:sldLayoutId id="2147483858" r:id="rId10"/>
+    <p:sldLayoutId id="2147483859" r:id="rId11"/>
+    <p:sldLayoutId id="2147483860" r:id="rId12"/>
+    <p:sldLayoutId id="2147483861" r:id="rId13"/>
+    <p:sldLayoutId id="2147483862" r:id="rId14"/>
+    <p:sldLayoutId id="2147483863" r:id="rId15"/>
+    <p:sldLayoutId id="2147483864" r:id="rId16"/>
+    <p:sldLayoutId id="2147483865" r:id="rId17"/>
   </p:sldLayoutIdLst>
   <p:hf sldNum="0" hdr="0" ftr="0" dt="0"/>
   <p:txStyles>
@@ -13255,14 +14210,6 @@
 <file path=ppt/slides/slide1.xml><?xml version="1.0" encoding="utf-8"?>
 <p:sld xmlns:a="http://schemas.openxmlformats.org/drawingml/2006/main" xmlns:r="http://schemas.openxmlformats.org/officeDocument/2006/relationships" xmlns:p="http://schemas.openxmlformats.org/presentationml/2006/main">
   <p:cSld>
-    <p:bg>
-      <p:bgPr>
-        <a:solidFill>
-          <a:schemeClr val="bg1"/>
-        </a:solidFill>
-        <a:effectLst/>
-      </p:bgPr>
-    </p:bg>
     <p:spTree>
       <p:nvGrpSpPr>
         <p:cNvPr id="1" name=""/>
@@ -13277,124 +14224,6 @@
           <a:chExt cx="0" cy="0"/>
         </a:xfrm>
       </p:grpSpPr>
-      <p:sp>
-        <p:nvSpPr>
-          <p:cNvPr id="7" name="Rectangle 6">
-            <a:extLst>
-              <a:ext uri="{FF2B5EF4-FFF2-40B4-BE49-F238E27FC236}">
-                <a16:creationId xmlns:a16="http://schemas.microsoft.com/office/drawing/2014/main" id="{712E451E-151A-4910-BF41-6A040B65982B}"/>
-              </a:ext>
-              <a:ext uri="{C183D7F6-B498-43B3-948B-1728B52AA6E4}">
-                <adec:decorative xmlns:adec="http://schemas.microsoft.com/office/drawing/2017/decorative" val="1"/>
-              </a:ext>
-            </a:extLst>
-          </p:cNvPr>
-          <p:cNvSpPr>
-            <a:spLocks noGrp="1" noRot="1" noChangeAspect="1" noMove="1" noResize="1" noEditPoints="1" noAdjustHandles="1" noChangeArrowheads="1" noChangeShapeType="1" noTextEdit="1"/>
-          </p:cNvSpPr>
-          <p:nvPr>
-            <p:extLst>
-              <p:ext uri="{386F3935-93C4-4BCD-93E2-E3B085C9AB24}">
-                <p16:designElem xmlns:p16="http://schemas.microsoft.com/office/powerpoint/2015/main" val="1"/>
-              </p:ext>
-            </p:extLst>
-          </p:nvPr>
-        </p:nvSpPr>
-        <p:spPr>
-          <a:xfrm>
-            <a:off x="0" y="0"/>
-            <a:ext cx="12192000" cy="6858000"/>
-          </a:xfrm>
-          <a:prstGeom prst="rect">
-            <a:avLst/>
-          </a:prstGeom>
-          <a:ln>
-            <a:noFill/>
-          </a:ln>
-        </p:spPr>
-        <p:style>
-          <a:lnRef idx="2">
-            <a:schemeClr val="accent1">
-              <a:shade val="50000"/>
-            </a:schemeClr>
-          </a:lnRef>
-          <a:fillRef idx="1002">
-            <a:schemeClr val="dk2"/>
-          </a:fillRef>
-          <a:effectRef idx="0">
-            <a:schemeClr val="accent1"/>
-          </a:effectRef>
-          <a:fontRef idx="minor">
-            <a:schemeClr val="lt1"/>
-          </a:fontRef>
-        </p:style>
-        <p:txBody>
-          <a:bodyPr rtlCol="0" anchor="ctr"/>
-          <a:lstStyle/>
-          <a:p>
-            <a:pPr algn="ctr"/>
-            <a:endParaRPr lang="en-US"/>
-          </a:p>
-        </p:txBody>
-      </p:sp>
-      <p:sp useBgFill="1">
-        <p:nvSpPr>
-          <p:cNvPr id="9" name="Rectangle 8">
-            <a:extLst>
-              <a:ext uri="{FF2B5EF4-FFF2-40B4-BE49-F238E27FC236}">
-                <a16:creationId xmlns:a16="http://schemas.microsoft.com/office/drawing/2014/main" id="{C296EFE4-A70C-4388-9A15-3F657B6615FD}"/>
-              </a:ext>
-              <a:ext uri="{C183D7F6-B498-43B3-948B-1728B52AA6E4}">
-                <adec:decorative xmlns:adec="http://schemas.microsoft.com/office/drawing/2017/decorative" val="1"/>
-              </a:ext>
-            </a:extLst>
-          </p:cNvPr>
-          <p:cNvSpPr>
-            <a:spLocks noGrp="1" noRot="1" noChangeAspect="1" noMove="1" noResize="1" noEditPoints="1" noAdjustHandles="1" noChangeArrowheads="1" noChangeShapeType="1" noTextEdit="1"/>
-          </p:cNvSpPr>
-          <p:nvPr>
-            <p:extLst>
-              <p:ext uri="{386F3935-93C4-4BCD-93E2-E3B085C9AB24}">
-                <p16:designElem xmlns:p16="http://schemas.microsoft.com/office/powerpoint/2015/main" val="1"/>
-              </p:ext>
-            </p:extLst>
-          </p:nvPr>
-        </p:nvSpPr>
-        <p:spPr>
-          <a:xfrm>
-            <a:off x="476250" y="473745"/>
-            <a:ext cx="11227090" cy="5902829"/>
-          </a:xfrm>
-          <a:prstGeom prst="rect">
-            <a:avLst/>
-          </a:prstGeom>
-          <a:ln>
-            <a:noFill/>
-          </a:ln>
-          <a:effectLst/>
-        </p:spPr>
-        <p:style>
-          <a:lnRef idx="1">
-            <a:schemeClr val="accent1"/>
-          </a:lnRef>
-          <a:fillRef idx="3">
-            <a:schemeClr val="accent1"/>
-          </a:fillRef>
-          <a:effectRef idx="2">
-            <a:schemeClr val="accent1"/>
-          </a:effectRef>
-          <a:fontRef idx="minor">
-            <a:schemeClr val="lt1"/>
-          </a:fontRef>
-        </p:style>
-        <p:txBody>
-          <a:bodyPr/>
-          <a:lstStyle/>
-          <a:p>
-            <a:endParaRPr lang="en-US"/>
-          </a:p>
-        </p:txBody>
-      </p:sp>
       <p:sp>
         <p:nvSpPr>
           <p:cNvPr id="2" name="Title 1">
@@ -13416,6 +14245,9 @@
             <a:off x="1199405" y="2099733"/>
             <a:ext cx="8825658" cy="2677648"/>
           </a:xfrm>
+          <a:ln>
+            <a:noFill/>
+          </a:ln>
         </p:spPr>
         <p:txBody>
           <a:bodyPr>
@@ -13424,21 +14256,22 @@
           <a:lstStyle/>
           <a:p>
             <a:r>
-              <a:rPr lang="en-US">
-                <a:ln w="22225">
-                  <a:solidFill>
-                    <a:schemeClr val="tx1"/>
-                  </a:solidFill>
-                  <a:miter lim="800000"/>
-                </a:ln>
+              <a:rPr lang="en-US" dirty="0"/>
+              <a:t>The Journey Of Transformation</a:t>
+            </a:r>
+            <a:endParaRPr lang="en-US" dirty="0">
+              <a:ln w="22225">
                 <a:solidFill>
-                  <a:schemeClr val="tx2">
-                    <a:lumMod val="75000"/>
-                  </a:schemeClr>
+                  <a:schemeClr val="tx1"/>
                 </a:solidFill>
-              </a:rPr>
-              <a:t>The Journey of Transformation</a:t>
-            </a:r>
+                <a:miter lim="800000"/>
+              </a:ln>
+              <a:solidFill>
+                <a:schemeClr val="bg1">
+                  <a:lumMod val="95000"/>
+                </a:schemeClr>
+              </a:solidFill>
+            </a:endParaRPr>
           </a:p>
         </p:txBody>
       </p:sp>
@@ -13460,7 +14293,7 @@
         </p:nvSpPr>
         <p:spPr>
           <a:xfrm>
-            <a:off x="1154955" y="4777380"/>
+            <a:off x="1271686" y="4777381"/>
             <a:ext cx="8825658" cy="861420"/>
           </a:xfrm>
         </p:spPr>
@@ -13471,85 +14304,31 @@
           <a:lstStyle/>
           <a:p>
             <a:r>
-              <a:rPr lang="en-US" b="1">
+              <a:rPr lang="en-US" b="1" dirty="0">
                 <a:solidFill>
-                  <a:schemeClr val="tx2"/>
+                  <a:schemeClr val="accent2">
+                    <a:lumMod val="60000"/>
+                    <a:lumOff val="40000"/>
+                  </a:schemeClr>
                 </a:solidFill>
               </a:rPr>
               <a:t>How Data Analysts Helped Supermarket Managers Across Three Cities</a:t>
             </a:r>
-            <a:endParaRPr lang="en-US">
+            <a:endParaRPr lang="en-US" dirty="0">
+              <a:solidFill>
+                <a:schemeClr val="accent2">
+                  <a:lumMod val="60000"/>
+                  <a:lumOff val="40000"/>
+                </a:schemeClr>
+              </a:solidFill>
+            </a:endParaRPr>
+          </a:p>
+          <a:p>
+            <a:endParaRPr lang="en-US" dirty="0">
               <a:solidFill>
                 <a:schemeClr val="tx2"/>
               </a:solidFill>
             </a:endParaRPr>
-          </a:p>
-          <a:p>
-            <a:endParaRPr lang="en-US">
-              <a:solidFill>
-                <a:schemeClr val="tx2"/>
-              </a:solidFill>
-            </a:endParaRPr>
-          </a:p>
-        </p:txBody>
-      </p:sp>
-      <p:sp>
-        <p:nvSpPr>
-          <p:cNvPr id="13" name="Rectangle 12">
-            <a:extLst>
-              <a:ext uri="{FF2B5EF4-FFF2-40B4-BE49-F238E27FC236}">
-                <a16:creationId xmlns:a16="http://schemas.microsoft.com/office/drawing/2014/main" id="{425EBAFC-9388-432A-BCFD-EEA2F410D8EC}"/>
-              </a:ext>
-              <a:ext uri="{C183D7F6-B498-43B3-948B-1728B52AA6E4}">
-                <adec:decorative xmlns:adec="http://schemas.microsoft.com/office/drawing/2017/decorative" val="1"/>
-              </a:ext>
-            </a:extLst>
-          </p:cNvPr>
-          <p:cNvSpPr>
-            <a:spLocks noGrp="1" noRot="1" noChangeAspect="1" noMove="1" noResize="1" noEditPoints="1" noAdjustHandles="1" noChangeArrowheads="1" noChangeShapeType="1" noTextEdit="1"/>
-          </p:cNvSpPr>
-          <p:nvPr>
-            <p:extLst>
-              <p:ext uri="{386F3935-93C4-4BCD-93E2-E3B085C9AB24}">
-                <p16:designElem xmlns:p16="http://schemas.microsoft.com/office/powerpoint/2015/main" val="1"/>
-              </p:ext>
-            </p:extLst>
-          </p:nvPr>
-        </p:nvSpPr>
-        <p:spPr>
-          <a:xfrm>
-            <a:off x="10437812" y="0"/>
-            <a:ext cx="685800" cy="1143000"/>
-          </a:xfrm>
-          <a:prstGeom prst="rect">
-            <a:avLst/>
-          </a:prstGeom>
-          <a:solidFill>
-            <a:schemeClr val="accent1"/>
-          </a:solidFill>
-          <a:ln>
-            <a:noFill/>
-          </a:ln>
-        </p:spPr>
-        <p:style>
-          <a:lnRef idx="1">
-            <a:schemeClr val="accent1"/>
-          </a:lnRef>
-          <a:fillRef idx="3">
-            <a:schemeClr val="accent1"/>
-          </a:fillRef>
-          <a:effectRef idx="2">
-            <a:schemeClr val="accent1"/>
-          </a:effectRef>
-          <a:fontRef idx="minor">
-            <a:schemeClr val="lt1"/>
-          </a:fontRef>
-        </p:style>
-        <p:txBody>
-          <a:bodyPr/>
-          <a:lstStyle/>
-          <a:p>
-            <a:endParaRPr lang="en-US"/>
           </a:p>
         </p:txBody>
       </p:sp>
@@ -13708,14 +14487,6 @@
 <file path=ppt/slides/slide2.xml><?xml version="1.0" encoding="utf-8"?>
 <p:sld xmlns:a="http://schemas.openxmlformats.org/drawingml/2006/main" xmlns:r="http://schemas.openxmlformats.org/officeDocument/2006/relationships" xmlns:p="http://schemas.openxmlformats.org/presentationml/2006/main">
   <p:cSld>
-    <p:bg>
-      <p:bgPr>
-        <a:solidFill>
-          <a:schemeClr val="bg1"/>
-        </a:solidFill>
-        <a:effectLst/>
-      </p:bgPr>
-    </p:bg>
     <p:spTree>
       <p:nvGrpSpPr>
         <p:cNvPr id="1" name=""/>
@@ -13748,7 +14519,7 @@
         </p:nvSpPr>
         <p:spPr>
           <a:xfrm>
-            <a:off x="808638" y="386930"/>
+            <a:off x="793660" y="552300"/>
             <a:ext cx="9236700" cy="1188950"/>
           </a:xfrm>
         </p:spPr>
@@ -13759,7 +14530,7 @@
           <a:lstStyle/>
           <a:p>
             <a:r>
-              <a:rPr lang="en-US" sz="5400"/>
+              <a:rPr lang="en-US" sz="5400" dirty="0"/>
               <a:t>The Challenge Begins</a:t>
             </a:r>
           </a:p>
@@ -13789,23 +14560,23 @@
         </p:spPr>
         <p:txBody>
           <a:bodyPr anchor="ctr">
-            <a:normAutofit lnSpcReduction="10000"/>
+            <a:normAutofit/>
           </a:bodyPr>
           <a:lstStyle/>
           <a:p>
             <a:r>
-              <a:rPr lang="en-US" sz="2400"/>
-              <a:t>In a bustling city, there was a supermarket with three major branches—one in Yangon, one in Mandalay, and one in Bago. Each branch had its own manager: Maya in Yangon, Raj in Mandalay, and Nina in Bago. While each branch was successful in its own right, the managers knew there was potential to be unlocked if they could better understand their sales data.</a:t>
-            </a:r>
-          </a:p>
-          <a:p>
-            <a:r>
-              <a:rPr lang="en-US" sz="2400"/>
+              <a:rPr lang="en-US" sz="2200" dirty="0"/>
+              <a:t>there was a supermarket with three major branches—one in Yangon, one in Mandalay, and one in Naypyitaw. Each branch had its own manager: Maya in Yangon, Raj in Mandalay, and Nina in Naypyitaw. While each branch was successful, the managers knew there was potential to be unlocked if they could better understand their sales data.</a:t>
+            </a:r>
+          </a:p>
+          <a:p>
+            <a:r>
+              <a:rPr lang="en-US" sz="2200" dirty="0"/>
               <a:t>They reached out to a team of data analysts for help. That’s where our story begins, as we embarked on a journey to unravel the secrets hidden in their data.</a:t>
             </a:r>
           </a:p>
           <a:p>
-            <a:endParaRPr lang="en-US" sz="2400"/>
+            <a:endParaRPr lang="en-US" sz="2400" dirty="0"/>
           </a:p>
         </p:txBody>
       </p:sp>
@@ -13825,14 +14596,6 @@
 <file path=ppt/slides/slide3.xml><?xml version="1.0" encoding="utf-8"?>
 <p:sld xmlns:a="http://schemas.openxmlformats.org/drawingml/2006/main" xmlns:r="http://schemas.openxmlformats.org/officeDocument/2006/relationships" xmlns:p="http://schemas.openxmlformats.org/presentationml/2006/main">
   <p:cSld>
-    <p:bg>
-      <p:bgPr>
-        <a:solidFill>
-          <a:schemeClr val="bg1"/>
-        </a:solidFill>
-        <a:effectLst/>
-      </p:bgPr>
-    </p:bg>
     <p:spTree>
       <p:nvGrpSpPr>
         <p:cNvPr id="1" name=""/>
@@ -13865,8 +14628,8 @@
         </p:nvSpPr>
         <p:spPr>
           <a:xfrm>
-            <a:off x="808638" y="386930"/>
-            <a:ext cx="9236700" cy="1188950"/>
+            <a:off x="793660" y="719847"/>
+            <a:ext cx="9236700" cy="1040858"/>
           </a:xfrm>
         </p:spPr>
         <p:txBody>
@@ -13876,7 +14639,7 @@
           <a:lstStyle/>
           <a:p>
             <a:r>
-              <a:rPr lang="en-US" sz="5400"/>
+              <a:rPr lang="en-US" sz="5400" dirty="0"/>
               <a:t>Uncovering Insights</a:t>
             </a:r>
           </a:p>
@@ -13906,59 +14669,104 @@
         </p:spPr>
         <p:txBody>
           <a:bodyPr anchor="ctr">
-            <a:normAutofit fontScale="92500"/>
+            <a:normAutofit/>
           </a:bodyPr>
           <a:lstStyle/>
           <a:p>
             <a:r>
-              <a:rPr lang="en-US" sz="2000"/>
+              <a:rPr lang="en-US" sz="2200" dirty="0"/>
               <a:t>Our first task was to dive into the data from each branch. We started by looking at the overall sales numbers.</a:t>
             </a:r>
           </a:p>
           <a:p>
-            <a:pPr>
+            <a:pPr lvl="1">
               <a:buFont typeface="Arial" panose="020B0604020202020204" pitchFamily="34" charset="0"/>
               <a:buChar char="•"/>
             </a:pPr>
             <a:r>
-              <a:rPr lang="en-US" sz="2000" b="1"/>
-              <a:t>Yangon’s Success</a:t>
-            </a:r>
-            <a:r>
-              <a:rPr lang="en-US" sz="2000"/>
-              <a:t>: Maya's branch was performing exceptionally well. It had the highest number of transactions and revenue. The challenge here wasn’t about fixing problems but about understanding what made Yangon so successful.</a:t>
-            </a:r>
-          </a:p>
-          <a:p>
-            <a:pPr>
+              <a:rPr lang="en-US" sz="1800" b="1" dirty="0">
+                <a:solidFill>
+                  <a:schemeClr val="accent2">
+                    <a:lumMod val="75000"/>
+                  </a:schemeClr>
+                </a:solidFill>
+              </a:rPr>
+              <a:t>Naypyitaw’s Success</a:t>
+            </a:r>
+            <a:r>
+              <a:rPr lang="en-US" sz="1800" dirty="0">
+                <a:solidFill>
+                  <a:schemeClr val="accent2">
+                    <a:lumMod val="75000"/>
+                  </a:schemeClr>
+                </a:solidFill>
+              </a:rPr>
+              <a:t>: </a:t>
+            </a:r>
+            <a:r>
+              <a:rPr lang="en-US" sz="1800" dirty="0"/>
+              <a:t>Nina 's branch was performing exceptionally well. It had the highest number of revenue. The challenge here wasn’t about fixing problems but about understanding what made Naypyitaw successful.</a:t>
+            </a:r>
+          </a:p>
+          <a:p>
+            <a:pPr lvl="1">
               <a:buFont typeface="Arial" panose="020B0604020202020204" pitchFamily="34" charset="0"/>
               <a:buChar char="•"/>
             </a:pPr>
             <a:r>
-              <a:rPr lang="en-US" sz="2000" b="1"/>
-              <a:t>Mandalay’s Struggles</a:t>
-            </a:r>
-            <a:r>
-              <a:rPr lang="en-US" sz="2000"/>
-              <a:t>: Raj’s branch was facing issues. It had lower customer ratings and struggled with sales. It was clear that improvements were needed, but the specifics were still a mystery.</a:t>
-            </a:r>
-          </a:p>
-          <a:p>
-            <a:pPr>
+              <a:rPr lang="en-US" sz="1800" b="1" dirty="0">
+                <a:solidFill>
+                  <a:schemeClr val="accent2">
+                    <a:lumMod val="75000"/>
+                  </a:schemeClr>
+                </a:solidFill>
+              </a:rPr>
+              <a:t>Mandalay’s Opportunities</a:t>
+            </a:r>
+            <a:r>
+              <a:rPr lang="en-US" sz="1800" dirty="0">
+                <a:solidFill>
+                  <a:schemeClr val="accent2">
+                    <a:lumMod val="75000"/>
+                  </a:schemeClr>
+                </a:solidFill>
+              </a:rPr>
+              <a:t>: </a:t>
+            </a:r>
+            <a:r>
+              <a:rPr lang="en-US" sz="1800" dirty="0"/>
+              <a:t>Raj’s branch was facing issues. It had lower customer ratings, It had steady sales but lacked a distinctive edge. </a:t>
+            </a:r>
+          </a:p>
+          <a:p>
+            <a:pPr lvl="1">
               <a:buFont typeface="Arial" panose="020B0604020202020204" pitchFamily="34" charset="0"/>
               <a:buChar char="•"/>
             </a:pPr>
             <a:r>
-              <a:rPr lang="en-US" sz="2000" b="1"/>
-              <a:t>Bago’s Opportunities</a:t>
-            </a:r>
-            <a:r>
-              <a:rPr lang="en-US" sz="2000"/>
-              <a:t>: Nina’s branch was in the middle. It had steady sales but lacked a distinctive edge. We needed to figure out how to make Bago shine.</a:t>
-            </a:r>
-          </a:p>
-          <a:p>
-            <a:endParaRPr lang="en-US" sz="2000"/>
+              <a:rPr lang="en-US" sz="1800" b="1" dirty="0">
+                <a:solidFill>
+                  <a:schemeClr val="accent2">
+                    <a:lumMod val="75000"/>
+                  </a:schemeClr>
+                </a:solidFill>
+              </a:rPr>
+              <a:t>Yangon’s Struggles</a:t>
+            </a:r>
+            <a:r>
+              <a:rPr lang="en-US" sz="1800" dirty="0">
+                <a:solidFill>
+                  <a:schemeClr val="accent2">
+                    <a:lumMod val="75000"/>
+                  </a:schemeClr>
+                </a:solidFill>
+              </a:rPr>
+              <a:t>: </a:t>
+            </a:r>
+            <a:r>
+              <a:rPr lang="en-US" sz="1800" dirty="0"/>
+              <a:t>Maya’s branch struggled with sales. It was clear that improvements were needed, but the specifics were still a mystery</a:t>
+            </a:r>
           </a:p>
         </p:txBody>
       </p:sp>
@@ -13978,14 +14786,6 @@
 <file path=ppt/slides/slide4.xml><?xml version="1.0" encoding="utf-8"?>
 <p:sld xmlns:a="http://schemas.openxmlformats.org/drawingml/2006/main" xmlns:r="http://schemas.openxmlformats.org/officeDocument/2006/relationships" xmlns:p="http://schemas.openxmlformats.org/presentationml/2006/main">
   <p:cSld>
-    <p:bg>
-      <p:bgPr>
-        <a:solidFill>
-          <a:schemeClr val="bg1"/>
-        </a:solidFill>
-        <a:effectLst/>
-      </p:bgPr>
-    </p:bg>
     <p:spTree>
       <p:nvGrpSpPr>
         <p:cNvPr id="1" name=""/>
@@ -14018,8 +14818,8 @@
         </p:nvSpPr>
         <p:spPr>
           <a:xfrm>
-            <a:off x="808638" y="386930"/>
-            <a:ext cx="9236700" cy="1188950"/>
+            <a:off x="808638" y="729574"/>
+            <a:ext cx="9236700" cy="974941"/>
           </a:xfrm>
         </p:spPr>
         <p:txBody>
@@ -14029,7 +14829,7 @@
           <a:lstStyle/>
           <a:p>
             <a:r>
-              <a:rPr lang="en-US" sz="5400"/>
+              <a:rPr lang="en-US" sz="5400" dirty="0"/>
               <a:t>The Discovery</a:t>
             </a:r>
           </a:p>
@@ -14053,107 +14853,328 @@
         </p:nvSpPr>
         <p:spPr>
           <a:xfrm>
-            <a:off x="793660" y="2599509"/>
-            <a:ext cx="10143668" cy="3435531"/>
+            <a:off x="573933" y="3083667"/>
+            <a:ext cx="9815208" cy="2830749"/>
           </a:xfrm>
         </p:spPr>
         <p:txBody>
           <a:bodyPr anchor="ctr">
-            <a:normAutofit fontScale="92500" lnSpcReduction="20000"/>
+            <a:noAutofit/>
           </a:bodyPr>
           <a:lstStyle/>
           <a:p>
-            <a:r>
-              <a:rPr lang="en-US" sz="1900"/>
-              <a:t>We analyzed various aspects of their data:</a:t>
-            </a:r>
-          </a:p>
-          <a:p>
-            <a:pPr>
-              <a:buFont typeface="+mj-lt"/>
-              <a:buAutoNum type="arabicPeriod"/>
+            <a:pPr algn="l"/>
+            <a:r>
+              <a:rPr lang="en-US" b="1" i="0" dirty="0">
+                <a:solidFill>
+                  <a:schemeClr val="accent2">
+                    <a:lumMod val="75000"/>
+                  </a:schemeClr>
+                </a:solidFill>
+                <a:effectLst/>
+              </a:rPr>
+              <a:t>1. Sales Distribution by Branch</a:t>
+            </a:r>
+          </a:p>
+          <a:p>
+            <a:pPr lvl="1">
+              <a:buFont typeface="Arial" panose="020B0604020202020204" pitchFamily="34" charset="0"/>
+              <a:buChar char="•"/>
             </a:pPr>
             <a:r>
-              <a:rPr lang="en-US" sz="1900" b="1"/>
-              <a:t>Branch Performance</a:t>
-            </a:r>
-            <a:r>
-              <a:rPr lang="en-US" sz="1900"/>
+              <a:rPr lang="en-US" i="0" dirty="0">
+                <a:solidFill>
+                  <a:schemeClr val="accent2">
+                    <a:lumMod val="75000"/>
+                  </a:schemeClr>
+                </a:solidFill>
+                <a:effectLst/>
+              </a:rPr>
+              <a:t>Yangon Branch:</a:t>
+            </a:r>
+            <a:r>
+              <a:rPr lang="en-US" i="0" dirty="0">
+                <a:solidFill>
+                  <a:srgbClr val="000000"/>
+                </a:solidFill>
+                <a:effectLst/>
+              </a:rPr>
+              <a:t> </a:t>
+            </a:r>
+            <a:r>
+              <a:rPr lang="en-US" b="0" i="0" dirty="0">
+                <a:solidFill>
+                  <a:srgbClr val="000000"/>
+                </a:solidFill>
+                <a:effectLst/>
+              </a:rPr>
+              <a:t>Highest number of transactions yet lowest revenue.</a:t>
+            </a:r>
+          </a:p>
+          <a:p>
+            <a:pPr lvl="1">
+              <a:buFont typeface="Arial" panose="020B0604020202020204" pitchFamily="34" charset="0"/>
+              <a:buChar char="•"/>
+            </a:pPr>
+            <a:r>
+              <a:rPr lang="en-US" i="0" dirty="0">
+                <a:solidFill>
+                  <a:schemeClr val="accent2">
+                    <a:lumMod val="75000"/>
+                  </a:schemeClr>
+                </a:solidFill>
+                <a:effectLst/>
+              </a:rPr>
+              <a:t>Mandalay Branch:</a:t>
+            </a:r>
+            <a:r>
+              <a:rPr lang="en-US" i="0" dirty="0">
+                <a:solidFill>
+                  <a:srgbClr val="000000"/>
+                </a:solidFill>
+                <a:effectLst/>
+              </a:rPr>
+              <a:t> </a:t>
+            </a:r>
+            <a:r>
+              <a:rPr lang="en-US" b="0" i="0" dirty="0">
+                <a:solidFill>
+                  <a:srgbClr val="000000"/>
+                </a:solidFill>
+                <a:effectLst/>
+              </a:rPr>
+              <a:t>Lower ratings; potential for improvement in customer satisfaction.</a:t>
+            </a:r>
+          </a:p>
+          <a:p>
+            <a:pPr algn="l"/>
+            <a:r>
+              <a:rPr lang="en-US" b="1" i="0" dirty="0">
+                <a:solidFill>
+                  <a:schemeClr val="accent2">
+                    <a:lumMod val="75000"/>
+                  </a:schemeClr>
+                </a:solidFill>
+                <a:effectLst/>
+              </a:rPr>
+              <a:t>2. Customer Types</a:t>
+            </a:r>
+          </a:p>
+          <a:p>
+            <a:pPr lvl="1">
+              <a:buFont typeface="Arial" panose="020B0604020202020204" pitchFamily="34" charset="0"/>
+              <a:buChar char="•"/>
+            </a:pPr>
+            <a:r>
+              <a:rPr lang="en-US" dirty="0">
+                <a:solidFill>
+                  <a:schemeClr val="accent2">
+                    <a:lumMod val="75000"/>
+                  </a:schemeClr>
+                </a:solidFill>
+              </a:rPr>
+              <a:t>Categories</a:t>
+            </a:r>
+            <a:r>
+              <a:rPr lang="en-US" i="0" dirty="0">
+                <a:solidFill>
+                  <a:schemeClr val="accent2">
+                    <a:lumMod val="75000"/>
+                  </a:schemeClr>
+                </a:solidFill>
+                <a:effectLst/>
+              </a:rPr>
               <a:t>:</a:t>
             </a:r>
-          </a:p>
-          <a:p>
-            <a:pPr marL="742950" lvl="1" indent="-285750">
-              <a:buFont typeface="+mj-lt"/>
-              <a:buAutoNum type="arabicPeriod"/>
+            <a:r>
+              <a:rPr lang="en-US" i="0" dirty="0">
+                <a:solidFill>
+                  <a:srgbClr val="000000"/>
+                </a:solidFill>
+                <a:effectLst/>
+              </a:rPr>
+              <a:t> </a:t>
+            </a:r>
+            <a:r>
+              <a:rPr lang="en-US" b="0" i="0" dirty="0">
+                <a:solidFill>
+                  <a:srgbClr val="000000"/>
+                </a:solidFill>
+                <a:effectLst/>
+              </a:rPr>
+              <a:t>"Normal" and "Member".</a:t>
+            </a:r>
+            <a:endParaRPr lang="en-US" sz="1400" b="0" i="0" dirty="0"/>
+          </a:p>
+          <a:p>
+            <a:pPr lvl="2">
+              <a:buFont typeface="Arial" panose="020B0604020202020204" pitchFamily="34" charset="0"/>
+              <a:buChar char="•"/>
             </a:pPr>
             <a:r>
-              <a:rPr lang="en-US" sz="1900"/>
-              <a:t>Yangon’s high sales were partly due to its efficient operations and popular product lines.</a:t>
-            </a:r>
-          </a:p>
-          <a:p>
-            <a:pPr marL="742950" lvl="1" indent="-285750">
-              <a:buFont typeface="+mj-lt"/>
-              <a:buAutoNum type="arabicPeriod"/>
+              <a:rPr lang="en-US" kern="100" dirty="0">
+                <a:solidFill>
+                  <a:schemeClr val="tx1">
+                    <a:lumMod val="95000"/>
+                    <a:lumOff val="5000"/>
+                  </a:schemeClr>
+                </a:solidFill>
+                <a:effectLst/>
+                <a:ea typeface="Aptos" panose="020B0004020202020204" pitchFamily="34" charset="0"/>
+                <a:cs typeface="Times New Roman" panose="02020603050405020304" pitchFamily="18" charset="0"/>
+              </a:rPr>
+              <a:t>Normal customers purchases  count are more than member customers This indicates that despite having loyalty programs or membership benefits, these may not be as effective in increasing the number of visits  and Purchases  as initially expected.</a:t>
+            </a:r>
+          </a:p>
+          <a:p>
+            <a:pPr algn="l"/>
+            <a:r>
+              <a:rPr lang="en-US" b="1" i="0" dirty="0">
+                <a:solidFill>
+                  <a:schemeClr val="accent2">
+                    <a:lumMod val="75000"/>
+                  </a:schemeClr>
+                </a:solidFill>
+                <a:effectLst/>
+              </a:rPr>
+              <a:t>3. Product Lines</a:t>
+            </a:r>
+          </a:p>
+          <a:p>
+            <a:pPr lvl="1">
+              <a:buFont typeface="Arial" panose="020B0604020202020204" pitchFamily="34" charset="0"/>
+              <a:buChar char="•"/>
             </a:pPr>
             <a:r>
-              <a:rPr lang="en-US" sz="1900"/>
-              <a:t>Mandalay needed a closer look at customer feedback to understand the root causes of its lower ratings.</a:t>
-            </a:r>
-          </a:p>
-          <a:p>
-            <a:pPr marL="742950" lvl="1" indent="-285750">
-              <a:buFont typeface="+mj-lt"/>
-              <a:buAutoNum type="arabicPeriod"/>
+              <a:rPr lang="en-US" i="0" dirty="0">
+                <a:solidFill>
+                  <a:schemeClr val="accent2">
+                    <a:lumMod val="75000"/>
+                  </a:schemeClr>
+                </a:solidFill>
+                <a:effectLst/>
+              </a:rPr>
+              <a:t>Top</a:t>
+            </a:r>
+            <a:r>
+              <a:rPr lang="en-US" i="0" dirty="0">
+                <a:solidFill>
+                  <a:srgbClr val="000000"/>
+                </a:solidFill>
+                <a:effectLst/>
+              </a:rPr>
+              <a:t> </a:t>
+            </a:r>
+            <a:r>
+              <a:rPr lang="en-US" dirty="0">
+                <a:solidFill>
+                  <a:schemeClr val="accent2">
+                    <a:lumMod val="75000"/>
+                  </a:schemeClr>
+                </a:solidFill>
+              </a:rPr>
+              <a:t>Products</a:t>
+            </a:r>
+            <a:r>
+              <a:rPr lang="en-US" i="0" dirty="0">
+                <a:solidFill>
+                  <a:schemeClr val="accent2">
+                    <a:lumMod val="75000"/>
+                  </a:schemeClr>
+                </a:solidFill>
+                <a:effectLst/>
+              </a:rPr>
+              <a:t>:</a:t>
+            </a:r>
+          </a:p>
+          <a:p>
+            <a:pPr lvl="2" indent="-285750">
+              <a:buFont typeface="Arial" panose="020B0604020202020204" pitchFamily="34" charset="0"/>
+              <a:buChar char="•"/>
             </a:pPr>
             <a:r>
-              <a:rPr lang="en-US" sz="1900"/>
-              <a:t>Bago had a stable performance but wasn’t reaching its full potential.</a:t>
-            </a:r>
-          </a:p>
-          <a:p>
-            <a:pPr>
-              <a:buFont typeface="+mj-lt"/>
-              <a:buAutoNum type="arabicPeriod"/>
+              <a:rPr lang="en-US" sz="1600" b="0" i="0" dirty="0">
+                <a:solidFill>
+                  <a:schemeClr val="accent2">
+                    <a:lumMod val="75000"/>
+                  </a:schemeClr>
+                </a:solidFill>
+                <a:effectLst/>
+              </a:rPr>
+              <a:t>Most bought:</a:t>
+            </a:r>
+            <a:r>
+              <a:rPr lang="en-US" sz="1600" b="0" i="0" dirty="0">
+                <a:solidFill>
+                  <a:srgbClr val="000000"/>
+                </a:solidFill>
+                <a:effectLst/>
+              </a:rPr>
+              <a:t> “Fashion and accessories" and “Food and beverages".</a:t>
+            </a:r>
+          </a:p>
+          <a:p>
+            <a:pPr lvl="1">
+              <a:buFont typeface="Arial" panose="020B0604020202020204" pitchFamily="34" charset="0"/>
+              <a:buChar char="•"/>
             </a:pPr>
             <a:r>
-              <a:rPr lang="en-US" sz="1900" b="1"/>
-              <a:t>Customer Spending Patterns</a:t>
-            </a:r>
-            <a:r>
-              <a:rPr lang="en-US" sz="1900"/>
+              <a:rPr lang="en-US" i="0" dirty="0">
+                <a:solidFill>
+                  <a:schemeClr val="accent2">
+                    <a:lumMod val="75000"/>
+                  </a:schemeClr>
+                </a:solidFill>
+                <a:effectLst/>
+              </a:rPr>
+              <a:t>Fashion Accessories</a:t>
+            </a:r>
+            <a:r>
+              <a:rPr lang="en-US" b="0" i="0" dirty="0">
+                <a:solidFill>
+                  <a:schemeClr val="accent2">
+                    <a:lumMod val="75000"/>
+                  </a:schemeClr>
+                </a:solidFill>
+                <a:effectLst/>
+              </a:rPr>
               <a:t>:</a:t>
             </a:r>
-          </a:p>
-          <a:p>
-            <a:pPr marL="742950" lvl="1" indent="-285750">
-              <a:buFont typeface="+mj-lt"/>
-              <a:buAutoNum type="arabicPeriod"/>
+            <a:r>
+              <a:rPr lang="en-US" b="0" i="0" dirty="0">
+                <a:solidFill>
+                  <a:srgbClr val="000000"/>
+                </a:solidFill>
+                <a:effectLst/>
+              </a:rPr>
+              <a:t> Lower purchase quantities; could benefit from targeted promotions.</a:t>
+            </a:r>
+          </a:p>
+          <a:p>
+            <a:pPr lvl="1">
+              <a:buFont typeface="Arial" panose="020B0604020202020204" pitchFamily="34" charset="0"/>
+              <a:buChar char="•"/>
             </a:pPr>
             <a:r>
-              <a:rPr lang="en-US" sz="1900"/>
-              <a:t>We found out that </a:t>
-            </a:r>
-            <a:r>
-              <a:rPr lang="en-US" sz="1900" i="1"/>
-              <a:t>Normal</a:t>
-            </a:r>
-            <a:r>
-              <a:rPr lang="en-US" sz="1900"/>
-              <a:t> customers spent more on average than </a:t>
-            </a:r>
-            <a:r>
-              <a:rPr lang="en-US" sz="1900" i="1"/>
-              <a:t>Members</a:t>
-            </a:r>
-            <a:r>
-              <a:rPr lang="en-US" sz="1900"/>
-              <a:t>, which was surprising. It suggested that the loyalty programs at Mandalay, and perhaps at the other branches, might need rethinking.</a:t>
-            </a:r>
-          </a:p>
-          <a:p>
-            <a:endParaRPr lang="en-US" sz="1900"/>
+              <a:rPr lang="en-US" i="0" dirty="0">
+                <a:solidFill>
+                  <a:schemeClr val="accent2">
+                    <a:lumMod val="75000"/>
+                  </a:schemeClr>
+                </a:solidFill>
+                <a:effectLst/>
+              </a:rPr>
+              <a:t>Demographics:</a:t>
+            </a:r>
+            <a:r>
+              <a:rPr lang="en-US" b="0" i="0" dirty="0">
+                <a:solidFill>
+                  <a:srgbClr val="000000"/>
+                </a:solidFill>
+                <a:effectLst/>
+              </a:rPr>
+              <a:t> Fashion Accessories favored by females; Electronic and Health products preferred by males.</a:t>
+            </a:r>
           </a:p>
         </p:txBody>
       </p:sp>
@@ -14173,14 +15194,6 @@
 <file path=ppt/slides/slide5.xml><?xml version="1.0" encoding="utf-8"?>
 <p:sld xmlns:a="http://schemas.openxmlformats.org/drawingml/2006/main" xmlns:r="http://schemas.openxmlformats.org/officeDocument/2006/relationships" xmlns:p="http://schemas.openxmlformats.org/presentationml/2006/main">
   <p:cSld>
-    <p:bg>
-      <p:bgPr>
-        <a:solidFill>
-          <a:schemeClr val="bg1"/>
-        </a:solidFill>
-        <a:effectLst/>
-      </p:bgPr>
-    </p:bg>
     <p:spTree>
       <p:nvGrpSpPr>
         <p:cNvPr id="1" name=""/>
@@ -14213,8 +15226,8 @@
         </p:nvSpPr>
         <p:spPr>
           <a:xfrm>
-            <a:off x="808638" y="386930"/>
-            <a:ext cx="9236700" cy="1188950"/>
+            <a:off x="808638" y="690663"/>
+            <a:ext cx="9236700" cy="990047"/>
           </a:xfrm>
         </p:spPr>
         <p:txBody>
@@ -14224,7 +15237,7 @@
           <a:lstStyle/>
           <a:p>
             <a:r>
-              <a:rPr lang="en-US" sz="5400"/>
+              <a:rPr lang="en-US" sz="5400" dirty="0"/>
               <a:t>The Discovery</a:t>
             </a:r>
           </a:p>
@@ -14248,93 +15261,222 @@
         </p:nvSpPr>
         <p:spPr>
           <a:xfrm>
-            <a:off x="793660" y="2599509"/>
-            <a:ext cx="10143668" cy="3435531"/>
+            <a:off x="808638" y="2251489"/>
+            <a:ext cx="10143668" cy="4151487"/>
           </a:xfrm>
         </p:spPr>
         <p:txBody>
           <a:bodyPr anchor="ctr">
-            <a:normAutofit fontScale="92500" lnSpcReduction="10000"/>
+            <a:noAutofit/>
           </a:bodyPr>
           <a:lstStyle/>
           <a:p>
-            <a:r>
-              <a:rPr lang="en-US" sz="2000" b="1"/>
-              <a:t>3.Product Preferences</a:t>
-            </a:r>
-            <a:r>
-              <a:rPr lang="en-US" sz="2000"/>
-              <a:t>:</a:t>
-            </a:r>
-          </a:p>
-          <a:p>
-            <a:pPr marL="742950" lvl="1" indent="-285750">
-              <a:buFont typeface="+mj-lt"/>
-              <a:buAutoNum type="arabicPeriod"/>
+            <a:pPr algn="l"/>
+            <a:r>
+              <a:rPr lang="en-US" b="1" i="0" dirty="0">
+                <a:solidFill>
+                  <a:schemeClr val="accent2">
+                    <a:lumMod val="75000"/>
+                  </a:schemeClr>
+                </a:solidFill>
+                <a:effectLst/>
+              </a:rPr>
+              <a:t>4. Payment Methods</a:t>
+            </a:r>
+          </a:p>
+          <a:p>
+            <a:pPr lvl="1">
+              <a:buFont typeface="Arial" panose="020B0604020202020204" pitchFamily="34" charset="0"/>
+              <a:buChar char="•"/>
             </a:pPr>
             <a:r>
-              <a:rPr lang="en-US" sz="2000" i="1"/>
-              <a:t>Home and Lifestyle</a:t>
-            </a:r>
-            <a:r>
-              <a:rPr lang="en-US" sz="2000"/>
-              <a:t> products were top sellers, while </a:t>
-            </a:r>
-            <a:r>
-              <a:rPr lang="en-US" sz="2000" i="1"/>
-              <a:t>Fashion Accessories</a:t>
-            </a:r>
-            <a:r>
-              <a:rPr lang="en-US" sz="2000"/>
-              <a:t> lagged behind. We saw an opportunity to boost sales for Fashion Accessories with targeted promotions.</a:t>
-            </a:r>
-          </a:p>
-          <a:p>
-            <a:r>
-              <a:rPr lang="en-US" sz="2000" b="1"/>
-              <a:t>4.Payment Methods</a:t>
-            </a:r>
-            <a:r>
-              <a:rPr lang="en-US" sz="2000"/>
-              <a:t>:</a:t>
-            </a:r>
-          </a:p>
-          <a:p>
-            <a:pPr marL="742950" lvl="1" indent="-285750">
-              <a:buFont typeface="+mj-lt"/>
-              <a:buAutoNum type="arabicPeriod"/>
+              <a:rPr lang="en-US" i="0" dirty="0">
+                <a:solidFill>
+                  <a:schemeClr val="accent2">
+                    <a:lumMod val="75000"/>
+                  </a:schemeClr>
+                </a:solidFill>
+                <a:effectLst/>
+              </a:rPr>
+              <a:t>Preferred Methods:</a:t>
+            </a:r>
+          </a:p>
+          <a:p>
+            <a:pPr lvl="2" indent="-285750">
+              <a:buFont typeface="Arial" panose="020B0604020202020204" pitchFamily="34" charset="0"/>
+              <a:buChar char="•"/>
             </a:pPr>
             <a:r>
-              <a:rPr lang="en-US" sz="2000" i="1"/>
-              <a:t>E-wallets</a:t>
-            </a:r>
-            <a:r>
-              <a:rPr lang="en-US" sz="2000"/>
-              <a:t> were the most popular payment method, which highlighted the need to promote this option more in branches where it was less utilized.</a:t>
-            </a:r>
-          </a:p>
-          <a:p>
-            <a:r>
-              <a:rPr lang="en-US" sz="2000" b="1"/>
-              <a:t>5.Gender and Timing Insights</a:t>
-            </a:r>
-            <a:r>
-              <a:rPr lang="en-US" sz="2000"/>
-              <a:t>:</a:t>
-            </a:r>
-          </a:p>
-          <a:p>
-            <a:pPr marL="742950" lvl="1" indent="-285750">
-              <a:buFont typeface="+mj-lt"/>
-              <a:buAutoNum type="arabicPeriod"/>
+              <a:rPr lang="en-US" b="0" i="0" dirty="0">
+                <a:solidFill>
+                  <a:srgbClr val="000000"/>
+                </a:solidFill>
+                <a:effectLst/>
+              </a:rPr>
+              <a:t>1st: Ewallet</a:t>
+            </a:r>
+          </a:p>
+          <a:p>
+            <a:pPr lvl="2" indent="-285750">
+              <a:buFont typeface="Arial" panose="020B0604020202020204" pitchFamily="34" charset="0"/>
+              <a:buChar char="•"/>
             </a:pPr>
             <a:r>
-              <a:rPr lang="en-US" sz="2000"/>
-              <a:t>Sales data revealed interesting trends about shopping times and gender preferences. This information was crucial for tailoring promotions and staffing.</a:t>
-            </a:r>
-          </a:p>
-          <a:p>
-            <a:endParaRPr lang="en-US" sz="2000"/>
+              <a:rPr lang="en-US" b="0" i="0" dirty="0">
+                <a:solidFill>
+                  <a:srgbClr val="000000"/>
+                </a:solidFill>
+                <a:effectLst/>
+              </a:rPr>
+              <a:t>2nd: Cash</a:t>
+            </a:r>
+          </a:p>
+          <a:p>
+            <a:pPr lvl="2" indent="-285750">
+              <a:buFont typeface="Arial" panose="020B0604020202020204" pitchFamily="34" charset="0"/>
+              <a:buChar char="•"/>
+            </a:pPr>
+            <a:r>
+              <a:rPr lang="en-US" b="0" i="0" dirty="0">
+                <a:solidFill>
+                  <a:srgbClr val="000000"/>
+                </a:solidFill>
+                <a:effectLst/>
+              </a:rPr>
+              <a:t>3rd: Credit Card</a:t>
+            </a:r>
+          </a:p>
+          <a:p>
+            <a:pPr lvl="1">
+              <a:buFont typeface="Arial" panose="020B0604020202020204" pitchFamily="34" charset="0"/>
+              <a:buChar char="•"/>
+            </a:pPr>
+            <a:r>
+              <a:rPr lang="en-US" i="0" dirty="0">
+                <a:solidFill>
+                  <a:schemeClr val="accent2">
+                    <a:lumMod val="75000"/>
+                  </a:schemeClr>
+                </a:solidFill>
+                <a:effectLst/>
+              </a:rPr>
+              <a:t>Recommendation: </a:t>
+            </a:r>
+            <a:r>
+              <a:rPr lang="en-US" b="0" i="0" dirty="0">
+                <a:solidFill>
+                  <a:srgbClr val="000000"/>
+                </a:solidFill>
+                <a:effectLst/>
+              </a:rPr>
+              <a:t>Promote Ewallet in branches with high usage.</a:t>
+            </a:r>
+          </a:p>
+          <a:p>
+            <a:pPr algn="l"/>
+            <a:r>
+              <a:rPr lang="en-US" b="1" i="0" dirty="0">
+                <a:solidFill>
+                  <a:schemeClr val="accent2">
+                    <a:lumMod val="75000"/>
+                  </a:schemeClr>
+                </a:solidFill>
+                <a:effectLst/>
+              </a:rPr>
+              <a:t>5. Total Sales Over Months</a:t>
+            </a:r>
+          </a:p>
+          <a:p>
+            <a:pPr lvl="1">
+              <a:buFont typeface="Arial" panose="020B0604020202020204" pitchFamily="34" charset="0"/>
+              <a:buChar char="•"/>
+            </a:pPr>
+            <a:r>
+              <a:rPr lang="en-US" i="0" dirty="0">
+                <a:solidFill>
+                  <a:schemeClr val="accent2">
+                    <a:lumMod val="75000"/>
+                  </a:schemeClr>
+                </a:solidFill>
+                <a:effectLst/>
+              </a:rPr>
+              <a:t>Observation: </a:t>
+            </a:r>
+            <a:r>
+              <a:rPr lang="en-US" b="0" i="0" dirty="0">
+                <a:solidFill>
+                  <a:srgbClr val="000000"/>
+                </a:solidFill>
+                <a:effectLst/>
+              </a:rPr>
+              <a:t>Notable drop in sales in February; further investigation needed.</a:t>
+            </a:r>
+          </a:p>
+          <a:p>
+            <a:pPr algn="l"/>
+            <a:r>
+              <a:rPr lang="en-US" b="1" i="0" dirty="0">
+                <a:solidFill>
+                  <a:schemeClr val="accent2">
+                    <a:lumMod val="75000"/>
+                  </a:schemeClr>
+                </a:solidFill>
+                <a:effectLst/>
+              </a:rPr>
+              <a:t>6. Sales by Month Period</a:t>
+            </a:r>
+          </a:p>
+          <a:p>
+            <a:pPr lvl="1">
+              <a:buFont typeface="Arial" panose="020B0604020202020204" pitchFamily="34" charset="0"/>
+              <a:buChar char="•"/>
+            </a:pPr>
+            <a:r>
+              <a:rPr lang="en-US" i="0" dirty="0">
+                <a:solidFill>
+                  <a:schemeClr val="accent2">
+                    <a:lumMod val="75000"/>
+                  </a:schemeClr>
+                </a:solidFill>
+                <a:effectLst/>
+              </a:rPr>
+              <a:t>Peak Sales: </a:t>
+            </a:r>
+            <a:r>
+              <a:rPr lang="en-US" b="0" i="0" dirty="0">
+                <a:solidFill>
+                  <a:srgbClr val="000000"/>
+                </a:solidFill>
+                <a:effectLst/>
+              </a:rPr>
+              <a:t>First 5 days of each month show highest total sales and purchases.</a:t>
+            </a:r>
+          </a:p>
+          <a:p>
+            <a:pPr lvl="1">
+              <a:buFont typeface="Arial" panose="020B0604020202020204" pitchFamily="34" charset="0"/>
+              <a:buChar char="•"/>
+            </a:pPr>
+            <a:r>
+              <a:rPr lang="en-US" i="0" dirty="0">
+                <a:solidFill>
+                  <a:schemeClr val="accent2">
+                    <a:lumMod val="75000"/>
+                  </a:schemeClr>
+                </a:solidFill>
+                <a:effectLst/>
+              </a:rPr>
+              <a:t>Action: </a:t>
+            </a:r>
+            <a:r>
+              <a:rPr lang="en-US" b="0" i="0" dirty="0">
+                <a:solidFill>
+                  <a:srgbClr val="000000"/>
+                </a:solidFill>
+                <a:effectLst/>
+              </a:rPr>
+              <a:t>Focus on store management during this period.</a:t>
+            </a:r>
           </a:p>
         </p:txBody>
       </p:sp>
@@ -14354,14 +15496,242 @@
 <file path=ppt/slides/slide6.xml><?xml version="1.0" encoding="utf-8"?>
 <p:sld xmlns:a="http://schemas.openxmlformats.org/drawingml/2006/main" xmlns:r="http://schemas.openxmlformats.org/officeDocument/2006/relationships" xmlns:p="http://schemas.openxmlformats.org/presentationml/2006/main">
   <p:cSld>
-    <p:bg>
-      <p:bgPr>
-        <a:solidFill>
-          <a:schemeClr val="bg1"/>
-        </a:solidFill>
-        <a:effectLst/>
-      </p:bgPr>
-    </p:bg>
+    <p:spTree>
+      <p:nvGrpSpPr>
+        <p:cNvPr id="1" name=""/>
+        <p:cNvGrpSpPr/>
+        <p:nvPr/>
+      </p:nvGrpSpPr>
+      <p:grpSpPr>
+        <a:xfrm>
+          <a:off x="0" y="0"/>
+          <a:ext cx="0" cy="0"/>
+          <a:chOff x="0" y="0"/>
+          <a:chExt cx="0" cy="0"/>
+        </a:xfrm>
+      </p:grpSpPr>
+      <p:sp>
+        <p:nvSpPr>
+          <p:cNvPr id="2" name="Title 1">
+            <a:extLst>
+              <a:ext uri="{FF2B5EF4-FFF2-40B4-BE49-F238E27FC236}">
+                <a16:creationId xmlns:a16="http://schemas.microsoft.com/office/drawing/2014/main" id="{0FB0EAF2-A1E2-A78D-0D78-E06DF6A7D5D8}"/>
+              </a:ext>
+            </a:extLst>
+          </p:cNvPr>
+          <p:cNvSpPr>
+            <a:spLocks noGrp="1"/>
+          </p:cNvSpPr>
+          <p:nvPr>
+            <p:ph type="title"/>
+          </p:nvPr>
+        </p:nvSpPr>
+        <p:spPr>
+          <a:xfrm>
+            <a:off x="950673" y="671209"/>
+            <a:ext cx="9221821" cy="1079772"/>
+          </a:xfrm>
+        </p:spPr>
+        <p:txBody>
+          <a:bodyPr/>
+          <a:lstStyle/>
+          <a:p>
+            <a:r>
+              <a:rPr lang="en-US" sz="5400" dirty="0"/>
+              <a:t>The Discovery</a:t>
+            </a:r>
+          </a:p>
+        </p:txBody>
+      </p:sp>
+      <p:sp>
+        <p:nvSpPr>
+          <p:cNvPr id="3" name="Content Placeholder 2">
+            <a:extLst>
+              <a:ext uri="{FF2B5EF4-FFF2-40B4-BE49-F238E27FC236}">
+                <a16:creationId xmlns:a16="http://schemas.microsoft.com/office/drawing/2014/main" id="{F8994DB0-7A4E-8817-0CF5-2040BAFF8240}"/>
+              </a:ext>
+            </a:extLst>
+          </p:cNvPr>
+          <p:cNvSpPr>
+            <a:spLocks noGrp="1"/>
+          </p:cNvSpPr>
+          <p:nvPr>
+            <p:ph idx="1"/>
+          </p:nvPr>
+        </p:nvSpPr>
+        <p:spPr>
+          <a:xfrm>
+            <a:off x="950673" y="2522963"/>
+            <a:ext cx="8965694" cy="3416300"/>
+          </a:xfrm>
+        </p:spPr>
+        <p:txBody>
+          <a:bodyPr/>
+          <a:lstStyle/>
+          <a:p>
+            <a:pPr algn="l"/>
+            <a:r>
+              <a:rPr lang="en-US" b="1" i="0" dirty="0">
+                <a:solidFill>
+                  <a:schemeClr val="accent2">
+                    <a:lumMod val="75000"/>
+                  </a:schemeClr>
+                </a:solidFill>
+                <a:effectLst/>
+              </a:rPr>
+              <a:t>7. Sales by Hour</a:t>
+            </a:r>
+          </a:p>
+          <a:p>
+            <a:pPr lvl="1">
+              <a:buFont typeface="Arial" panose="020B0604020202020204" pitchFamily="34" charset="0"/>
+              <a:buChar char="•"/>
+            </a:pPr>
+            <a:r>
+              <a:rPr lang="en-US" i="0" dirty="0">
+                <a:solidFill>
+                  <a:schemeClr val="accent2">
+                    <a:lumMod val="75000"/>
+                  </a:schemeClr>
+                </a:solidFill>
+                <a:effectLst/>
+              </a:rPr>
+              <a:t>Peak Purchases: </a:t>
+            </a:r>
+            <a:r>
+              <a:rPr lang="en-US" b="0" i="0" dirty="0">
+                <a:solidFill>
+                  <a:srgbClr val="000000"/>
+                </a:solidFill>
+                <a:effectLst/>
+              </a:rPr>
+              <a:t>Around 16:00.</a:t>
+            </a:r>
+          </a:p>
+          <a:p>
+            <a:pPr lvl="1">
+              <a:buFont typeface="Arial" panose="020B0604020202020204" pitchFamily="34" charset="0"/>
+              <a:buChar char="•"/>
+            </a:pPr>
+            <a:r>
+              <a:rPr lang="en-US" i="0" dirty="0">
+                <a:solidFill>
+                  <a:schemeClr val="accent2">
+                    <a:lumMod val="75000"/>
+                  </a:schemeClr>
+                </a:solidFill>
+                <a:effectLst/>
+              </a:rPr>
+              <a:t>Average Quantity: </a:t>
+            </a:r>
+            <a:r>
+              <a:rPr lang="en-US" b="0" i="0" dirty="0">
+                <a:solidFill>
+                  <a:srgbClr val="000000"/>
+                </a:solidFill>
+                <a:effectLst/>
+              </a:rPr>
+              <a:t>Highest at 14:00, indicating customers buy more during this time.</a:t>
+            </a:r>
+          </a:p>
+          <a:p>
+            <a:pPr algn="l"/>
+            <a:r>
+              <a:rPr lang="en-US" b="1" i="0" dirty="0">
+                <a:solidFill>
+                  <a:schemeClr val="accent2">
+                    <a:lumMod val="75000"/>
+                  </a:schemeClr>
+                </a:solidFill>
+                <a:effectLst/>
+              </a:rPr>
+              <a:t>8. February Sales Insights</a:t>
+            </a:r>
+          </a:p>
+          <a:p>
+            <a:pPr lvl="1">
+              <a:buFont typeface="Arial" panose="020B0604020202020204" pitchFamily="34" charset="0"/>
+              <a:buChar char="•"/>
+            </a:pPr>
+            <a:r>
+              <a:rPr lang="en-US" i="0" dirty="0">
+                <a:solidFill>
+                  <a:schemeClr val="accent2">
+                    <a:lumMod val="75000"/>
+                  </a:schemeClr>
+                </a:solidFill>
+                <a:effectLst/>
+              </a:rPr>
+              <a:t>Male Sales: </a:t>
+            </a:r>
+            <a:r>
+              <a:rPr lang="en-US" b="0" i="0" dirty="0">
+                <a:solidFill>
+                  <a:srgbClr val="000000"/>
+                </a:solidFill>
+                <a:effectLst/>
+              </a:rPr>
+              <a:t>Significant decline noted; investigation needed but currently lack sufficient data.</a:t>
+            </a:r>
+          </a:p>
+          <a:p>
+            <a:pPr algn="l"/>
+            <a:r>
+              <a:rPr lang="en-US" b="1" i="0" dirty="0">
+                <a:solidFill>
+                  <a:schemeClr val="accent2">
+                    <a:lumMod val="75000"/>
+                  </a:schemeClr>
+                </a:solidFill>
+                <a:effectLst/>
+              </a:rPr>
+              <a:t>9. Purchase Time by Gender in Each City</a:t>
+            </a:r>
+          </a:p>
+          <a:p>
+            <a:pPr lvl="1">
+              <a:buFont typeface="Arial" panose="020B0604020202020204" pitchFamily="34" charset="0"/>
+              <a:buChar char="•"/>
+            </a:pPr>
+            <a:r>
+              <a:rPr lang="en-US" i="0" dirty="0">
+                <a:solidFill>
+                  <a:schemeClr val="accent2">
+                    <a:lumMod val="75000"/>
+                  </a:schemeClr>
+                </a:solidFill>
+                <a:effectLst/>
+              </a:rPr>
+              <a:t>Analysis Needed: </a:t>
+            </a:r>
+            <a:r>
+              <a:rPr lang="en-US" b="0" i="0" dirty="0">
+                <a:solidFill>
+                  <a:srgbClr val="000000"/>
+                </a:solidFill>
+                <a:effectLst/>
+              </a:rPr>
+              <a:t>Further breakdown of purchase times by gender across different cities.</a:t>
+            </a:r>
+          </a:p>
+        </p:txBody>
+      </p:sp>
+    </p:spTree>
+    <p:extLst>
+      <p:ext uri="{BB962C8B-B14F-4D97-AF65-F5344CB8AC3E}">
+        <p14:creationId xmlns:p14="http://schemas.microsoft.com/office/powerpoint/2010/main" val="3635056907"/>
+      </p:ext>
+    </p:extLst>
+  </p:cSld>
+  <p:clrMapOvr>
+    <a:masterClrMapping/>
+  </p:clrMapOvr>
+</p:sld>
+</file>
+
+<file path=ppt/slides/slide7.xml><?xml version="1.0" encoding="utf-8"?>
+<p:sld xmlns:a="http://schemas.openxmlformats.org/drawingml/2006/main" xmlns:r="http://schemas.openxmlformats.org/officeDocument/2006/relationships" xmlns:p="http://schemas.openxmlformats.org/presentationml/2006/main">
+  <p:cSld>
     <p:spTree>
       <p:nvGrpSpPr>
         <p:cNvPr id="1" name=""/>
@@ -14394,7 +15764,7 @@
         </p:nvSpPr>
         <p:spPr>
           <a:xfrm>
-            <a:off x="808638" y="386930"/>
+            <a:off x="793660" y="532845"/>
             <a:ext cx="9236700" cy="1188950"/>
           </a:xfrm>
         </p:spPr>
@@ -14405,7 +15775,7 @@
           <a:lstStyle/>
           <a:p>
             <a:r>
-              <a:rPr lang="en-US" sz="5400"/>
+              <a:rPr lang="en-US" sz="5400" dirty="0"/>
               <a:t>Crafting Solutions</a:t>
             </a:r>
           </a:p>
@@ -14435,101 +15805,193 @@
         </p:spPr>
         <p:txBody>
           <a:bodyPr anchor="ctr">
-            <a:normAutofit fontScale="92500" lnSpcReduction="10000"/>
+            <a:normAutofit fontScale="92500" lnSpcReduction="20000"/>
           </a:bodyPr>
           <a:lstStyle/>
           <a:p>
             <a:r>
-              <a:rPr lang="en-US" sz="1700"/>
+              <a:rPr lang="en-US" sz="2400" dirty="0">
+                <a:latin typeface="Century Gothic" panose="020B0502020202020204" pitchFamily="34" charset="0"/>
+              </a:rPr>
               <a:t>With these insights in hand, we proposed a series of actionable recommendations for each branch:</a:t>
             </a:r>
           </a:p>
           <a:p>
-            <a:pPr>
+            <a:pPr lvl="1">
               <a:buFont typeface="Arial" panose="020B0604020202020204" pitchFamily="34" charset="0"/>
               <a:buChar char="•"/>
             </a:pPr>
             <a:r>
-              <a:rPr lang="en-US" sz="1700" b="1"/>
-              <a:t>Yangon</a:t>
-            </a:r>
-            <a:r>
-              <a:rPr lang="en-US" sz="1700"/>
+              <a:rPr lang="en-US" sz="1900" b="1" dirty="0">
+                <a:solidFill>
+                  <a:schemeClr val="accent2">
+                    <a:lumMod val="75000"/>
+                  </a:schemeClr>
+                </a:solidFill>
+                <a:latin typeface="Century Gothic" panose="020B0502020202020204" pitchFamily="34" charset="0"/>
+              </a:rPr>
+              <a:t>Naypyitaw</a:t>
+            </a:r>
+            <a:r>
+              <a:rPr lang="ar-EG" sz="1900" b="1" dirty="0">
+                <a:solidFill>
+                  <a:schemeClr val="accent2">
+                    <a:lumMod val="75000"/>
+                  </a:schemeClr>
+                </a:solidFill>
+                <a:latin typeface="Century Gothic" panose="020B0502020202020204" pitchFamily="34" charset="0"/>
+              </a:rPr>
               <a:t>:</a:t>
             </a:r>
-          </a:p>
-          <a:p>
-            <a:pPr marL="742950" lvl="1" indent="-285750">
+            <a:endParaRPr lang="en-US" sz="1900" dirty="0">
+              <a:solidFill>
+                <a:schemeClr val="accent2">
+                  <a:lumMod val="75000"/>
+                </a:schemeClr>
+              </a:solidFill>
+              <a:latin typeface="Century Gothic" panose="020B0502020202020204" pitchFamily="34" charset="0"/>
+            </a:endParaRPr>
+          </a:p>
+          <a:p>
+            <a:pPr lvl="2" indent="-285750">
               <a:buFont typeface="Arial" panose="020B0604020202020204" pitchFamily="34" charset="0"/>
               <a:buChar char="•"/>
             </a:pPr>
             <a:r>
-              <a:rPr lang="en-US" sz="1700" b="1"/>
-              <a:t>Maintain and Enhance</a:t>
-            </a:r>
-            <a:r>
-              <a:rPr lang="en-US" sz="1700"/>
-              <a:t>: Continue the successful practices and explore ways to innovate further. Consider sharing best practices with the other branches.</a:t>
-            </a:r>
-          </a:p>
-          <a:p>
-            <a:pPr>
+              <a:rPr lang="en-US" sz="1700" dirty="0">
+                <a:solidFill>
+                  <a:schemeClr val="accent2">
+                    <a:lumMod val="75000"/>
+                  </a:schemeClr>
+                </a:solidFill>
+                <a:latin typeface="Century Gothic" panose="020B0502020202020204" pitchFamily="34" charset="0"/>
+              </a:rPr>
+              <a:t>Maintain and Enhance: </a:t>
+            </a:r>
+            <a:r>
+              <a:rPr lang="en-US" sz="1700" dirty="0">
+                <a:latin typeface="Century Gothic" panose="020B0502020202020204" pitchFamily="34" charset="0"/>
+              </a:rPr>
+              <a:t>Continue the successful practices and explore ways to innovate further. Consider sharing best practices with the other branches.</a:t>
+            </a:r>
+          </a:p>
+          <a:p>
+            <a:pPr lvl="1">
               <a:buFont typeface="Arial" panose="020B0604020202020204" pitchFamily="34" charset="0"/>
               <a:buChar char="•"/>
             </a:pPr>
             <a:r>
-              <a:rPr lang="en-US" sz="1700" b="1"/>
+              <a:rPr lang="en-US" sz="1900" b="1" dirty="0">
+                <a:solidFill>
+                  <a:schemeClr val="accent2">
+                    <a:lumMod val="75000"/>
+                  </a:schemeClr>
+                </a:solidFill>
+                <a:latin typeface="Century Gothic" panose="020B0502020202020204" pitchFamily="34" charset="0"/>
+              </a:rPr>
               <a:t>Mandalay</a:t>
             </a:r>
             <a:r>
-              <a:rPr lang="en-US" sz="1700"/>
+              <a:rPr lang="ar-EG" sz="1900" b="1" dirty="0">
+                <a:solidFill>
+                  <a:schemeClr val="accent2">
+                    <a:lumMod val="75000"/>
+                  </a:schemeClr>
+                </a:solidFill>
+                <a:latin typeface="Century Gothic" panose="020B0502020202020204" pitchFamily="34" charset="0"/>
+              </a:rPr>
               <a:t>:</a:t>
             </a:r>
-          </a:p>
-          <a:p>
-            <a:pPr marL="742950" lvl="1" indent="-285750">
+            <a:endParaRPr lang="en-US" sz="1900" dirty="0">
+              <a:solidFill>
+                <a:schemeClr val="accent2">
+                  <a:lumMod val="75000"/>
+                </a:schemeClr>
+              </a:solidFill>
+              <a:latin typeface="Century Gothic" panose="020B0502020202020204" pitchFamily="34" charset="0"/>
+            </a:endParaRPr>
+          </a:p>
+          <a:p>
+            <a:pPr lvl="2" indent="-285750">
               <a:buFont typeface="Arial" panose="020B0604020202020204" pitchFamily="34" charset="0"/>
               <a:buChar char="•"/>
             </a:pPr>
             <a:r>
-              <a:rPr lang="en-US" sz="1700" b="1"/>
-              <a:t>Focus on Improvement</a:t>
-            </a:r>
-            <a:r>
-              <a:rPr lang="en-US" sz="1700"/>
-              <a:t>: Conduct customer feedback surveys to identify pain points. Invest in employee training and develop branch-specific promotions to boost engagement.</a:t>
-            </a:r>
-          </a:p>
-          <a:p>
-            <a:pPr>
+              <a:rPr lang="en-US" sz="1700" dirty="0">
+                <a:solidFill>
+                  <a:schemeClr val="accent2">
+                    <a:lumMod val="75000"/>
+                  </a:schemeClr>
+                </a:solidFill>
+                <a:latin typeface="Century Gothic" panose="020B0502020202020204" pitchFamily="34" charset="0"/>
+              </a:rPr>
+              <a:t>Focus on Improvement: </a:t>
+            </a:r>
+            <a:r>
+              <a:rPr lang="en-US" sz="1700" dirty="0">
+                <a:latin typeface="Century Gothic" panose="020B0502020202020204" pitchFamily="34" charset="0"/>
+              </a:rPr>
+              <a:t>Conduct customer feedback surveys to identify pain points. Invest in employee training and develop branch-specific promotions to boost engagement.</a:t>
+            </a:r>
+          </a:p>
+          <a:p>
+            <a:pPr lvl="1">
               <a:buFont typeface="Arial" panose="020B0604020202020204" pitchFamily="34" charset="0"/>
               <a:buChar char="•"/>
             </a:pPr>
             <a:r>
-              <a:rPr lang="en-US" sz="1700" b="1"/>
-              <a:t>Bago</a:t>
-            </a:r>
-            <a:r>
-              <a:rPr lang="en-US" sz="1700"/>
+              <a:rPr lang="en-US" sz="1900" b="1" dirty="0">
+                <a:solidFill>
+                  <a:schemeClr val="accent2">
+                    <a:lumMod val="75000"/>
+                  </a:schemeClr>
+                </a:solidFill>
+                <a:latin typeface="Century Gothic" panose="020B0502020202020204" pitchFamily="34" charset="0"/>
+              </a:rPr>
+              <a:t>Yangon</a:t>
+            </a:r>
+            <a:r>
+              <a:rPr lang="ar-EG" sz="1900" b="1" dirty="0">
+                <a:solidFill>
+                  <a:schemeClr val="accent2">
+                    <a:lumMod val="75000"/>
+                  </a:schemeClr>
+                </a:solidFill>
+                <a:latin typeface="Century Gothic" panose="020B0502020202020204" pitchFamily="34" charset="0"/>
+              </a:rPr>
               <a:t>:</a:t>
             </a:r>
-          </a:p>
-          <a:p>
-            <a:pPr marL="742950" lvl="1" indent="-285750">
+            <a:endParaRPr lang="en-US" sz="1900" dirty="0">
+              <a:solidFill>
+                <a:schemeClr val="accent2">
+                  <a:lumMod val="75000"/>
+                </a:schemeClr>
+              </a:solidFill>
+              <a:latin typeface="Century Gothic" panose="020B0502020202020204" pitchFamily="34" charset="0"/>
+            </a:endParaRPr>
+          </a:p>
+          <a:p>
+            <a:pPr lvl="2" indent="-285750">
               <a:buFont typeface="Arial" panose="020B0604020202020204" pitchFamily="34" charset="0"/>
               <a:buChar char="•"/>
             </a:pPr>
             <a:r>
-              <a:rPr lang="en-US" sz="1700" b="1"/>
-              <a:t>Capitalize on Opportunities</a:t>
-            </a:r>
-            <a:r>
-              <a:rPr lang="en-US" sz="1700"/>
-              <a:t>: Increase marketing efforts and optimize inventory. Explore ways to enhance the shopping experience and differentiate Bago from the other branches.</a:t>
-            </a:r>
-          </a:p>
-          <a:p>
-            <a:endParaRPr lang="en-US" sz="1700"/>
+              <a:rPr lang="en-US" sz="1700" dirty="0">
+                <a:solidFill>
+                  <a:schemeClr val="accent2">
+                    <a:lumMod val="75000"/>
+                  </a:schemeClr>
+                </a:solidFill>
+                <a:latin typeface="Century Gothic" panose="020B0502020202020204" pitchFamily="34" charset="0"/>
+              </a:rPr>
+              <a:t>Capitalize on Opportunities: </a:t>
+            </a:r>
+            <a:r>
+              <a:rPr lang="en-US" sz="1700" dirty="0">
+                <a:latin typeface="Century Gothic" panose="020B0502020202020204" pitchFamily="34" charset="0"/>
+              </a:rPr>
+              <a:t>Increase marketing efforts and optimize inventory. Explore ways to enhance the shopping experience.</a:t>
+            </a:r>
           </a:p>
         </p:txBody>
       </p:sp>
@@ -14546,17 +16008,9 @@
 </p:sld>
 </file>
 
-<file path=ppt/slides/slide7.xml><?xml version="1.0" encoding="utf-8"?>
+<file path=ppt/slides/slide8.xml><?xml version="1.0" encoding="utf-8"?>
 <p:sld xmlns:a="http://schemas.openxmlformats.org/drawingml/2006/main" xmlns:r="http://schemas.openxmlformats.org/officeDocument/2006/relationships" xmlns:p="http://schemas.openxmlformats.org/presentationml/2006/main">
   <p:cSld>
-    <p:bg>
-      <p:bgPr>
-        <a:solidFill>
-          <a:schemeClr val="bg1"/>
-        </a:solidFill>
-        <a:effectLst/>
-      </p:bgPr>
-    </p:bg>
     <p:spTree>
       <p:nvGrpSpPr>
         <p:cNvPr id="1" name=""/>
@@ -14589,7 +16043,7 @@
         </p:nvSpPr>
         <p:spPr>
           <a:xfrm>
-            <a:off x="808638" y="386930"/>
+            <a:off x="808638" y="581483"/>
             <a:ext cx="9236700" cy="1188950"/>
           </a:xfrm>
         </p:spPr>
@@ -14600,7 +16054,7 @@
           <a:lstStyle/>
           <a:p>
             <a:r>
-              <a:rPr lang="en-US" sz="5400"/>
+              <a:rPr lang="en-US" sz="5400" dirty="0"/>
               <a:t>Looking Ahead</a:t>
             </a:r>
           </a:p>
@@ -14624,79 +16078,273 @@
         </p:nvSpPr>
         <p:spPr>
           <a:xfrm>
-            <a:off x="793660" y="2599509"/>
-            <a:ext cx="10143668" cy="3435531"/>
+            <a:off x="808638" y="2611413"/>
+            <a:ext cx="10143668" cy="4151487"/>
           </a:xfrm>
         </p:spPr>
         <p:txBody>
           <a:bodyPr anchor="ctr">
-            <a:normAutofit lnSpcReduction="10000"/>
+            <a:normAutofit fontScale="62500" lnSpcReduction="20000"/>
           </a:bodyPr>
           <a:lstStyle/>
           <a:p>
             <a:r>
-              <a:rPr lang="en-US" sz="2200"/>
+              <a:rPr lang="en-US" sz="3100" dirty="0"/>
               <a:t>Our analysis also revealed future trends that the supermarket should prepare for:</a:t>
             </a:r>
           </a:p>
           <a:p>
-            <a:pPr>
+            <a:pPr lvl="1">
               <a:buFont typeface="+mj-lt"/>
               <a:buAutoNum type="arabicPeriod"/>
             </a:pPr>
             <a:r>
-              <a:rPr lang="en-US" sz="2200" b="1"/>
+              <a:rPr lang="en-US" sz="2600" b="1" dirty="0">
+                <a:solidFill>
+                  <a:schemeClr val="accent2">
+                    <a:lumMod val="75000"/>
+                  </a:schemeClr>
+                </a:solidFill>
+              </a:rPr>
               <a:t>Increased Digital Engagement</a:t>
             </a:r>
             <a:r>
-              <a:rPr lang="en-US" sz="2200"/>
-              <a:t>: Invest in digital platforms to enhance the online shopping experience.</a:t>
-            </a:r>
-          </a:p>
-          <a:p>
-            <a:pPr>
+              <a:rPr lang="en-US" sz="2600" dirty="0">
+                <a:solidFill>
+                  <a:schemeClr val="accent2">
+                    <a:lumMod val="75000"/>
+                  </a:schemeClr>
+                </a:solidFill>
+              </a:rPr>
+              <a:t>:</a:t>
+            </a:r>
+            <a:r>
+              <a:rPr lang="en-US" sz="2600" dirty="0"/>
+              <a:t> Invest in digital platforms to enhance the online shopping experience.</a:t>
+            </a:r>
+          </a:p>
+          <a:p>
+            <a:pPr lvl="1">
               <a:buFont typeface="+mj-lt"/>
               <a:buAutoNum type="arabicPeriod"/>
             </a:pPr>
             <a:r>
-              <a:rPr lang="en-US" sz="2200" b="1"/>
+              <a:rPr lang="en-US" sz="2600" b="1" dirty="0">
+                <a:solidFill>
+                  <a:schemeClr val="accent2">
+                    <a:lumMod val="75000"/>
+                  </a:schemeClr>
+                </a:solidFill>
+              </a:rPr>
               <a:t>Personalized Shopping</a:t>
             </a:r>
             <a:r>
-              <a:rPr lang="en-US" sz="2200"/>
-              <a:t>: Use customer data to create personalized promotions and product recommendations.</a:t>
-            </a:r>
-          </a:p>
-          <a:p>
-            <a:pPr>
+              <a:rPr lang="en-US" sz="2600" dirty="0">
+                <a:solidFill>
+                  <a:schemeClr val="accent2">
+                    <a:lumMod val="75000"/>
+                  </a:schemeClr>
+                </a:solidFill>
+              </a:rPr>
+              <a:t>: </a:t>
+            </a:r>
+            <a:r>
+              <a:rPr lang="en-US" sz="2600" dirty="0"/>
+              <a:t>Use customer data to create personalized promotions and product recommendations.</a:t>
+            </a:r>
+          </a:p>
+          <a:p>
+            <a:pPr lvl="1">
               <a:buFont typeface="+mj-lt"/>
               <a:buAutoNum type="arabicPeriod"/>
             </a:pPr>
             <a:r>
-              <a:rPr lang="en-US" sz="2200" b="1"/>
+              <a:rPr lang="en-US" sz="2600" b="1" dirty="0">
+                <a:solidFill>
+                  <a:schemeClr val="accent2">
+                    <a:lumMod val="75000"/>
+                  </a:schemeClr>
+                </a:solidFill>
+              </a:rPr>
               <a:t>Sustainability</a:t>
             </a:r>
             <a:r>
-              <a:rPr lang="en-US" sz="2200"/>
-              <a:t>: Expand the range of organic and eco-friendly products.</a:t>
-            </a:r>
-          </a:p>
-          <a:p>
-            <a:pPr>
+              <a:rPr lang="en-US" sz="2600" dirty="0">
+                <a:solidFill>
+                  <a:schemeClr val="accent2">
+                    <a:lumMod val="75000"/>
+                  </a:schemeClr>
+                </a:solidFill>
+              </a:rPr>
+              <a:t>:</a:t>
+            </a:r>
+            <a:r>
+              <a:rPr lang="en-US" sz="2600" dirty="0"/>
+              <a:t> Expand the range of organic and eco-friendly products.</a:t>
+            </a:r>
+          </a:p>
+          <a:p>
+            <a:pPr lvl="1">
               <a:buFont typeface="+mj-lt"/>
               <a:buAutoNum type="arabicPeriod"/>
             </a:pPr>
             <a:r>
-              <a:rPr lang="en-US" sz="2200" b="1"/>
-              <a:t>Omni-Channel Shopping</a:t>
-            </a:r>
-            <a:r>
-              <a:rPr lang="en-US" sz="2200"/>
-              <a:t>: Ensure a seamless shopping experience between online and in-store.</a:t>
-            </a:r>
-          </a:p>
-          <a:p>
-            <a:endParaRPr lang="en-US" sz="2200"/>
+              <a:rPr lang="en-US" sz="2600" b="1" dirty="0">
+                <a:solidFill>
+                  <a:schemeClr val="accent2">
+                    <a:lumMod val="75000"/>
+                  </a:schemeClr>
+                </a:solidFill>
+              </a:rPr>
+              <a:t>Enhanced Customer Experience</a:t>
+            </a:r>
+            <a:r>
+              <a:rPr lang="en-US" sz="2600" dirty="0">
+                <a:solidFill>
+                  <a:schemeClr val="accent2">
+                    <a:lumMod val="75000"/>
+                  </a:schemeClr>
+                </a:solidFill>
+              </a:rPr>
+              <a:t>: </a:t>
+            </a:r>
+            <a:r>
+              <a:rPr lang="en-US" sz="2600" dirty="0"/>
+              <a:t>Focus on customer service improvements, especially in Mandalay.</a:t>
+            </a:r>
+          </a:p>
+          <a:p>
+            <a:pPr lvl="1">
+              <a:buFont typeface="+mj-lt"/>
+              <a:buAutoNum type="arabicPeriod"/>
+            </a:pPr>
+            <a:r>
+              <a:rPr lang="en-US" sz="2600" b="1" dirty="0">
+                <a:solidFill>
+                  <a:schemeClr val="accent2">
+                    <a:lumMod val="75000"/>
+                  </a:schemeClr>
+                </a:solidFill>
+              </a:rPr>
+              <a:t>Targeted Marketing</a:t>
+            </a:r>
+            <a:r>
+              <a:rPr lang="en-US" sz="2600" dirty="0">
+                <a:solidFill>
+                  <a:schemeClr val="accent2">
+                    <a:lumMod val="75000"/>
+                  </a:schemeClr>
+                </a:solidFill>
+              </a:rPr>
+              <a:t>:</a:t>
+            </a:r>
+            <a:r>
+              <a:rPr lang="en-US" sz="2600" dirty="0"/>
+              <a:t> Tailor marketing strategies to gender preferences and seasonal trends.</a:t>
+            </a:r>
+          </a:p>
+          <a:p>
+            <a:pPr lvl="1">
+              <a:buFont typeface="+mj-lt"/>
+              <a:buAutoNum type="arabicPeriod"/>
+            </a:pPr>
+            <a:r>
+              <a:rPr lang="en-US" sz="2600" b="1" dirty="0">
+                <a:solidFill>
+                  <a:schemeClr val="accent2">
+                    <a:lumMod val="75000"/>
+                  </a:schemeClr>
+                </a:solidFill>
+              </a:rPr>
+              <a:t>Leverage Social Media</a:t>
+            </a:r>
+            <a:r>
+              <a:rPr lang="en-US" sz="2600" dirty="0">
+                <a:solidFill>
+                  <a:schemeClr val="accent2">
+                    <a:lumMod val="75000"/>
+                  </a:schemeClr>
+                </a:solidFill>
+              </a:rPr>
+              <a:t>: </a:t>
+            </a:r>
+            <a:r>
+              <a:rPr lang="en-US" sz="2600" dirty="0"/>
+              <a:t>Collaborate with influencers to boost sales in specific product categories.</a:t>
+            </a:r>
+          </a:p>
+          <a:p>
+            <a:pPr lvl="1">
+              <a:buFont typeface="+mj-lt"/>
+              <a:buAutoNum type="arabicPeriod"/>
+            </a:pPr>
+            <a:r>
+              <a:rPr lang="en-US" sz="2600" b="1" dirty="0">
+                <a:solidFill>
+                  <a:schemeClr val="accent2">
+                    <a:lumMod val="75000"/>
+                  </a:schemeClr>
+                </a:solidFill>
+              </a:rPr>
+              <a:t>Technological Adaptation</a:t>
+            </a:r>
+            <a:r>
+              <a:rPr lang="en-US" sz="2600" dirty="0">
+                <a:solidFill>
+                  <a:schemeClr val="accent2">
+                    <a:lumMod val="75000"/>
+                  </a:schemeClr>
+                </a:solidFill>
+              </a:rPr>
+              <a:t>: </a:t>
+            </a:r>
+            <a:r>
+              <a:rPr lang="en-US" sz="2600" dirty="0"/>
+              <a:t>Invest in AI and other technologies to stay ahead of market trends.</a:t>
+            </a:r>
+          </a:p>
+          <a:p>
+            <a:pPr lvl="1">
+              <a:buFont typeface="+mj-lt"/>
+              <a:buAutoNum type="arabicPeriod"/>
+            </a:pPr>
+            <a:r>
+              <a:rPr lang="en-US" sz="2600" b="1" dirty="0">
+                <a:solidFill>
+                  <a:schemeClr val="accent2">
+                    <a:lumMod val="75000"/>
+                  </a:schemeClr>
+                </a:solidFill>
+              </a:rPr>
+              <a:t>Health and Safety</a:t>
+            </a:r>
+            <a:r>
+              <a:rPr lang="en-US" sz="2600" dirty="0">
+                <a:solidFill>
+                  <a:schemeClr val="accent2">
+                    <a:lumMod val="75000"/>
+                  </a:schemeClr>
+                </a:solidFill>
+              </a:rPr>
+              <a:t>: </a:t>
+            </a:r>
+            <a:r>
+              <a:rPr lang="en-US" sz="2600" dirty="0"/>
+              <a:t>Maintain strong health and safety measures to reassure customers.</a:t>
+            </a:r>
+          </a:p>
+          <a:p>
+            <a:pPr lvl="1">
+              <a:buFont typeface="+mj-lt"/>
+              <a:buAutoNum type="arabicPeriod"/>
+            </a:pPr>
+            <a:endParaRPr lang="en-US" sz="2000" dirty="0"/>
+          </a:p>
+          <a:p>
+            <a:pPr marL="0" indent="0">
+              <a:buNone/>
+            </a:pPr>
+            <a:endParaRPr lang="en-US" sz="2200" dirty="0"/>
           </a:p>
         </p:txBody>
       </p:sp>
@@ -14704,141 +16352,6 @@
     <p:extLst>
       <p:ext uri="{BB962C8B-B14F-4D97-AF65-F5344CB8AC3E}">
         <p14:creationId xmlns:p14="http://schemas.microsoft.com/office/powerpoint/2010/main" val="1392239031"/>
-      </p:ext>
-    </p:extLst>
-  </p:cSld>
-  <p:clrMapOvr>
-    <a:masterClrMapping/>
-  </p:clrMapOvr>
-</p:sld>
-</file>
-
-<file path=ppt/slides/slide8.xml><?xml version="1.0" encoding="utf-8"?>
-<p:sld xmlns:a="http://schemas.openxmlformats.org/drawingml/2006/main" xmlns:r="http://schemas.openxmlformats.org/officeDocument/2006/relationships" xmlns:p="http://schemas.openxmlformats.org/presentationml/2006/main">
-  <p:cSld>
-    <p:spTree>
-      <p:nvGrpSpPr>
-        <p:cNvPr id="1" name=""/>
-        <p:cNvGrpSpPr/>
-        <p:nvPr/>
-      </p:nvGrpSpPr>
-      <p:grpSpPr>
-        <a:xfrm>
-          <a:off x="0" y="0"/>
-          <a:ext cx="0" cy="0"/>
-          <a:chOff x="0" y="0"/>
-          <a:chExt cx="0" cy="0"/>
-        </a:xfrm>
-      </p:grpSpPr>
-      <p:sp>
-        <p:nvSpPr>
-          <p:cNvPr id="2" name="Title 1">
-            <a:extLst>
-              <a:ext uri="{FF2B5EF4-FFF2-40B4-BE49-F238E27FC236}">
-                <a16:creationId xmlns:a16="http://schemas.microsoft.com/office/drawing/2014/main" id="{A5B094FA-6D94-AAFC-815D-39EBB44F76A5}"/>
-              </a:ext>
-            </a:extLst>
-          </p:cNvPr>
-          <p:cNvSpPr>
-            <a:spLocks noGrp="1"/>
-          </p:cNvSpPr>
-          <p:nvPr>
-            <p:ph type="title"/>
-          </p:nvPr>
-        </p:nvSpPr>
-        <p:spPr/>
-        <p:txBody>
-          <a:bodyPr/>
-          <a:lstStyle/>
-          <a:p>
-            <a:r>
-              <a:rPr lang="en-US" dirty="0"/>
-              <a:t>Looking Ahead</a:t>
-            </a:r>
-          </a:p>
-        </p:txBody>
-      </p:sp>
-      <p:sp>
-        <p:nvSpPr>
-          <p:cNvPr id="3" name="Content Placeholder 2">
-            <a:extLst>
-              <a:ext uri="{FF2B5EF4-FFF2-40B4-BE49-F238E27FC236}">
-                <a16:creationId xmlns:a16="http://schemas.microsoft.com/office/drawing/2014/main" id="{D3D3136A-1C76-A0C0-4013-CD4F9B503AFB}"/>
-              </a:ext>
-            </a:extLst>
-          </p:cNvPr>
-          <p:cNvSpPr>
-            <a:spLocks noGrp="1"/>
-          </p:cNvSpPr>
-          <p:nvPr>
-            <p:ph idx="1"/>
-          </p:nvPr>
-        </p:nvSpPr>
-        <p:spPr/>
-        <p:txBody>
-          <a:bodyPr>
-            <a:normAutofit/>
-          </a:bodyPr>
-          <a:lstStyle/>
-          <a:p>
-            <a:r>
-              <a:rPr lang="en-US" b="1" dirty="0"/>
-              <a:t>5.Enhanced Customer Experience</a:t>
-            </a:r>
-            <a:r>
-              <a:rPr lang="en-US" dirty="0"/>
-              <a:t>: Focus on customer service improvements, especially in Mandalay.</a:t>
-            </a:r>
-          </a:p>
-          <a:p>
-            <a:r>
-              <a:rPr lang="en-US" b="1" dirty="0"/>
-              <a:t>6.Targeted Marketing</a:t>
-            </a:r>
-            <a:r>
-              <a:rPr lang="en-US" dirty="0"/>
-              <a:t>: Tailor marketing strategies to gender preferences and seasonal trends.</a:t>
-            </a:r>
-          </a:p>
-          <a:p>
-            <a:r>
-              <a:rPr lang="en-US" b="1" dirty="0"/>
-              <a:t>7.Leverage Social Media</a:t>
-            </a:r>
-            <a:r>
-              <a:rPr lang="en-US" dirty="0"/>
-              <a:t>: Collaborate with influencers to boost sales in specific product categories.</a:t>
-            </a:r>
-          </a:p>
-          <a:p>
-            <a:r>
-              <a:rPr lang="en-US" b="1" dirty="0"/>
-              <a:t>8.Technological Adaptation</a:t>
-            </a:r>
-            <a:r>
-              <a:rPr lang="en-US" dirty="0"/>
-              <a:t>: Invest in AI and other technologies to stay ahead of market trends.</a:t>
-            </a:r>
-          </a:p>
-          <a:p>
-            <a:r>
-              <a:rPr lang="en-US" b="1" dirty="0"/>
-              <a:t>9.Health and Safety</a:t>
-            </a:r>
-            <a:r>
-              <a:rPr lang="en-US" dirty="0"/>
-              <a:t>: Maintain strong health and safety measures to reassure customers.</a:t>
-            </a:r>
-          </a:p>
-          <a:p>
-            <a:endParaRPr lang="en-US" dirty="0"/>
-          </a:p>
-        </p:txBody>
-      </p:sp>
-    </p:spTree>
-    <p:extLst>
-      <p:ext uri="{BB962C8B-B14F-4D97-AF65-F5344CB8AC3E}">
-        <p14:creationId xmlns:p14="http://schemas.microsoft.com/office/powerpoint/2010/main" val="1913670339"/>
       </p:ext>
     </p:extLst>
   </p:cSld>
@@ -14881,13 +16394,18 @@
             <p:ph type="title"/>
           </p:nvPr>
         </p:nvSpPr>
-        <p:spPr/>
+        <p:spPr>
+          <a:xfrm>
+            <a:off x="1154953" y="749030"/>
+            <a:ext cx="8761413" cy="1021931"/>
+          </a:xfrm>
+        </p:spPr>
         <p:txBody>
           <a:bodyPr/>
           <a:lstStyle/>
           <a:p>
             <a:r>
-              <a:rPr lang="en-US" dirty="0"/>
+              <a:rPr lang="en-US" sz="5400" dirty="0"/>
               <a:t>The Transformation</a:t>
             </a:r>
           </a:p>
@@ -14912,24 +16430,24 @@
         <p:spPr/>
         <p:txBody>
           <a:bodyPr>
-            <a:normAutofit/>
+            <a:normAutofit fontScale="92500" lnSpcReduction="10000"/>
           </a:bodyPr>
           <a:lstStyle/>
           <a:p>
             <a:r>
-              <a:rPr lang="en-US" dirty="0"/>
-              <a:t>With our recommendations in place, Maya, Raj, and Nina began implementing changes. Yangon continued to thrive, Mandalay saw improvements in customer satisfaction, and Bago began to sparkle with new promotions and enhanced experiences.</a:t>
-            </a:r>
-          </a:p>
-          <a:p>
-            <a:r>
-              <a:rPr lang="en-US" dirty="0"/>
+              <a:rPr lang="en-US" sz="2200" dirty="0"/>
+              <a:t>With our recommendations in place, Maya, Raj, and Nina began implementing changes. Naypyitaw continued to thrive, Mandalay saw improvements in customer satisfaction, and Yangon began to sparkle with new promotions and enhanced experiences.</a:t>
+            </a:r>
+          </a:p>
+          <a:p>
+            <a:r>
+              <a:rPr lang="en-US" sz="2200" dirty="0"/>
               <a:t>The supermarket was now better equipped to meet changing customer needs and market conditions. By embracing data-driven insights, the supermarket was set on a path of continuous growth and success.</a:t>
             </a:r>
           </a:p>
           <a:p>
             <a:r>
-              <a:rPr lang="en-US" dirty="0"/>
+              <a:rPr lang="en-US" sz="2200" dirty="0"/>
               <a:t>And so, the journey of transformation concluded with a brighter future for all three branches, proving that with the right insights and strategies, any challenge can become an opportunity.</a:t>
             </a:r>
           </a:p>
@@ -14962,34 +16480,34 @@
         <a:sysClr val="window" lastClr="FFFFFF"/>
       </a:lt1>
       <a:dk2>
-        <a:srgbClr val="3B3059"/>
+        <a:srgbClr val="EE5818"/>
       </a:dk2>
       <a:lt2>
         <a:srgbClr val="EBEBEB"/>
       </a:lt2>
       <a:accent1>
-        <a:srgbClr val="B31166"/>
+        <a:srgbClr val="F5A408"/>
       </a:accent1>
       <a:accent2>
-        <a:srgbClr val="E33D6F"/>
+        <a:srgbClr val="FA731A"/>
       </a:accent2>
       <a:accent3>
-        <a:srgbClr val="E45F3C"/>
+        <a:srgbClr val="AB9281"/>
       </a:accent3>
       <a:accent4>
-        <a:srgbClr val="E9943A"/>
+        <a:srgbClr val="A18CD0"/>
       </a:accent4>
       <a:accent5>
-        <a:srgbClr val="9B6BF2"/>
+        <a:srgbClr val="8EBBD2"/>
       </a:accent5>
       <a:accent6>
-        <a:srgbClr val="D53DD0"/>
+        <a:srgbClr val="ACC995"/>
       </a:accent6>
       <a:hlink>
-        <a:srgbClr val="8F8F8F"/>
+        <a:srgbClr val="FAC96A"/>
       </a:hlink>
       <a:folHlink>
-        <a:srgbClr val="A5A5A5"/>
+        <a:srgbClr val="FCDB9B"/>
       </a:folHlink>
     </a:clrScheme>
     <a:fontScheme name="Ion Boardroom">
@@ -15166,9 +16684,9 @@
             <a:gs pos="0">
               <a:schemeClr val="phClr">
                 <a:tint val="98000"/>
-                <a:hueMod val="124000"/>
-                <a:satMod val="148000"/>
-                <a:lumMod val="124000"/>
+                <a:hueMod val="104000"/>
+                <a:satMod val="128000"/>
+                <a:lumMod val="104000"/>
               </a:schemeClr>
             </a:gs>
             <a:gs pos="100000">
@@ -15176,7 +16694,7 @@
                 <a:shade val="76000"/>
                 <a:hueMod val="89000"/>
                 <a:satMod val="164000"/>
-                <a:lumMod val="56000"/>
+                <a:lumMod val="68000"/>
               </a:schemeClr>
             </a:gs>
           </a:gsLst>
@@ -15188,15 +16706,14 @@
           <a:blip xmlns:r="http://schemas.openxmlformats.org/officeDocument/2006/relationships" r:embed="rId1">
             <a:duotone>
               <a:schemeClr val="phClr">
-                <a:shade val="69000"/>
-                <a:hueMod val="91000"/>
-                <a:satMod val="164000"/>
-                <a:lumMod val="74000"/>
+                <a:shade val="42000"/>
+                <a:hueMod val="42000"/>
+                <a:satMod val="124000"/>
+                <a:lumMod val="62000"/>
               </a:schemeClr>
               <a:schemeClr val="phClr">
-                <a:hueMod val="124000"/>
-                <a:satMod val="140000"/>
-                <a:lumMod val="142000"/>
+                <a:tint val="96000"/>
+                <a:satMod val="130000"/>
               </a:schemeClr>
             </a:duotone>
           </a:blip>
@@ -15209,7 +16726,7 @@
   <a:extraClrSchemeLst/>
   <a:extLst>
     <a:ext uri="{05A4C25C-085E-4340-85A3-A5531E510DB2}">
-      <thm15:themeFamily xmlns:thm15="http://schemas.microsoft.com/office/thememl/2012/main" name="Ion Boardroom" id="{FC33163D-4339-46B1-8EED-24C834239D99}" vid="{B8502691-933B-45FE-8764-BA278511EF27}"/>
+      <thm15:themeFamily xmlns:thm15="http://schemas.microsoft.com/office/thememl/2012/main" name="Ion Boardroom" id="{FC33163D-4339-46B1-8EED-24C834239D99}" vid="{BF1C4790-FE3C-4020-8CA7-00621DA7BBBC}"/>
     </a:ext>
   </a:extLst>
 </a:theme>
